--- a/Z3Solver.pptx
+++ b/Z3Solver.pptx
@@ -5,17 +5,19 @@
     <p:sldMasterId id="2147483672" r:id="rId4"/>
   </p:sldMasterIdLst>
   <p:notesMasterIdLst>
-    <p:notesMasterId r:id="rId10"/>
+    <p:notesMasterId r:id="rId12"/>
   </p:notesMasterIdLst>
   <p:handoutMasterIdLst>
-    <p:handoutMasterId r:id="rId11"/>
+    <p:handoutMasterId r:id="rId13"/>
   </p:handoutMasterIdLst>
   <p:sldIdLst>
     <p:sldId id="256" r:id="rId5"/>
-    <p:sldId id="261" r:id="rId6"/>
-    <p:sldId id="258" r:id="rId7"/>
-    <p:sldId id="259" r:id="rId8"/>
-    <p:sldId id="260" r:id="rId9"/>
+    <p:sldId id="262" r:id="rId6"/>
+    <p:sldId id="261" r:id="rId7"/>
+    <p:sldId id="263" r:id="rId8"/>
+    <p:sldId id="264" r:id="rId9"/>
+    <p:sldId id="265" r:id="rId10"/>
+    <p:sldId id="260" r:id="rId11"/>
   </p:sldIdLst>
   <p:sldSz cx="12192000" cy="6858000"/>
   <p:notesSz cx="6858000" cy="9144000"/>
@@ -1046,891 +1048,151 @@
 </dgm:colorsDef>
 </file>
 
-<file path=ppt/diagrams/colors2.xml><?xml version="1.0" encoding="utf-8"?>
-<dgm:colorsDef xmlns:dgm="http://schemas.openxmlformats.org/drawingml/2006/diagram" xmlns:a="http://schemas.openxmlformats.org/drawingml/2006/main" uniqueId="urn:microsoft.com/office/officeart/2005/8/colors/accent2_2">
-  <dgm:title val=""/>
-  <dgm:desc val=""/>
-  <dgm:catLst>
-    <dgm:cat type="accent2" pri="11200"/>
-  </dgm:catLst>
-  <dgm:styleLbl name="node0">
-    <dgm:fillClrLst meth="repeat">
-      <a:schemeClr val="accent2"/>
-    </dgm:fillClrLst>
-    <dgm:linClrLst meth="repeat">
-      <a:schemeClr val="lt1"/>
-    </dgm:linClrLst>
-    <dgm:effectClrLst/>
-    <dgm:txLinClrLst/>
-    <dgm:txFillClrLst/>
-    <dgm:txEffectClrLst/>
-  </dgm:styleLbl>
-  <dgm:styleLbl name="node1">
-    <dgm:fillClrLst meth="repeat">
-      <a:schemeClr val="accent2"/>
-    </dgm:fillClrLst>
-    <dgm:linClrLst meth="repeat">
-      <a:schemeClr val="lt1"/>
-    </dgm:linClrLst>
-    <dgm:effectClrLst/>
-    <dgm:txLinClrLst/>
-    <dgm:txFillClrLst/>
-    <dgm:txEffectClrLst/>
-  </dgm:styleLbl>
-  <dgm:styleLbl name="alignNode1">
-    <dgm:fillClrLst meth="repeat">
-      <a:schemeClr val="accent2"/>
-    </dgm:fillClrLst>
-    <dgm:linClrLst meth="repeat">
-      <a:schemeClr val="accent2"/>
-    </dgm:linClrLst>
-    <dgm:effectClrLst/>
-    <dgm:txLinClrLst/>
-    <dgm:txFillClrLst/>
-    <dgm:txEffectClrLst/>
-  </dgm:styleLbl>
-  <dgm:styleLbl name="lnNode1">
-    <dgm:fillClrLst meth="repeat">
-      <a:schemeClr val="accent2"/>
-    </dgm:fillClrLst>
-    <dgm:linClrLst meth="repeat">
-      <a:schemeClr val="lt1"/>
-    </dgm:linClrLst>
-    <dgm:effectClrLst/>
-    <dgm:txLinClrLst/>
-    <dgm:txFillClrLst/>
-    <dgm:txEffectClrLst/>
-  </dgm:styleLbl>
-  <dgm:styleLbl name="vennNode1">
-    <dgm:fillClrLst meth="repeat">
-      <a:schemeClr val="accent2">
-        <a:alpha val="50000"/>
-      </a:schemeClr>
-    </dgm:fillClrLst>
-    <dgm:linClrLst meth="repeat">
-      <a:schemeClr val="lt1"/>
-    </dgm:linClrLst>
-    <dgm:effectClrLst/>
-    <dgm:txLinClrLst/>
-    <dgm:txFillClrLst/>
-    <dgm:txEffectClrLst/>
-  </dgm:styleLbl>
-  <dgm:styleLbl name="node2">
-    <dgm:fillClrLst meth="repeat">
-      <a:schemeClr val="accent2"/>
-    </dgm:fillClrLst>
-    <dgm:linClrLst meth="repeat">
-      <a:schemeClr val="lt1"/>
-    </dgm:linClrLst>
-    <dgm:effectClrLst/>
-    <dgm:txLinClrLst/>
-    <dgm:txFillClrLst/>
-    <dgm:txEffectClrLst/>
-  </dgm:styleLbl>
-  <dgm:styleLbl name="node3">
-    <dgm:fillClrLst meth="repeat">
-      <a:schemeClr val="accent2"/>
-    </dgm:fillClrLst>
-    <dgm:linClrLst meth="repeat">
-      <a:schemeClr val="lt1"/>
-    </dgm:linClrLst>
-    <dgm:effectClrLst/>
-    <dgm:txLinClrLst/>
-    <dgm:txFillClrLst/>
-    <dgm:txEffectClrLst/>
-  </dgm:styleLbl>
-  <dgm:styleLbl name="node4">
-    <dgm:fillClrLst meth="repeat">
-      <a:schemeClr val="accent2"/>
-    </dgm:fillClrLst>
-    <dgm:linClrLst meth="repeat">
-      <a:schemeClr val="lt1"/>
-    </dgm:linClrLst>
-    <dgm:effectClrLst/>
-    <dgm:txLinClrLst/>
-    <dgm:txFillClrLst/>
-    <dgm:txEffectClrLst/>
-  </dgm:styleLbl>
-  <dgm:styleLbl name="fgImgPlace1">
-    <dgm:fillClrLst meth="repeat">
-      <a:schemeClr val="accent2">
-        <a:tint val="50000"/>
-      </a:schemeClr>
-    </dgm:fillClrLst>
-    <dgm:linClrLst meth="repeat">
-      <a:schemeClr val="lt1"/>
-    </dgm:linClrLst>
-    <dgm:effectClrLst/>
-    <dgm:txLinClrLst/>
-    <dgm:txFillClrLst meth="repeat">
-      <a:schemeClr val="lt1"/>
-    </dgm:txFillClrLst>
-    <dgm:txEffectClrLst/>
-  </dgm:styleLbl>
-  <dgm:styleLbl name="alignImgPlace1">
-    <dgm:fillClrLst meth="repeat">
-      <a:schemeClr val="accent2">
-        <a:tint val="50000"/>
-      </a:schemeClr>
-    </dgm:fillClrLst>
-    <dgm:linClrLst meth="repeat">
-      <a:schemeClr val="lt1"/>
-    </dgm:linClrLst>
-    <dgm:effectClrLst/>
-    <dgm:txLinClrLst/>
-    <dgm:txFillClrLst meth="repeat">
-      <a:schemeClr val="lt1"/>
-    </dgm:txFillClrLst>
-    <dgm:txEffectClrLst/>
-  </dgm:styleLbl>
-  <dgm:styleLbl name="bgImgPlace1">
-    <dgm:fillClrLst meth="repeat">
-      <a:schemeClr val="accent2">
-        <a:tint val="50000"/>
-      </a:schemeClr>
-    </dgm:fillClrLst>
-    <dgm:linClrLst meth="repeat">
-      <a:schemeClr val="lt1"/>
-    </dgm:linClrLst>
-    <dgm:effectClrLst/>
-    <dgm:txLinClrLst/>
-    <dgm:txFillClrLst meth="repeat">
-      <a:schemeClr val="lt1"/>
-    </dgm:txFillClrLst>
-    <dgm:txEffectClrLst/>
-  </dgm:styleLbl>
-  <dgm:styleLbl name="sibTrans2D1">
-    <dgm:fillClrLst meth="repeat">
-      <a:schemeClr val="accent2">
-        <a:tint val="60000"/>
-      </a:schemeClr>
-    </dgm:fillClrLst>
-    <dgm:linClrLst meth="repeat">
-      <a:schemeClr val="accent2">
-        <a:tint val="60000"/>
-      </a:schemeClr>
-    </dgm:linClrLst>
-    <dgm:effectClrLst/>
-    <dgm:txLinClrLst/>
-    <dgm:txFillClrLst/>
-    <dgm:txEffectClrLst/>
-  </dgm:styleLbl>
-  <dgm:styleLbl name="fgSibTrans2D1">
-    <dgm:fillClrLst meth="repeat">
-      <a:schemeClr val="accent2">
-        <a:tint val="60000"/>
-      </a:schemeClr>
-    </dgm:fillClrLst>
-    <dgm:linClrLst meth="repeat">
-      <a:schemeClr val="accent2">
-        <a:tint val="60000"/>
-      </a:schemeClr>
-    </dgm:linClrLst>
-    <dgm:effectClrLst/>
-    <dgm:txLinClrLst/>
-    <dgm:txFillClrLst/>
-    <dgm:txEffectClrLst/>
-  </dgm:styleLbl>
-  <dgm:styleLbl name="bgSibTrans2D1">
-    <dgm:fillClrLst meth="repeat">
-      <a:schemeClr val="accent2">
-        <a:tint val="60000"/>
-      </a:schemeClr>
-    </dgm:fillClrLst>
-    <dgm:linClrLst meth="repeat">
-      <a:schemeClr val="accent2">
-        <a:tint val="60000"/>
-      </a:schemeClr>
-    </dgm:linClrLst>
-    <dgm:effectClrLst/>
-    <dgm:txLinClrLst/>
-    <dgm:txFillClrLst/>
-    <dgm:txEffectClrLst/>
-  </dgm:styleLbl>
-  <dgm:styleLbl name="sibTrans1D1">
-    <dgm:fillClrLst meth="repeat">
-      <a:schemeClr val="accent2"/>
-    </dgm:fillClrLst>
-    <dgm:linClrLst meth="repeat">
-      <a:schemeClr val="accent2"/>
-    </dgm:linClrLst>
-    <dgm:effectClrLst/>
-    <dgm:txLinClrLst/>
-    <dgm:txFillClrLst meth="repeat">
-      <a:schemeClr val="tx1"/>
-    </dgm:txFillClrLst>
-    <dgm:txEffectClrLst/>
-  </dgm:styleLbl>
-  <dgm:styleLbl name="callout">
-    <dgm:fillClrLst meth="repeat">
-      <a:schemeClr val="accent2"/>
-    </dgm:fillClrLst>
-    <dgm:linClrLst meth="repeat">
-      <a:schemeClr val="accent2">
-        <a:tint val="50000"/>
-      </a:schemeClr>
-    </dgm:linClrLst>
-    <dgm:effectClrLst/>
-    <dgm:txLinClrLst/>
-    <dgm:txFillClrLst meth="repeat">
-      <a:schemeClr val="tx1"/>
-    </dgm:txFillClrLst>
-    <dgm:txEffectClrLst/>
-  </dgm:styleLbl>
-  <dgm:styleLbl name="asst0">
-    <dgm:fillClrLst meth="repeat">
-      <a:schemeClr val="accent2"/>
-    </dgm:fillClrLst>
-    <dgm:linClrLst meth="repeat">
-      <a:schemeClr val="lt1"/>
-    </dgm:linClrLst>
-    <dgm:effectClrLst/>
-    <dgm:txLinClrLst/>
-    <dgm:txFillClrLst/>
-    <dgm:txEffectClrLst/>
-  </dgm:styleLbl>
-  <dgm:styleLbl name="asst1">
-    <dgm:fillClrLst meth="repeat">
-      <a:schemeClr val="accent2"/>
-    </dgm:fillClrLst>
-    <dgm:linClrLst meth="repeat">
-      <a:schemeClr val="lt1"/>
-    </dgm:linClrLst>
-    <dgm:effectClrLst/>
-    <dgm:txLinClrLst/>
-    <dgm:txFillClrLst/>
-    <dgm:txEffectClrLst/>
-  </dgm:styleLbl>
-  <dgm:styleLbl name="asst2">
-    <dgm:fillClrLst meth="repeat">
-      <a:schemeClr val="accent2"/>
-    </dgm:fillClrLst>
-    <dgm:linClrLst meth="repeat">
-      <a:schemeClr val="lt1"/>
-    </dgm:linClrLst>
-    <dgm:effectClrLst/>
-    <dgm:txLinClrLst/>
-    <dgm:txFillClrLst/>
-    <dgm:txEffectClrLst/>
-  </dgm:styleLbl>
-  <dgm:styleLbl name="asst3">
-    <dgm:fillClrLst meth="repeat">
-      <a:schemeClr val="accent2"/>
-    </dgm:fillClrLst>
-    <dgm:linClrLst meth="repeat">
-      <a:schemeClr val="lt1"/>
-    </dgm:linClrLst>
-    <dgm:effectClrLst/>
-    <dgm:txLinClrLst/>
-    <dgm:txFillClrLst/>
-    <dgm:txEffectClrLst/>
-  </dgm:styleLbl>
-  <dgm:styleLbl name="asst4">
-    <dgm:fillClrLst meth="repeat">
-      <a:schemeClr val="accent2"/>
-    </dgm:fillClrLst>
-    <dgm:linClrLst meth="repeat">
-      <a:schemeClr val="lt1"/>
-    </dgm:linClrLst>
-    <dgm:effectClrLst/>
-    <dgm:txLinClrLst/>
-    <dgm:txFillClrLst/>
-    <dgm:txEffectClrLst/>
-  </dgm:styleLbl>
-  <dgm:styleLbl name="parChTrans2D1">
-    <dgm:fillClrLst meth="repeat">
-      <a:schemeClr val="accent2">
-        <a:tint val="60000"/>
-      </a:schemeClr>
-    </dgm:fillClrLst>
-    <dgm:linClrLst meth="repeat">
-      <a:schemeClr val="accent2">
-        <a:tint val="60000"/>
-      </a:schemeClr>
-    </dgm:linClrLst>
-    <dgm:effectClrLst/>
-    <dgm:txLinClrLst/>
-    <dgm:txFillClrLst meth="repeat">
-      <a:schemeClr val="lt1"/>
-    </dgm:txFillClrLst>
-    <dgm:txEffectClrLst/>
-  </dgm:styleLbl>
-  <dgm:styleLbl name="parChTrans2D2">
-    <dgm:fillClrLst meth="repeat">
-      <a:schemeClr val="accent2"/>
-    </dgm:fillClrLst>
-    <dgm:linClrLst meth="repeat">
-      <a:schemeClr val="accent2"/>
-    </dgm:linClrLst>
-    <dgm:effectClrLst/>
-    <dgm:txLinClrLst/>
-    <dgm:txFillClrLst meth="repeat">
-      <a:schemeClr val="lt1"/>
-    </dgm:txFillClrLst>
-    <dgm:txEffectClrLst/>
-  </dgm:styleLbl>
-  <dgm:styleLbl name="parChTrans2D3">
-    <dgm:fillClrLst meth="repeat">
-      <a:schemeClr val="accent2"/>
-    </dgm:fillClrLst>
-    <dgm:linClrLst meth="repeat">
-      <a:schemeClr val="accent2"/>
-    </dgm:linClrLst>
-    <dgm:effectClrLst/>
-    <dgm:txLinClrLst/>
-    <dgm:txFillClrLst meth="repeat">
-      <a:schemeClr val="lt1"/>
-    </dgm:txFillClrLst>
-    <dgm:txEffectClrLst/>
-  </dgm:styleLbl>
-  <dgm:styleLbl name="parChTrans2D4">
-    <dgm:fillClrLst meth="repeat">
-      <a:schemeClr val="accent2"/>
-    </dgm:fillClrLst>
-    <dgm:linClrLst meth="repeat">
-      <a:schemeClr val="accent2"/>
-    </dgm:linClrLst>
-    <dgm:effectClrLst/>
-    <dgm:txLinClrLst/>
-    <dgm:txFillClrLst meth="repeat">
-      <a:schemeClr val="lt1"/>
-    </dgm:txFillClrLst>
-    <dgm:txEffectClrLst/>
-  </dgm:styleLbl>
-  <dgm:styleLbl name="parChTrans1D1">
-    <dgm:fillClrLst meth="repeat">
-      <a:schemeClr val="accent2"/>
-    </dgm:fillClrLst>
-    <dgm:linClrLst meth="repeat">
-      <a:schemeClr val="accent2">
-        <a:shade val="60000"/>
-      </a:schemeClr>
-    </dgm:linClrLst>
-    <dgm:effectClrLst/>
-    <dgm:txLinClrLst/>
-    <dgm:txFillClrLst meth="repeat">
-      <a:schemeClr val="tx1"/>
-    </dgm:txFillClrLst>
-    <dgm:txEffectClrLst/>
-  </dgm:styleLbl>
-  <dgm:styleLbl name="parChTrans1D2">
-    <dgm:fillClrLst meth="repeat">
-      <a:schemeClr val="accent2"/>
-    </dgm:fillClrLst>
-    <dgm:linClrLst meth="repeat">
-      <a:schemeClr val="accent2">
-        <a:shade val="60000"/>
-      </a:schemeClr>
-    </dgm:linClrLst>
-    <dgm:effectClrLst/>
-    <dgm:txLinClrLst/>
-    <dgm:txFillClrLst meth="repeat">
-      <a:schemeClr val="tx1"/>
-    </dgm:txFillClrLst>
-    <dgm:txEffectClrLst/>
-  </dgm:styleLbl>
-  <dgm:styleLbl name="parChTrans1D3">
-    <dgm:fillClrLst meth="repeat">
-      <a:schemeClr val="accent2"/>
-    </dgm:fillClrLst>
-    <dgm:linClrLst meth="repeat">
-      <a:schemeClr val="accent2">
-        <a:shade val="80000"/>
-      </a:schemeClr>
-    </dgm:linClrLst>
-    <dgm:effectClrLst/>
-    <dgm:txLinClrLst/>
-    <dgm:txFillClrLst meth="repeat">
-      <a:schemeClr val="tx1"/>
-    </dgm:txFillClrLst>
-    <dgm:txEffectClrLst/>
-  </dgm:styleLbl>
-  <dgm:styleLbl name="parChTrans1D4">
-    <dgm:fillClrLst meth="repeat">
-      <a:schemeClr val="accent2"/>
-    </dgm:fillClrLst>
-    <dgm:linClrLst meth="repeat">
-      <a:schemeClr val="accent2">
-        <a:shade val="80000"/>
-      </a:schemeClr>
-    </dgm:linClrLst>
-    <dgm:effectClrLst/>
-    <dgm:txLinClrLst/>
-    <dgm:txFillClrLst meth="repeat">
-      <a:schemeClr val="tx1"/>
-    </dgm:txFillClrLst>
-    <dgm:txEffectClrLst/>
-  </dgm:styleLbl>
-  <dgm:styleLbl name="fgAcc1">
-    <dgm:fillClrLst meth="repeat">
-      <a:schemeClr val="lt1">
-        <a:alpha val="90000"/>
-      </a:schemeClr>
-    </dgm:fillClrLst>
-    <dgm:linClrLst meth="repeat">
-      <a:schemeClr val="accent2"/>
-    </dgm:linClrLst>
-    <dgm:effectClrLst/>
-    <dgm:txLinClrLst/>
-    <dgm:txFillClrLst meth="repeat">
-      <a:schemeClr val="dk1"/>
-    </dgm:txFillClrLst>
-    <dgm:txEffectClrLst/>
-  </dgm:styleLbl>
-  <dgm:styleLbl name="conFgAcc1">
-    <dgm:fillClrLst meth="repeat">
-      <a:schemeClr val="lt1">
-        <a:alpha val="90000"/>
-      </a:schemeClr>
-    </dgm:fillClrLst>
-    <dgm:linClrLst meth="repeat">
-      <a:schemeClr val="accent2"/>
-    </dgm:linClrLst>
-    <dgm:effectClrLst/>
-    <dgm:txLinClrLst/>
-    <dgm:txFillClrLst meth="repeat">
-      <a:schemeClr val="dk1"/>
-    </dgm:txFillClrLst>
-    <dgm:txEffectClrLst/>
-  </dgm:styleLbl>
-  <dgm:styleLbl name="alignAcc1">
-    <dgm:fillClrLst meth="repeat">
-      <a:schemeClr val="lt1">
-        <a:alpha val="90000"/>
-      </a:schemeClr>
-    </dgm:fillClrLst>
-    <dgm:linClrLst meth="repeat">
-      <a:schemeClr val="accent2"/>
-    </dgm:linClrLst>
-    <dgm:effectClrLst/>
-    <dgm:txLinClrLst/>
-    <dgm:txFillClrLst meth="repeat">
-      <a:schemeClr val="dk1"/>
-    </dgm:txFillClrLst>
-    <dgm:txEffectClrLst/>
-  </dgm:styleLbl>
-  <dgm:styleLbl name="trAlignAcc1">
-    <dgm:fillClrLst meth="repeat">
-      <a:schemeClr val="lt1">
-        <a:alpha val="40000"/>
-      </a:schemeClr>
-    </dgm:fillClrLst>
-    <dgm:linClrLst meth="repeat">
-      <a:schemeClr val="accent2"/>
-    </dgm:linClrLst>
-    <dgm:effectClrLst/>
-    <dgm:txLinClrLst/>
-    <dgm:txFillClrLst meth="repeat">
-      <a:schemeClr val="dk1"/>
-    </dgm:txFillClrLst>
-    <dgm:txEffectClrLst/>
-  </dgm:styleLbl>
-  <dgm:styleLbl name="bgAcc1">
-    <dgm:fillClrLst meth="repeat">
-      <a:schemeClr val="lt1">
-        <a:alpha val="90000"/>
-      </a:schemeClr>
-    </dgm:fillClrLst>
-    <dgm:linClrLst meth="repeat">
-      <a:schemeClr val="accent2"/>
-    </dgm:linClrLst>
-    <dgm:effectClrLst/>
-    <dgm:txLinClrLst/>
-    <dgm:txFillClrLst meth="repeat">
-      <a:schemeClr val="dk1"/>
-    </dgm:txFillClrLst>
-    <dgm:txEffectClrLst/>
-  </dgm:styleLbl>
-  <dgm:styleLbl name="solidFgAcc1">
-    <dgm:fillClrLst meth="repeat">
-      <a:schemeClr val="lt1"/>
-    </dgm:fillClrLst>
-    <dgm:linClrLst meth="repeat">
-      <a:schemeClr val="accent2"/>
-    </dgm:linClrLst>
-    <dgm:effectClrLst/>
-    <dgm:txLinClrLst/>
-    <dgm:txFillClrLst meth="repeat">
-      <a:schemeClr val="dk1"/>
-    </dgm:txFillClrLst>
-    <dgm:txEffectClrLst/>
-  </dgm:styleLbl>
-  <dgm:styleLbl name="solidAlignAcc1">
-    <dgm:fillClrLst meth="repeat">
-      <a:schemeClr val="lt1"/>
-    </dgm:fillClrLst>
-    <dgm:linClrLst meth="repeat">
-      <a:schemeClr val="accent2"/>
-    </dgm:linClrLst>
-    <dgm:effectClrLst/>
-    <dgm:txLinClrLst/>
-    <dgm:txFillClrLst meth="repeat">
-      <a:schemeClr val="dk1"/>
-    </dgm:txFillClrLst>
-    <dgm:txEffectClrLst/>
-  </dgm:styleLbl>
-  <dgm:styleLbl name="solidBgAcc1">
-    <dgm:fillClrLst meth="repeat">
-      <a:schemeClr val="lt1"/>
-    </dgm:fillClrLst>
-    <dgm:linClrLst meth="repeat">
-      <a:schemeClr val="accent2"/>
-    </dgm:linClrLst>
-    <dgm:effectClrLst/>
-    <dgm:txLinClrLst/>
-    <dgm:txFillClrLst meth="repeat">
-      <a:schemeClr val="dk1"/>
-    </dgm:txFillClrLst>
-    <dgm:txEffectClrLst/>
-  </dgm:styleLbl>
-  <dgm:styleLbl name="fgAccFollowNode1">
-    <dgm:fillClrLst meth="repeat">
-      <a:schemeClr val="accent2">
-        <a:alpha val="90000"/>
-        <a:tint val="40000"/>
-      </a:schemeClr>
-    </dgm:fillClrLst>
-    <dgm:linClrLst meth="repeat">
-      <a:schemeClr val="accent2">
-        <a:alpha val="90000"/>
-        <a:tint val="40000"/>
-      </a:schemeClr>
-    </dgm:linClrLst>
-    <dgm:effectClrLst/>
-    <dgm:txLinClrLst/>
-    <dgm:txFillClrLst meth="repeat">
-      <a:schemeClr val="dk1"/>
-    </dgm:txFillClrLst>
-    <dgm:txEffectClrLst/>
-  </dgm:styleLbl>
-  <dgm:styleLbl name="alignAccFollowNode1">
-    <dgm:fillClrLst meth="repeat">
-      <a:schemeClr val="accent2">
-        <a:alpha val="90000"/>
-        <a:tint val="40000"/>
-      </a:schemeClr>
-    </dgm:fillClrLst>
-    <dgm:linClrLst meth="repeat">
-      <a:schemeClr val="accent2">
-        <a:alpha val="90000"/>
-        <a:tint val="40000"/>
-      </a:schemeClr>
-    </dgm:linClrLst>
-    <dgm:effectClrLst/>
-    <dgm:txLinClrLst/>
-    <dgm:txFillClrLst meth="repeat">
-      <a:schemeClr val="dk1"/>
-    </dgm:txFillClrLst>
-    <dgm:txEffectClrLst/>
-  </dgm:styleLbl>
-  <dgm:styleLbl name="bgAccFollowNode1">
-    <dgm:fillClrLst meth="repeat">
-      <a:schemeClr val="accent2">
-        <a:alpha val="90000"/>
-        <a:tint val="40000"/>
-      </a:schemeClr>
-    </dgm:fillClrLst>
-    <dgm:linClrLst meth="repeat">
-      <a:schemeClr val="accent2">
-        <a:alpha val="90000"/>
-        <a:tint val="40000"/>
-      </a:schemeClr>
-    </dgm:linClrLst>
-    <dgm:effectClrLst/>
-    <dgm:txLinClrLst/>
-    <dgm:txFillClrLst meth="repeat">
-      <a:schemeClr val="dk1"/>
-    </dgm:txFillClrLst>
-    <dgm:txEffectClrLst/>
-  </dgm:styleLbl>
-  <dgm:styleLbl name="fgAcc0">
-    <dgm:fillClrLst meth="repeat">
-      <a:schemeClr val="lt1">
-        <a:alpha val="90000"/>
-      </a:schemeClr>
-    </dgm:fillClrLst>
-    <dgm:linClrLst meth="repeat">
-      <a:schemeClr val="accent2"/>
-    </dgm:linClrLst>
-    <dgm:effectClrLst/>
-    <dgm:txLinClrLst/>
-    <dgm:txFillClrLst meth="repeat">
-      <a:schemeClr val="dk1"/>
-    </dgm:txFillClrLst>
-    <dgm:txEffectClrLst/>
-  </dgm:styleLbl>
-  <dgm:styleLbl name="fgAcc2">
-    <dgm:fillClrLst meth="repeat">
-      <a:schemeClr val="lt1">
-        <a:alpha val="90000"/>
-      </a:schemeClr>
-    </dgm:fillClrLst>
-    <dgm:linClrLst meth="repeat">
-      <a:schemeClr val="accent2"/>
-    </dgm:linClrLst>
-    <dgm:effectClrLst/>
-    <dgm:txLinClrLst/>
-    <dgm:txFillClrLst meth="repeat">
-      <a:schemeClr val="dk1"/>
-    </dgm:txFillClrLst>
-    <dgm:txEffectClrLst/>
-  </dgm:styleLbl>
-  <dgm:styleLbl name="fgAcc3">
-    <dgm:fillClrLst meth="repeat">
-      <a:schemeClr val="lt1">
-        <a:alpha val="90000"/>
-      </a:schemeClr>
-    </dgm:fillClrLst>
-    <dgm:linClrLst meth="repeat">
-      <a:schemeClr val="accent2"/>
-    </dgm:linClrLst>
-    <dgm:effectClrLst/>
-    <dgm:txLinClrLst/>
-    <dgm:txFillClrLst meth="repeat">
-      <a:schemeClr val="dk1"/>
-    </dgm:txFillClrLst>
-    <dgm:txEffectClrLst/>
-  </dgm:styleLbl>
-  <dgm:styleLbl name="fgAcc4">
-    <dgm:fillClrLst meth="repeat">
-      <a:schemeClr val="lt1">
-        <a:alpha val="90000"/>
-      </a:schemeClr>
-    </dgm:fillClrLst>
-    <dgm:linClrLst meth="repeat">
-      <a:schemeClr val="accent2"/>
-    </dgm:linClrLst>
-    <dgm:effectClrLst/>
-    <dgm:txLinClrLst/>
-    <dgm:txFillClrLst meth="repeat">
-      <a:schemeClr val="dk1"/>
-    </dgm:txFillClrLst>
-    <dgm:txEffectClrLst/>
-  </dgm:styleLbl>
-  <dgm:styleLbl name="bgShp">
-    <dgm:fillClrLst meth="repeat">
-      <a:schemeClr val="accent2">
-        <a:tint val="40000"/>
-      </a:schemeClr>
-    </dgm:fillClrLst>
-    <dgm:linClrLst meth="repeat">
-      <a:schemeClr val="accent2"/>
-    </dgm:linClrLst>
-    <dgm:effectClrLst/>
-    <dgm:txLinClrLst/>
-    <dgm:txFillClrLst meth="repeat">
-      <a:schemeClr val="dk1"/>
-    </dgm:txFillClrLst>
-    <dgm:txEffectClrLst/>
-  </dgm:styleLbl>
-  <dgm:styleLbl name="dkBgShp">
-    <dgm:fillClrLst meth="repeat">
-      <a:schemeClr val="accent2">
-        <a:shade val="80000"/>
-      </a:schemeClr>
-    </dgm:fillClrLst>
-    <dgm:linClrLst meth="repeat">
-      <a:schemeClr val="accent2"/>
-    </dgm:linClrLst>
-    <dgm:effectClrLst/>
-    <dgm:txLinClrLst/>
-    <dgm:txFillClrLst meth="repeat">
-      <a:schemeClr val="lt1"/>
-    </dgm:txFillClrLst>
-    <dgm:txEffectClrLst/>
-  </dgm:styleLbl>
-  <dgm:styleLbl name="trBgShp">
-    <dgm:fillClrLst meth="repeat">
-      <a:schemeClr val="accent2">
-        <a:tint val="50000"/>
-        <a:alpha val="40000"/>
-      </a:schemeClr>
-    </dgm:fillClrLst>
-    <dgm:linClrLst meth="repeat">
-      <a:schemeClr val="accent2"/>
-    </dgm:linClrLst>
-    <dgm:effectClrLst/>
-    <dgm:txLinClrLst/>
-    <dgm:txFillClrLst meth="repeat">
-      <a:schemeClr val="lt1"/>
-    </dgm:txFillClrLst>
-    <dgm:txEffectClrLst/>
-  </dgm:styleLbl>
-  <dgm:styleLbl name="fgShp">
-    <dgm:fillClrLst meth="repeat">
-      <a:schemeClr val="accent2">
-        <a:tint val="60000"/>
-      </a:schemeClr>
-    </dgm:fillClrLst>
-    <dgm:linClrLst meth="repeat">
-      <a:schemeClr val="lt1"/>
-    </dgm:linClrLst>
-    <dgm:effectClrLst/>
-    <dgm:txLinClrLst/>
-    <dgm:txFillClrLst meth="repeat">
-      <a:schemeClr val="dk1"/>
-    </dgm:txFillClrLst>
-    <dgm:txEffectClrLst/>
-  </dgm:styleLbl>
-  <dgm:styleLbl name="revTx">
-    <dgm:fillClrLst meth="repeat">
-      <a:schemeClr val="lt1">
-        <a:alpha val="0"/>
-      </a:schemeClr>
-    </dgm:fillClrLst>
-    <dgm:linClrLst meth="repeat">
-      <a:schemeClr val="dk1">
-        <a:alpha val="0"/>
-      </a:schemeClr>
-    </dgm:linClrLst>
-    <dgm:effectClrLst/>
-    <dgm:txLinClrLst/>
-    <dgm:txFillClrLst meth="repeat">
-      <a:schemeClr val="tx1"/>
-    </dgm:txFillClrLst>
-    <dgm:txEffectClrLst/>
-  </dgm:styleLbl>
-</dgm:colorsDef>
-</file>
-
 <file path=ppt/diagrams/data1.xml><?xml version="1.0" encoding="utf-8"?>
 <dgm:dataModel xmlns:dgm="http://schemas.openxmlformats.org/drawingml/2006/diagram" xmlns:a="http://schemas.openxmlformats.org/drawingml/2006/main">
   <dgm:ptLst>
-    <dgm:pt modelId="{7D9C16A6-8C48-4165-8DAF-8C957C12A8FA}" type="doc">
-      <dgm:prSet loTypeId="urn:microsoft.com/office/officeart/2018/2/layout/IconLabelList" loCatId="icon" qsTypeId="urn:microsoft.com/office/officeart/2005/8/quickstyle/simple4" qsCatId="simple" csTypeId="urn:microsoft.com/office/officeart/2018/5/colors/Iconchunking_neutralbg_colorful1" csCatId="colorful" phldr="1"/>
-      <dgm:spPr/>
-    </dgm:pt>
-    <dgm:pt modelId="{701D68F5-42F8-47BC-8FED-84C50F595DF0}">
-      <dgm:prSet phldrT="[Text]"/>
+    <dgm:pt modelId="{34BEB396-5AE2-4F33-A5CF-1BFEF1847D19}" type="doc">
+      <dgm:prSet loTypeId="urn:microsoft.com/office/officeart/2018/5/layout/IconCircleLabelList" loCatId="icon" qsTypeId="urn:microsoft.com/office/officeart/2005/8/quickstyle/simple1" qsCatId="simple" csTypeId="urn:microsoft.com/office/officeart/2018/5/colors/Iconchunking_neutralbg_colorful1" csCatId="colorful" phldr="1"/>
       <dgm:spPr/>
       <dgm:t>
-        <a:bodyPr rtlCol="0"/>
+        <a:bodyPr/>
         <a:lstStyle/>
         <a:p>
-          <a:pPr rtl="0">
+          <a:endParaRPr lang="en-US"/>
+        </a:p>
+      </dgm:t>
+    </dgm:pt>
+    <dgm:pt modelId="{6A8D2C84-45C4-4D54-B410-2880A38FE326}">
+      <dgm:prSet/>
+      <dgm:spPr/>
+      <dgm:t>
+        <a:bodyPr/>
+        <a:lstStyle/>
+        <a:p>
+          <a:pPr>
             <a:lnSpc>
               <a:spcPct val="100000"/>
             </a:lnSpc>
+            <a:defRPr cap="all"/>
           </a:pPr>
           <a:r>
-            <a:rPr lang="fr-FR" noProof="0" dirty="0"/>
-            <a:t>Réseau</a:t>
+            <a:rPr lang="fr-FR"/>
+            <a:t>Solver de théorème hautes performances</a:t>
           </a:r>
+          <a:endParaRPr lang="en-US"/>
         </a:p>
       </dgm:t>
     </dgm:pt>
-    <dgm:pt modelId="{9617668C-C38C-4017-8DDF-37855B15D110}" type="parTrans" cxnId="{C4BA385D-31ED-40EF-A5D6-98DFBA64E71A}">
+    <dgm:pt modelId="{4DDED0B9-66C6-442C-8516-EE0441A9640A}" type="parTrans" cxnId="{53990146-445B-43EA-BABC-6D75B0B81E10}">
       <dgm:prSet/>
       <dgm:spPr/>
       <dgm:t>
-        <a:bodyPr rtlCol="0"/>
+        <a:bodyPr/>
         <a:lstStyle/>
         <a:p>
-          <a:pPr rtl="0"/>
-          <a:endParaRPr lang="fr-FR" noProof="0" dirty="0"/>
+          <a:endParaRPr lang="en-US"/>
         </a:p>
       </dgm:t>
     </dgm:pt>
-    <dgm:pt modelId="{0C95B389-AC0C-4055-9AA3-38815EFC8B0A}" type="sibTrans" cxnId="{C4BA385D-31ED-40EF-A5D6-98DFBA64E71A}">
+    <dgm:pt modelId="{A5F1FE8D-32AA-459B-BF17-E0369A0CCAEA}" type="sibTrans" cxnId="{53990146-445B-43EA-BABC-6D75B0B81E10}">
       <dgm:prSet/>
       <dgm:spPr/>
       <dgm:t>
-        <a:bodyPr rtlCol="0"/>
+        <a:bodyPr/>
         <a:lstStyle/>
         <a:p>
-          <a:pPr rtl="0"/>
-          <a:endParaRPr lang="fr-FR" noProof="0" dirty="0"/>
+          <a:endParaRPr lang="en-US"/>
         </a:p>
       </dgm:t>
     </dgm:pt>
-    <dgm:pt modelId="{91A66877-AC1C-46D9-BF2C-6024B638DEA9}">
-      <dgm:prSet phldrT="[Text]"/>
+    <dgm:pt modelId="{4CC95526-826C-46B2-8541-7F43ACFAB9FC}">
+      <dgm:prSet/>
       <dgm:spPr/>
       <dgm:t>
-        <a:bodyPr rtlCol="0"/>
+        <a:bodyPr/>
         <a:lstStyle/>
         <a:p>
-          <a:pPr rtl="0">
+          <a:pPr>
             <a:lnSpc>
               <a:spcPct val="100000"/>
             </a:lnSpc>
+            <a:defRPr cap="all"/>
           </a:pPr>
           <a:r>
-            <a:rPr lang="fr-FR" noProof="0" dirty="0"/>
-            <a:t>Satellite</a:t>
+            <a:rPr lang="fr-FR"/>
+            <a:t>Développé par Microsoft Research</a:t>
           </a:r>
+          <a:endParaRPr lang="en-US"/>
         </a:p>
       </dgm:t>
     </dgm:pt>
-    <dgm:pt modelId="{913FED05-DF41-48A7-B1F8-81937A468EF9}" type="parTrans" cxnId="{7F0DAB6F-9257-4F2D-B31A-3418F73F6952}">
+    <dgm:pt modelId="{4EA83BC1-36CA-4E80-BE2B-B50499AF0C73}" type="parTrans" cxnId="{91DCDA33-7D1F-429B-AEE2-BDD75AA5D412}">
       <dgm:prSet/>
       <dgm:spPr/>
       <dgm:t>
-        <a:bodyPr rtlCol="0"/>
+        <a:bodyPr/>
         <a:lstStyle/>
         <a:p>
-          <a:pPr rtl="0"/>
-          <a:endParaRPr lang="fr-FR" noProof="0" dirty="0"/>
+          <a:endParaRPr lang="en-US"/>
         </a:p>
       </dgm:t>
     </dgm:pt>
-    <dgm:pt modelId="{BFCE4A28-C381-46FF-935A-B11534EF7D87}" type="sibTrans" cxnId="{7F0DAB6F-9257-4F2D-B31A-3418F73F6952}">
+    <dgm:pt modelId="{248806FE-81B7-4C19-9B53-62A65A62C5A6}" type="sibTrans" cxnId="{91DCDA33-7D1F-429B-AEE2-BDD75AA5D412}">
       <dgm:prSet/>
       <dgm:spPr/>
       <dgm:t>
-        <a:bodyPr rtlCol="0"/>
+        <a:bodyPr/>
         <a:lstStyle/>
         <a:p>
-          <a:pPr rtl="0"/>
-          <a:endParaRPr lang="fr-FR" noProof="0" dirty="0"/>
+          <a:endParaRPr lang="en-US"/>
         </a:p>
       </dgm:t>
     </dgm:pt>
-    <dgm:pt modelId="{76CC3289-2662-43F0-A3C6-BA04A135F08C}">
-      <dgm:prSet phldrT="[Text]"/>
+    <dgm:pt modelId="{EED903FF-4744-46DB-88E3-CF76578C0D00}">
+      <dgm:prSet/>
       <dgm:spPr/>
       <dgm:t>
-        <a:bodyPr rtlCol="0"/>
+        <a:bodyPr/>
         <a:lstStyle/>
         <a:p>
-          <a:pPr rtl="0">
+          <a:pPr>
             <a:lnSpc>
               <a:spcPct val="100000"/>
             </a:lnSpc>
+            <a:defRPr cap="all"/>
           </a:pPr>
           <a:r>
-            <a:rPr lang="fr-FR" noProof="0" dirty="0"/>
-            <a:t>Liaison</a:t>
+            <a:rPr lang="fr-FR" dirty="0"/>
+            <a:t>Utilisé dans de nombreuses applications vérification et test de logiciels:  résolution de contraintes, analyse de systèmes hybrides, sécurité</a:t>
           </a:r>
+          <a:endParaRPr lang="en-US" dirty="0"/>
         </a:p>
       </dgm:t>
     </dgm:pt>
-    <dgm:pt modelId="{D46DB4DA-1442-4ECE-89FE-BBB1E3489E3D}" type="parTrans" cxnId="{0400886E-8A1A-44C2-95A7-DB0EF4911494}">
+    <dgm:pt modelId="{3415DF8E-093D-4640-865F-B13D12E56FC4}" type="parTrans" cxnId="{0E7D53C1-EAB9-4B2D-9A2A-2803ABF2E460}">
       <dgm:prSet/>
       <dgm:spPr/>
       <dgm:t>
-        <a:bodyPr rtlCol="0"/>
+        <a:bodyPr/>
         <a:lstStyle/>
         <a:p>
-          <a:pPr rtl="0"/>
-          <a:endParaRPr lang="fr-FR" noProof="0" dirty="0"/>
+          <a:endParaRPr lang="en-US"/>
         </a:p>
       </dgm:t>
     </dgm:pt>
-    <dgm:pt modelId="{FA28C9D6-476E-43CD-BA23-D6D990FD78D0}" type="sibTrans" cxnId="{0400886E-8A1A-44C2-95A7-DB0EF4911494}">
+    <dgm:pt modelId="{DFD29477-60B5-4957-928E-2700FDA6AB1B}" type="sibTrans" cxnId="{0E7D53C1-EAB9-4B2D-9A2A-2803ABF2E460}">
       <dgm:prSet/>
       <dgm:spPr/>
       <dgm:t>
-        <a:bodyPr rtlCol="0"/>
+        <a:bodyPr/>
         <a:lstStyle/>
         <a:p>
-          <a:pPr rtl="0"/>
-          <a:endParaRPr lang="fr-FR" noProof="0" dirty="0"/>
+          <a:endParaRPr lang="en-US"/>
         </a:p>
       </dgm:t>
     </dgm:pt>
-    <dgm:pt modelId="{8994D886-A75F-411A-A9D7-D31991FF12BD}" type="pres">
-      <dgm:prSet presAssocID="{7D9C16A6-8C48-4165-8DAF-8C957C12A8FA}" presName="root" presStyleCnt="0">
+    <dgm:pt modelId="{D6697300-1A0E-4762-9520-A1020992DCE6}" type="pres">
+      <dgm:prSet presAssocID="{34BEB396-5AE2-4F33-A5CF-1BFEF1847D19}" presName="root" presStyleCnt="0">
         <dgm:presLayoutVars>
           <dgm:dir/>
           <dgm:resizeHandles val="exact"/>
@@ -1938,39 +1200,48 @@
       </dgm:prSet>
       <dgm:spPr/>
     </dgm:pt>
-    <dgm:pt modelId="{E1DBA6D5-BD14-4CD2-A0CC-80F867FEFA81}" type="pres">
-      <dgm:prSet presAssocID="{701D68F5-42F8-47BC-8FED-84C50F595DF0}" presName="compNode" presStyleCnt="0"/>
+    <dgm:pt modelId="{3FF27B02-D9FD-418D-8062-79855B0A9250}" type="pres">
+      <dgm:prSet presAssocID="{6A8D2C84-45C4-4D54-B410-2880A38FE326}" presName="compNode" presStyleCnt="0"/>
       <dgm:spPr/>
     </dgm:pt>
-    <dgm:pt modelId="{19A8DC21-3E65-409D-AD53-DA51BB9198A0}" type="pres">
-      <dgm:prSet presAssocID="{701D68F5-42F8-47BC-8FED-84C50F595DF0}" presName="iconRect" presStyleLbl="node1" presStyleIdx="0" presStyleCnt="3" custScaleX="157625" custScaleY="157625"/>
+    <dgm:pt modelId="{5BCA89DE-F9FB-4BC3-B121-1B74457F86DD}" type="pres">
+      <dgm:prSet presAssocID="{6A8D2C84-45C4-4D54-B410-2880A38FE326}" presName="iconBgRect" presStyleLbl="bgShp" presStyleIdx="0" presStyleCnt="3"/>
+      <dgm:spPr/>
+    </dgm:pt>
+    <dgm:pt modelId="{BC2DAC85-D288-44BE-8215-EFB6D28CD42C}" type="pres">
+      <dgm:prSet presAssocID="{6A8D2C84-45C4-4D54-B410-2880A38FE326}" presName="iconRect" presStyleLbl="node1" presStyleIdx="0" presStyleCnt="3"/>
       <dgm:spPr>
         <a:blipFill>
           <a:blip xmlns:r="http://schemas.openxmlformats.org/officeDocument/2006/relationships" r:embed="rId1">
             <a:extLst>
+              <a:ext uri="{28A0092B-C50C-407E-A947-70E740481C1C}">
+                <a14:useLocalDpi xmlns:a14="http://schemas.microsoft.com/office/drawing/2010/main" val="0"/>
+              </a:ext>
               <a:ext uri="{96DAC541-7B7A-43D3-8B79-37D633B846F1}">
                 <asvg:svgBlip xmlns:asvg="http://schemas.microsoft.com/office/drawing/2016/SVG/main" r:embed="rId2"/>
               </a:ext>
             </a:extLst>
           </a:blip>
-          <a:srcRect/>
           <a:stretch>
             <a:fillRect/>
           </a:stretch>
         </a:blipFill>
+        <a:ln>
+          <a:noFill/>
+        </a:ln>
       </dgm:spPr>
       <dgm:extLst>
         <a:ext uri="{E40237B7-FDA0-4F09-8148-C483321AD2D9}">
-          <dgm14:cNvPr xmlns:dgm14="http://schemas.microsoft.com/office/drawing/2010/diagram" id="0" name="" descr="Network"/>
+          <dgm14:cNvPr xmlns:dgm14="http://schemas.microsoft.com/office/drawing/2010/diagram" id="0" name="" descr="Gauge"/>
         </a:ext>
       </dgm:extLst>
     </dgm:pt>
-    <dgm:pt modelId="{B9F90A48-FF94-4C94-A587-0190406F6FD3}" type="pres">
-      <dgm:prSet presAssocID="{701D68F5-42F8-47BC-8FED-84C50F595DF0}" presName="spaceRect" presStyleCnt="0"/>
+    <dgm:pt modelId="{2266E6AC-7735-470B-9C94-EBEBE0B358E5}" type="pres">
+      <dgm:prSet presAssocID="{6A8D2C84-45C4-4D54-B410-2880A38FE326}" presName="spaceRect" presStyleCnt="0"/>
       <dgm:spPr/>
     </dgm:pt>
-    <dgm:pt modelId="{A99B5DD6-89E9-4537-B415-4205CEB9323A}" type="pres">
-      <dgm:prSet presAssocID="{701D68F5-42F8-47BC-8FED-84C50F595DF0}" presName="textRect" presStyleLbl="revTx" presStyleIdx="0" presStyleCnt="3">
+    <dgm:pt modelId="{61A87E03-70E0-437B-A29D-228DABC02B6B}" type="pres">
+      <dgm:prSet presAssocID="{6A8D2C84-45C4-4D54-B410-2880A38FE326}" presName="textRect" presStyleLbl="revTx" presStyleIdx="0" presStyleCnt="3">
         <dgm:presLayoutVars>
           <dgm:chMax val="1"/>
           <dgm:chPref val="1"/>
@@ -1978,16 +1249,20 @@
       </dgm:prSet>
       <dgm:spPr/>
     </dgm:pt>
-    <dgm:pt modelId="{8B391436-B9B0-45BD-A57F-792D6376D868}" type="pres">
-      <dgm:prSet presAssocID="{0C95B389-AC0C-4055-9AA3-38815EFC8B0A}" presName="sibTrans" presStyleCnt="0"/>
+    <dgm:pt modelId="{549155C0-DB91-48F9-9ABC-2B6836EB2404}" type="pres">
+      <dgm:prSet presAssocID="{A5F1FE8D-32AA-459B-BF17-E0369A0CCAEA}" presName="sibTrans" presStyleCnt="0"/>
       <dgm:spPr/>
     </dgm:pt>
-    <dgm:pt modelId="{95872155-C45D-46D3-874C-D838089A06F8}" type="pres">
-      <dgm:prSet presAssocID="{91A66877-AC1C-46D9-BF2C-6024B638DEA9}" presName="compNode" presStyleCnt="0"/>
+    <dgm:pt modelId="{9AA5073A-23BD-4FE0-A327-10BB80460791}" type="pres">
+      <dgm:prSet presAssocID="{4CC95526-826C-46B2-8541-7F43ACFAB9FC}" presName="compNode" presStyleCnt="0"/>
       <dgm:spPr/>
     </dgm:pt>
-    <dgm:pt modelId="{CE9DF0E8-B0DE-4E1E-9FF4-6006AD8428DB}" type="pres">
-      <dgm:prSet presAssocID="{91A66877-AC1C-46D9-BF2C-6024B638DEA9}" presName="iconRect" presStyleLbl="node1" presStyleIdx="1" presStyleCnt="3" custScaleX="157625" custScaleY="157625"/>
+    <dgm:pt modelId="{66CEC929-C173-483E-80CB-9FA02551CB6B}" type="pres">
+      <dgm:prSet presAssocID="{4CC95526-826C-46B2-8541-7F43ACFAB9FC}" presName="iconBgRect" presStyleLbl="bgShp" presStyleIdx="1" presStyleCnt="3"/>
+      <dgm:spPr/>
+    </dgm:pt>
+    <dgm:pt modelId="{546A9F01-5EED-41AF-88BD-D28BCF4BC8B5}" type="pres">
+      <dgm:prSet presAssocID="{4CC95526-826C-46B2-8541-7F43ACFAB9FC}" presName="iconRect" presStyleLbl="node1" presStyleIdx="1" presStyleCnt="3"/>
       <dgm:spPr>
         <a:blipFill>
           <a:blip xmlns:r="http://schemas.openxmlformats.org/officeDocument/2006/relationships" r:embed="rId3">
@@ -2004,19 +1279,22 @@
             <a:fillRect/>
           </a:stretch>
         </a:blipFill>
+        <a:ln>
+          <a:noFill/>
+        </a:ln>
       </dgm:spPr>
       <dgm:extLst>
         <a:ext uri="{E40237B7-FDA0-4F09-8148-C483321AD2D9}">
-          <dgm14:cNvPr xmlns:dgm14="http://schemas.microsoft.com/office/drawing/2010/diagram" id="0" name="" descr="Satellite"/>
+          <dgm14:cNvPr xmlns:dgm14="http://schemas.microsoft.com/office/drawing/2010/diagram" id="0" name="" descr="Checkmark"/>
         </a:ext>
       </dgm:extLst>
     </dgm:pt>
-    <dgm:pt modelId="{AA0423A1-55B2-45E9-BFE7-3FBE5BDA65ED}" type="pres">
-      <dgm:prSet presAssocID="{91A66877-AC1C-46D9-BF2C-6024B638DEA9}" presName="spaceRect" presStyleCnt="0"/>
+    <dgm:pt modelId="{84915DE2-E58A-4379-BF55-C09A5EBE4440}" type="pres">
+      <dgm:prSet presAssocID="{4CC95526-826C-46B2-8541-7F43ACFAB9FC}" presName="spaceRect" presStyleCnt="0"/>
       <dgm:spPr/>
     </dgm:pt>
-    <dgm:pt modelId="{55120873-6F5C-4053-8EAD-6287A7F1097E}" type="pres">
-      <dgm:prSet presAssocID="{91A66877-AC1C-46D9-BF2C-6024B638DEA9}" presName="textRect" presStyleLbl="revTx" presStyleIdx="1" presStyleCnt="3">
+    <dgm:pt modelId="{7679AFED-3786-4A85-8891-63F87A4B849F}" type="pres">
+      <dgm:prSet presAssocID="{4CC95526-826C-46B2-8541-7F43ACFAB9FC}" presName="textRect" presStyleLbl="revTx" presStyleIdx="1" presStyleCnt="3">
         <dgm:presLayoutVars>
           <dgm:chMax val="1"/>
           <dgm:chPref val="1"/>
@@ -2024,16 +1302,20 @@
       </dgm:prSet>
       <dgm:spPr/>
     </dgm:pt>
-    <dgm:pt modelId="{F679C986-30E4-4F0A-A3A6-CAE528BFED76}" type="pres">
-      <dgm:prSet presAssocID="{BFCE4A28-C381-46FF-935A-B11534EF7D87}" presName="sibTrans" presStyleCnt="0"/>
+    <dgm:pt modelId="{D94C4CBB-86DA-4C5B-8AAE-3630CCE456BC}" type="pres">
+      <dgm:prSet presAssocID="{248806FE-81B7-4C19-9B53-62A65A62C5A6}" presName="sibTrans" presStyleCnt="0"/>
       <dgm:spPr/>
     </dgm:pt>
-    <dgm:pt modelId="{2EC2FDE3-8908-45C7-A3FD-EB370213FE69}" type="pres">
-      <dgm:prSet presAssocID="{76CC3289-2662-43F0-A3C6-BA04A135F08C}" presName="compNode" presStyleCnt="0"/>
+    <dgm:pt modelId="{AD31843D-2501-46A1-953A-5901F7270126}" type="pres">
+      <dgm:prSet presAssocID="{EED903FF-4744-46DB-88E3-CF76578C0D00}" presName="compNode" presStyleCnt="0"/>
       <dgm:spPr/>
     </dgm:pt>
-    <dgm:pt modelId="{6DB1FE51-13D0-4A38-AD6E-48D4371A1AF3}" type="pres">
-      <dgm:prSet presAssocID="{76CC3289-2662-43F0-A3C6-BA04A135F08C}" presName="iconRect" presStyleLbl="node1" presStyleIdx="2" presStyleCnt="3" custScaleX="157625" custScaleY="157625"/>
+    <dgm:pt modelId="{9C3847EA-92F1-403A-9A71-0F3D41427A3B}" type="pres">
+      <dgm:prSet presAssocID="{EED903FF-4744-46DB-88E3-CF76578C0D00}" presName="iconBgRect" presStyleLbl="bgShp" presStyleIdx="2" presStyleCnt="3"/>
+      <dgm:spPr/>
+    </dgm:pt>
+    <dgm:pt modelId="{D39F2FCE-C684-4751-ABA9-9673DFC625C5}" type="pres">
+      <dgm:prSet presAssocID="{EED903FF-4744-46DB-88E3-CF76578C0D00}" presName="iconRect" presStyleLbl="node1" presStyleIdx="2" presStyleCnt="3"/>
       <dgm:spPr>
         <a:blipFill>
           <a:blip xmlns:r="http://schemas.openxmlformats.org/officeDocument/2006/relationships" r:embed="rId5">
@@ -2046,24 +1328,26 @@
               </a:ext>
             </a:extLst>
           </a:blip>
-          <a:srcRect/>
           <a:stretch>
             <a:fillRect/>
           </a:stretch>
         </a:blipFill>
+        <a:ln>
+          <a:noFill/>
+        </a:ln>
       </dgm:spPr>
       <dgm:extLst>
         <a:ext uri="{E40237B7-FDA0-4F09-8148-C483321AD2D9}">
-          <dgm14:cNvPr xmlns:dgm14="http://schemas.microsoft.com/office/drawing/2010/diagram" id="0" name="" descr="Link"/>
+          <dgm14:cNvPr xmlns:dgm14="http://schemas.microsoft.com/office/drawing/2010/diagram" id="0" name="" descr="Processor"/>
         </a:ext>
       </dgm:extLst>
     </dgm:pt>
-    <dgm:pt modelId="{0928538A-05CC-4A79-BD5D-92F985D1EEE5}" type="pres">
-      <dgm:prSet presAssocID="{76CC3289-2662-43F0-A3C6-BA04A135F08C}" presName="spaceRect" presStyleCnt="0"/>
+    <dgm:pt modelId="{ACC1383F-1FB6-45D4-B2A1-B0E48B36CE1E}" type="pres">
+      <dgm:prSet presAssocID="{EED903FF-4744-46DB-88E3-CF76578C0D00}" presName="spaceRect" presStyleCnt="0"/>
       <dgm:spPr/>
     </dgm:pt>
-    <dgm:pt modelId="{133097FC-B1F8-4953-B0AB-E8E73D968D1C}" type="pres">
-      <dgm:prSet presAssocID="{76CC3289-2662-43F0-A3C6-BA04A135F08C}" presName="textRect" presStyleLbl="revTx" presStyleIdx="2" presStyleCnt="3">
+    <dgm:pt modelId="{0CCBE52D-9B4E-4BFA-9A04-8A49E0F86B48}" type="pres">
+      <dgm:prSet presAssocID="{EED903FF-4744-46DB-88E3-CF76578C0D00}" presName="textRect" presStyleLbl="revTx" presStyleIdx="2" presStyleCnt="3">
         <dgm:presLayoutVars>
           <dgm:chMax val="1"/>
           <dgm:chPref val="1"/>
@@ -2073,298 +1357,36 @@
     </dgm:pt>
   </dgm:ptLst>
   <dgm:cxnLst>
-    <dgm:cxn modelId="{51C9C716-0C8A-4862-A43F-A9047F6A6ECE}" type="presOf" srcId="{701D68F5-42F8-47BC-8FED-84C50F595DF0}" destId="{A99B5DD6-89E9-4537-B415-4205CEB9323A}" srcOrd="0" destOrd="0" presId="urn:microsoft.com/office/officeart/2018/2/layout/IconLabelList"/>
-    <dgm:cxn modelId="{C4BA385D-31ED-40EF-A5D6-98DFBA64E71A}" srcId="{7D9C16A6-8C48-4165-8DAF-8C957C12A8FA}" destId="{701D68F5-42F8-47BC-8FED-84C50F595DF0}" srcOrd="0" destOrd="0" parTransId="{9617668C-C38C-4017-8DDF-37855B15D110}" sibTransId="{0C95B389-AC0C-4055-9AA3-38815EFC8B0A}"/>
-    <dgm:cxn modelId="{0400886E-8A1A-44C2-95A7-DB0EF4911494}" srcId="{7D9C16A6-8C48-4165-8DAF-8C957C12A8FA}" destId="{76CC3289-2662-43F0-A3C6-BA04A135F08C}" srcOrd="2" destOrd="0" parTransId="{D46DB4DA-1442-4ECE-89FE-BBB1E3489E3D}" sibTransId="{FA28C9D6-476E-43CD-BA23-D6D990FD78D0}"/>
-    <dgm:cxn modelId="{7F0DAB6F-9257-4F2D-B31A-3418F73F6952}" srcId="{7D9C16A6-8C48-4165-8DAF-8C957C12A8FA}" destId="{91A66877-AC1C-46D9-BF2C-6024B638DEA9}" srcOrd="1" destOrd="0" parTransId="{913FED05-DF41-48A7-B1F8-81937A468EF9}" sibTransId="{BFCE4A28-C381-46FF-935A-B11534EF7D87}"/>
-    <dgm:cxn modelId="{639634AD-5727-49C2-9E58-EB6075215446}" type="presOf" srcId="{91A66877-AC1C-46D9-BF2C-6024B638DEA9}" destId="{55120873-6F5C-4053-8EAD-6287A7F1097E}" srcOrd="0" destOrd="0" presId="urn:microsoft.com/office/officeart/2018/2/layout/IconLabelList"/>
-    <dgm:cxn modelId="{05A920DF-F275-442A-AE4E-321A812BD608}" type="presOf" srcId="{7D9C16A6-8C48-4165-8DAF-8C957C12A8FA}" destId="{8994D886-A75F-411A-A9D7-D31991FF12BD}" srcOrd="0" destOrd="0" presId="urn:microsoft.com/office/officeart/2018/2/layout/IconLabelList"/>
-    <dgm:cxn modelId="{634ABEFF-3AC1-45CD-BF32-24D2F6D73D7C}" type="presOf" srcId="{76CC3289-2662-43F0-A3C6-BA04A135F08C}" destId="{133097FC-B1F8-4953-B0AB-E8E73D968D1C}" srcOrd="0" destOrd="0" presId="urn:microsoft.com/office/officeart/2018/2/layout/IconLabelList"/>
-    <dgm:cxn modelId="{CF59BB9E-C8FC-4C34-8006-3277F29FB6DE}" type="presParOf" srcId="{8994D886-A75F-411A-A9D7-D31991FF12BD}" destId="{E1DBA6D5-BD14-4CD2-A0CC-80F867FEFA81}" srcOrd="0" destOrd="0" presId="urn:microsoft.com/office/officeart/2018/2/layout/IconLabelList"/>
-    <dgm:cxn modelId="{866C03AD-DD5B-4277-8831-0C127DF86F35}" type="presParOf" srcId="{E1DBA6D5-BD14-4CD2-A0CC-80F867FEFA81}" destId="{19A8DC21-3E65-409D-AD53-DA51BB9198A0}" srcOrd="0" destOrd="0" presId="urn:microsoft.com/office/officeart/2018/2/layout/IconLabelList"/>
-    <dgm:cxn modelId="{128FBF1B-109A-47F9-B440-D03F4626A9BA}" type="presParOf" srcId="{E1DBA6D5-BD14-4CD2-A0CC-80F867FEFA81}" destId="{B9F90A48-FF94-4C94-A587-0190406F6FD3}" srcOrd="1" destOrd="0" presId="urn:microsoft.com/office/officeart/2018/2/layout/IconLabelList"/>
-    <dgm:cxn modelId="{8670118E-E162-4F28-99EA-949C482C4F26}" type="presParOf" srcId="{E1DBA6D5-BD14-4CD2-A0CC-80F867FEFA81}" destId="{A99B5DD6-89E9-4537-B415-4205CEB9323A}" srcOrd="2" destOrd="0" presId="urn:microsoft.com/office/officeart/2018/2/layout/IconLabelList"/>
-    <dgm:cxn modelId="{6A09E131-C1FE-47FA-BD91-6D46F7DB3AD7}" type="presParOf" srcId="{8994D886-A75F-411A-A9D7-D31991FF12BD}" destId="{8B391436-B9B0-45BD-A57F-792D6376D868}" srcOrd="1" destOrd="0" presId="urn:microsoft.com/office/officeart/2018/2/layout/IconLabelList"/>
-    <dgm:cxn modelId="{D7D85FB5-4AD1-46B7-8E53-62D3F1F869BE}" type="presParOf" srcId="{8994D886-A75F-411A-A9D7-D31991FF12BD}" destId="{95872155-C45D-46D3-874C-D838089A06F8}" srcOrd="2" destOrd="0" presId="urn:microsoft.com/office/officeart/2018/2/layout/IconLabelList"/>
-    <dgm:cxn modelId="{E4340D53-7996-4180-832E-9DD471AE3441}" type="presParOf" srcId="{95872155-C45D-46D3-874C-D838089A06F8}" destId="{CE9DF0E8-B0DE-4E1E-9FF4-6006AD8428DB}" srcOrd="0" destOrd="0" presId="urn:microsoft.com/office/officeart/2018/2/layout/IconLabelList"/>
-    <dgm:cxn modelId="{EEB70DE9-0FCA-47C6-AB9E-ED5E83AF66B7}" type="presParOf" srcId="{95872155-C45D-46D3-874C-D838089A06F8}" destId="{AA0423A1-55B2-45E9-BFE7-3FBE5BDA65ED}" srcOrd="1" destOrd="0" presId="urn:microsoft.com/office/officeart/2018/2/layout/IconLabelList"/>
-    <dgm:cxn modelId="{1384D7CB-9E90-4E13-BA30-2421855CB9F9}" type="presParOf" srcId="{95872155-C45D-46D3-874C-D838089A06F8}" destId="{55120873-6F5C-4053-8EAD-6287A7F1097E}" srcOrd="2" destOrd="0" presId="urn:microsoft.com/office/officeart/2018/2/layout/IconLabelList"/>
-    <dgm:cxn modelId="{0C47C2BA-718A-4D21-8A25-157E23BE208B}" type="presParOf" srcId="{8994D886-A75F-411A-A9D7-D31991FF12BD}" destId="{F679C986-30E4-4F0A-A3A6-CAE528BFED76}" srcOrd="3" destOrd="0" presId="urn:microsoft.com/office/officeart/2018/2/layout/IconLabelList"/>
-    <dgm:cxn modelId="{85792AED-F1AA-4AFB-8C0D-180EEBEC52F2}" type="presParOf" srcId="{8994D886-A75F-411A-A9D7-D31991FF12BD}" destId="{2EC2FDE3-8908-45C7-A3FD-EB370213FE69}" srcOrd="4" destOrd="0" presId="urn:microsoft.com/office/officeart/2018/2/layout/IconLabelList"/>
-    <dgm:cxn modelId="{D71858A8-07B6-4E2A-AE55-4CBB5A176FAF}" type="presParOf" srcId="{2EC2FDE3-8908-45C7-A3FD-EB370213FE69}" destId="{6DB1FE51-13D0-4A38-AD6E-48D4371A1AF3}" srcOrd="0" destOrd="0" presId="urn:microsoft.com/office/officeart/2018/2/layout/IconLabelList"/>
-    <dgm:cxn modelId="{49C82510-3B59-4CF0-B2E9-AC9595C8150B}" type="presParOf" srcId="{2EC2FDE3-8908-45C7-A3FD-EB370213FE69}" destId="{0928538A-05CC-4A79-BD5D-92F985D1EEE5}" srcOrd="1" destOrd="0" presId="urn:microsoft.com/office/officeart/2018/2/layout/IconLabelList"/>
-    <dgm:cxn modelId="{5B4A17CB-8447-41F2-94A1-DD7F7A76F118}" type="presParOf" srcId="{2EC2FDE3-8908-45C7-A3FD-EB370213FE69}" destId="{133097FC-B1F8-4953-B0AB-E8E73D968D1C}" srcOrd="2" destOrd="0" presId="urn:microsoft.com/office/officeart/2018/2/layout/IconLabelList"/>
+    <dgm:cxn modelId="{2D833C00-20DF-4CB3-8B93-52E1A21671DE}" type="presOf" srcId="{6A8D2C84-45C4-4D54-B410-2880A38FE326}" destId="{61A87E03-70E0-437B-A29D-228DABC02B6B}" srcOrd="0" destOrd="0" presId="urn:microsoft.com/office/officeart/2018/5/layout/IconCircleLabelList"/>
+    <dgm:cxn modelId="{91DCDA33-7D1F-429B-AEE2-BDD75AA5D412}" srcId="{34BEB396-5AE2-4F33-A5CF-1BFEF1847D19}" destId="{4CC95526-826C-46B2-8541-7F43ACFAB9FC}" srcOrd="1" destOrd="0" parTransId="{4EA83BC1-36CA-4E80-BE2B-B50499AF0C73}" sibTransId="{248806FE-81B7-4C19-9B53-62A65A62C5A6}"/>
+    <dgm:cxn modelId="{53990146-445B-43EA-BABC-6D75B0B81E10}" srcId="{34BEB396-5AE2-4F33-A5CF-1BFEF1847D19}" destId="{6A8D2C84-45C4-4D54-B410-2880A38FE326}" srcOrd="0" destOrd="0" parTransId="{4DDED0B9-66C6-442C-8516-EE0441A9640A}" sibTransId="{A5F1FE8D-32AA-459B-BF17-E0369A0CCAEA}"/>
+    <dgm:cxn modelId="{BF6B53A3-A557-4C00-8B30-FBCF2C5D3BEF}" type="presOf" srcId="{4CC95526-826C-46B2-8541-7F43ACFAB9FC}" destId="{7679AFED-3786-4A85-8891-63F87A4B849F}" srcOrd="0" destOrd="0" presId="urn:microsoft.com/office/officeart/2018/5/layout/IconCircleLabelList"/>
+    <dgm:cxn modelId="{6B30C7C0-F4B4-4F8D-BCA9-52A50949EEC5}" type="presOf" srcId="{EED903FF-4744-46DB-88E3-CF76578C0D00}" destId="{0CCBE52D-9B4E-4BFA-9A04-8A49E0F86B48}" srcOrd="0" destOrd="0" presId="urn:microsoft.com/office/officeart/2018/5/layout/IconCircleLabelList"/>
+    <dgm:cxn modelId="{0E7D53C1-EAB9-4B2D-9A2A-2803ABF2E460}" srcId="{34BEB396-5AE2-4F33-A5CF-1BFEF1847D19}" destId="{EED903FF-4744-46DB-88E3-CF76578C0D00}" srcOrd="2" destOrd="0" parTransId="{3415DF8E-093D-4640-865F-B13D12E56FC4}" sibTransId="{DFD29477-60B5-4957-928E-2700FDA6AB1B}"/>
+    <dgm:cxn modelId="{900403F3-297F-4DE6-91EE-C206FFFAA533}" type="presOf" srcId="{34BEB396-5AE2-4F33-A5CF-1BFEF1847D19}" destId="{D6697300-1A0E-4762-9520-A1020992DCE6}" srcOrd="0" destOrd="0" presId="urn:microsoft.com/office/officeart/2018/5/layout/IconCircleLabelList"/>
+    <dgm:cxn modelId="{3BEF4E04-CA74-4826-BB38-F8FA244BFEBB}" type="presParOf" srcId="{D6697300-1A0E-4762-9520-A1020992DCE6}" destId="{3FF27B02-D9FD-418D-8062-79855B0A9250}" srcOrd="0" destOrd="0" presId="urn:microsoft.com/office/officeart/2018/5/layout/IconCircleLabelList"/>
+    <dgm:cxn modelId="{4C394B11-5B2A-4E74-AB7A-AE453BC7570E}" type="presParOf" srcId="{3FF27B02-D9FD-418D-8062-79855B0A9250}" destId="{5BCA89DE-F9FB-4BC3-B121-1B74457F86DD}" srcOrd="0" destOrd="0" presId="urn:microsoft.com/office/officeart/2018/5/layout/IconCircleLabelList"/>
+    <dgm:cxn modelId="{78F299A9-5663-420A-BE1E-A7831C5FCF68}" type="presParOf" srcId="{3FF27B02-D9FD-418D-8062-79855B0A9250}" destId="{BC2DAC85-D288-44BE-8215-EFB6D28CD42C}" srcOrd="1" destOrd="0" presId="urn:microsoft.com/office/officeart/2018/5/layout/IconCircleLabelList"/>
+    <dgm:cxn modelId="{A3A20F4B-F7BC-41CF-BD96-C5A682C20603}" type="presParOf" srcId="{3FF27B02-D9FD-418D-8062-79855B0A9250}" destId="{2266E6AC-7735-470B-9C94-EBEBE0B358E5}" srcOrd="2" destOrd="0" presId="urn:microsoft.com/office/officeart/2018/5/layout/IconCircleLabelList"/>
+    <dgm:cxn modelId="{FD981851-496C-4848-980C-E8AF0592A02B}" type="presParOf" srcId="{3FF27B02-D9FD-418D-8062-79855B0A9250}" destId="{61A87E03-70E0-437B-A29D-228DABC02B6B}" srcOrd="3" destOrd="0" presId="urn:microsoft.com/office/officeart/2018/5/layout/IconCircleLabelList"/>
+    <dgm:cxn modelId="{6CEAE3EC-BC2B-4F85-B4EA-864D7095CB9C}" type="presParOf" srcId="{D6697300-1A0E-4762-9520-A1020992DCE6}" destId="{549155C0-DB91-48F9-9ABC-2B6836EB2404}" srcOrd="1" destOrd="0" presId="urn:microsoft.com/office/officeart/2018/5/layout/IconCircleLabelList"/>
+    <dgm:cxn modelId="{7E20FEA9-D153-453E-9218-A8F50D842540}" type="presParOf" srcId="{D6697300-1A0E-4762-9520-A1020992DCE6}" destId="{9AA5073A-23BD-4FE0-A327-10BB80460791}" srcOrd="2" destOrd="0" presId="urn:microsoft.com/office/officeart/2018/5/layout/IconCircleLabelList"/>
+    <dgm:cxn modelId="{9C6B8E2D-AD3C-4B23-8DA8-753D1C81380C}" type="presParOf" srcId="{9AA5073A-23BD-4FE0-A327-10BB80460791}" destId="{66CEC929-C173-483E-80CB-9FA02551CB6B}" srcOrd="0" destOrd="0" presId="urn:microsoft.com/office/officeart/2018/5/layout/IconCircleLabelList"/>
+    <dgm:cxn modelId="{40477585-55D8-450F-A3F0-FB04933E97C3}" type="presParOf" srcId="{9AA5073A-23BD-4FE0-A327-10BB80460791}" destId="{546A9F01-5EED-41AF-88BD-D28BCF4BC8B5}" srcOrd="1" destOrd="0" presId="urn:microsoft.com/office/officeart/2018/5/layout/IconCircleLabelList"/>
+    <dgm:cxn modelId="{3B966BEB-B1BB-48FD-ABEF-A8DAA313B067}" type="presParOf" srcId="{9AA5073A-23BD-4FE0-A327-10BB80460791}" destId="{84915DE2-E58A-4379-BF55-C09A5EBE4440}" srcOrd="2" destOrd="0" presId="urn:microsoft.com/office/officeart/2018/5/layout/IconCircleLabelList"/>
+    <dgm:cxn modelId="{B111B53B-BB7A-4C3D-825D-D144E75651BD}" type="presParOf" srcId="{9AA5073A-23BD-4FE0-A327-10BB80460791}" destId="{7679AFED-3786-4A85-8891-63F87A4B849F}" srcOrd="3" destOrd="0" presId="urn:microsoft.com/office/officeart/2018/5/layout/IconCircleLabelList"/>
+    <dgm:cxn modelId="{BAA243E4-4890-4650-9895-F5E6B743BED3}" type="presParOf" srcId="{D6697300-1A0E-4762-9520-A1020992DCE6}" destId="{D94C4CBB-86DA-4C5B-8AAE-3630CCE456BC}" srcOrd="3" destOrd="0" presId="urn:microsoft.com/office/officeart/2018/5/layout/IconCircleLabelList"/>
+    <dgm:cxn modelId="{6E4B8C2E-70BF-42BB-B22C-0C911679B0B5}" type="presParOf" srcId="{D6697300-1A0E-4762-9520-A1020992DCE6}" destId="{AD31843D-2501-46A1-953A-5901F7270126}" srcOrd="4" destOrd="0" presId="urn:microsoft.com/office/officeart/2018/5/layout/IconCircleLabelList"/>
+    <dgm:cxn modelId="{0E1B36A5-1219-4D74-A381-AA13534A7D14}" type="presParOf" srcId="{AD31843D-2501-46A1-953A-5901F7270126}" destId="{9C3847EA-92F1-403A-9A71-0F3D41427A3B}" srcOrd="0" destOrd="0" presId="urn:microsoft.com/office/officeart/2018/5/layout/IconCircleLabelList"/>
+    <dgm:cxn modelId="{D773243F-C83A-4B0E-A3DA-4CA09A766068}" type="presParOf" srcId="{AD31843D-2501-46A1-953A-5901F7270126}" destId="{D39F2FCE-C684-4751-ABA9-9673DFC625C5}" srcOrd="1" destOrd="0" presId="urn:microsoft.com/office/officeart/2018/5/layout/IconCircleLabelList"/>
+    <dgm:cxn modelId="{CBFC2388-4A27-4B1C-B024-CEAD384D0232}" type="presParOf" srcId="{AD31843D-2501-46A1-953A-5901F7270126}" destId="{ACC1383F-1FB6-45D4-B2A1-B0E48B36CE1E}" srcOrd="2" destOrd="0" presId="urn:microsoft.com/office/officeart/2018/5/layout/IconCircleLabelList"/>
+    <dgm:cxn modelId="{A429235B-D936-47A5-BCD3-4325D98A991B}" type="presParOf" srcId="{AD31843D-2501-46A1-953A-5901F7270126}" destId="{0CCBE52D-9B4E-4BFA-9A04-8A49E0F86B48}" srcOrd="3" destOrd="0" presId="urn:microsoft.com/office/officeart/2018/5/layout/IconCircleLabelList"/>
   </dgm:cxnLst>
   <dgm:bg/>
   <dgm:whole/>
   <dgm:extLst>
     <a:ext uri="http://schemas.microsoft.com/office/drawing/2008/diagram">
-      <dsp:dataModelExt xmlns:dsp="http://schemas.microsoft.com/office/drawing/2008/diagram" relId="rId7" minVer="http://schemas.openxmlformats.org/drawingml/2006/diagram"/>
-    </a:ext>
-    <a:ext uri="{C62137D5-CB1D-491B-B009-E17868A290BF}">
-      <dgm14:recolorImg xmlns:dgm14="http://schemas.microsoft.com/office/drawing/2010/diagram" val="1"/>
-    </a:ext>
-  </dgm:extLst>
-</dgm:dataModel>
-</file>
-
-<file path=ppt/diagrams/data2.xml><?xml version="1.0" encoding="utf-8"?>
-<dgm:dataModel xmlns:dgm="http://schemas.openxmlformats.org/drawingml/2006/diagram" xmlns:a="http://schemas.openxmlformats.org/drawingml/2006/main">
-  <dgm:ptLst>
-    <dgm:pt modelId="{7E5AA53B-3EEE-4DE4-BB81-9044890C2946}" type="doc">
-      <dgm:prSet loTypeId="urn:microsoft.com/office/officeart/2008/layout/VerticalCurvedList" loCatId="list" qsTypeId="urn:microsoft.com/office/officeart/2005/8/quickstyle/simple4" qsCatId="simple" csTypeId="urn:microsoft.com/office/officeart/2005/8/colors/accent2_2" csCatId="accent2" phldr="1"/>
-      <dgm:spPr/>
-      <dgm:t>
-        <a:bodyPr rtlCol="0"/>
-        <a:lstStyle/>
-        <a:p>
-          <a:pPr rtl="0"/>
-          <a:endParaRPr lang="en-US"/>
-        </a:p>
-      </dgm:t>
-    </dgm:pt>
-    <dgm:pt modelId="{6750AC01-D39D-4F3A-9DC8-2A211EE986A2}">
-      <dgm:prSet phldrT="[Text]"/>
-      <dgm:spPr/>
-      <dgm:t>
-        <a:bodyPr rtlCol="0"/>
-        <a:lstStyle/>
-        <a:p>
-          <a:pPr rtl="0">
-            <a:lnSpc>
-              <a:spcPct val="100000"/>
-            </a:lnSpc>
-          </a:pPr>
-          <a:r>
-            <a:rPr lang="fr-FR" noProof="0" dirty="0"/>
-            <a:t>Cloud	</a:t>
-          </a:r>
-        </a:p>
-      </dgm:t>
-    </dgm:pt>
-    <dgm:pt modelId="{720680DC-AAA4-4434-A582-60EBCC5BA355}" type="parTrans" cxnId="{0B5DAE5F-BCDC-4BF7-A6E7-CF856886A64D}">
-      <dgm:prSet/>
-      <dgm:spPr/>
-      <dgm:t>
-        <a:bodyPr rtlCol="0"/>
-        <a:lstStyle/>
-        <a:p>
-          <a:pPr rtl="0"/>
-          <a:endParaRPr lang="fr-FR" noProof="0" dirty="0"/>
-        </a:p>
-      </dgm:t>
-    </dgm:pt>
-    <dgm:pt modelId="{CA077D98-8478-47EA-B6A9-99ACE60C64D4}" type="sibTrans" cxnId="{0B5DAE5F-BCDC-4BF7-A6E7-CF856886A64D}">
-      <dgm:prSet/>
-      <dgm:spPr/>
-      <dgm:t>
-        <a:bodyPr rtlCol="0"/>
-        <a:lstStyle/>
-        <a:p>
-          <a:pPr rtl="0"/>
-          <a:endParaRPr lang="fr-FR" noProof="0" dirty="0"/>
-        </a:p>
-      </dgm:t>
-    </dgm:pt>
-    <dgm:pt modelId="{0BEF68B8-1228-47BB-83B5-7B9CD1E3F84E}">
-      <dgm:prSet phldrT="[Text]"/>
-      <dgm:spPr/>
-      <dgm:t>
-        <a:bodyPr rtlCol="0"/>
-        <a:lstStyle/>
-        <a:p>
-          <a:pPr rtl="0">
-            <a:lnSpc>
-              <a:spcPct val="100000"/>
-            </a:lnSpc>
-          </a:pPr>
-          <a:r>
-            <a:rPr lang="fr-FR" noProof="0" dirty="0"/>
-            <a:t>Locales</a:t>
-          </a:r>
-        </a:p>
-      </dgm:t>
-    </dgm:pt>
-    <dgm:pt modelId="{ED3A4BC2-B75A-4952-A38B-A42B5995DF05}" type="parTrans" cxnId="{EDEF4F82-1237-4639-A0F7-385C1897CE66}">
-      <dgm:prSet/>
-      <dgm:spPr/>
-      <dgm:t>
-        <a:bodyPr rtlCol="0"/>
-        <a:lstStyle/>
-        <a:p>
-          <a:pPr rtl="0"/>
-          <a:endParaRPr lang="fr-FR" noProof="0" dirty="0"/>
-        </a:p>
-      </dgm:t>
-    </dgm:pt>
-    <dgm:pt modelId="{FD949706-EDCC-4ADC-8EDF-8EDA49C92325}" type="sibTrans" cxnId="{EDEF4F82-1237-4639-A0F7-385C1897CE66}">
-      <dgm:prSet/>
-      <dgm:spPr/>
-      <dgm:t>
-        <a:bodyPr rtlCol="0"/>
-        <a:lstStyle/>
-        <a:p>
-          <a:pPr rtl="0"/>
-          <a:endParaRPr lang="fr-FR" noProof="0" dirty="0"/>
-        </a:p>
-      </dgm:t>
-    </dgm:pt>
-    <dgm:pt modelId="{5605D28D-2CE6-4513-8566-952984E21E14}">
-      <dgm:prSet phldrT="[Text]"/>
-      <dgm:spPr/>
-      <dgm:t>
-        <a:bodyPr rtlCol="0"/>
-        <a:lstStyle/>
-        <a:p>
-          <a:pPr rtl="0">
-            <a:lnSpc>
-              <a:spcPct val="100000"/>
-            </a:lnSpc>
-          </a:pPr>
-          <a:r>
-            <a:rPr lang="fr-FR" noProof="0" dirty="0"/>
-            <a:t>Hybrides</a:t>
-          </a:r>
-        </a:p>
-      </dgm:t>
-    </dgm:pt>
-    <dgm:pt modelId="{EB15AB98-362B-4E70-A3DA-995FC3E8BA79}" type="parTrans" cxnId="{FAF3F884-F0CF-440F-8CB1-B7648AB1B138}">
-      <dgm:prSet/>
-      <dgm:spPr/>
-      <dgm:t>
-        <a:bodyPr rtlCol="0"/>
-        <a:lstStyle/>
-        <a:p>
-          <a:pPr rtl="0"/>
-          <a:endParaRPr lang="fr-FR" noProof="0" dirty="0"/>
-        </a:p>
-      </dgm:t>
-    </dgm:pt>
-    <dgm:pt modelId="{823D1971-2C4D-4EC5-A874-2F463DE37109}" type="sibTrans" cxnId="{FAF3F884-F0CF-440F-8CB1-B7648AB1B138}">
-      <dgm:prSet/>
-      <dgm:spPr/>
-      <dgm:t>
-        <a:bodyPr rtlCol="0"/>
-        <a:lstStyle/>
-        <a:p>
-          <a:pPr rtl="0"/>
-          <a:endParaRPr lang="fr-FR" noProof="0" dirty="0"/>
-        </a:p>
-      </dgm:t>
-    </dgm:pt>
-    <dgm:pt modelId="{57806726-6E60-4ACC-9C1C-7DF9CC365A10}" type="pres">
-      <dgm:prSet presAssocID="{7E5AA53B-3EEE-4DE4-BB81-9044890C2946}" presName="Name0" presStyleCnt="0">
-        <dgm:presLayoutVars>
-          <dgm:chMax val="7"/>
-          <dgm:chPref val="7"/>
-          <dgm:dir/>
-        </dgm:presLayoutVars>
-      </dgm:prSet>
-      <dgm:spPr/>
-    </dgm:pt>
-    <dgm:pt modelId="{90561C55-3C6E-4D53-85E1-2C50BCDDA392}" type="pres">
-      <dgm:prSet presAssocID="{7E5AA53B-3EEE-4DE4-BB81-9044890C2946}" presName="Name1" presStyleCnt="0"/>
-      <dgm:spPr/>
-    </dgm:pt>
-    <dgm:pt modelId="{B6CD42EC-5AD4-4004-AE5B-47EDA668DAA8}" type="pres">
-      <dgm:prSet presAssocID="{7E5AA53B-3EEE-4DE4-BB81-9044890C2946}" presName="cycle" presStyleCnt="0"/>
-      <dgm:spPr/>
-    </dgm:pt>
-    <dgm:pt modelId="{963B8EE3-40CC-4A0A-B420-D0BF920973CE}" type="pres">
-      <dgm:prSet presAssocID="{7E5AA53B-3EEE-4DE4-BB81-9044890C2946}" presName="srcNode" presStyleLbl="node1" presStyleIdx="0" presStyleCnt="3"/>
-      <dgm:spPr/>
-    </dgm:pt>
-    <dgm:pt modelId="{D79B43FC-100B-4A0D-A4D5-0D2D04B99064}" type="pres">
-      <dgm:prSet presAssocID="{7E5AA53B-3EEE-4DE4-BB81-9044890C2946}" presName="conn" presStyleLbl="parChTrans1D2" presStyleIdx="0" presStyleCnt="1"/>
-      <dgm:spPr/>
-    </dgm:pt>
-    <dgm:pt modelId="{3CAD8DA1-8D53-445C-ACE8-D8449E4F0F55}" type="pres">
-      <dgm:prSet presAssocID="{7E5AA53B-3EEE-4DE4-BB81-9044890C2946}" presName="extraNode" presStyleLbl="node1" presStyleIdx="0" presStyleCnt="3"/>
-      <dgm:spPr/>
-    </dgm:pt>
-    <dgm:pt modelId="{429CABD1-4116-474B-81BF-735E2CA9DD00}" type="pres">
-      <dgm:prSet presAssocID="{7E5AA53B-3EEE-4DE4-BB81-9044890C2946}" presName="dstNode" presStyleLbl="node1" presStyleIdx="0" presStyleCnt="3"/>
-      <dgm:spPr/>
-    </dgm:pt>
-    <dgm:pt modelId="{58319267-C71E-43C9-94E1-827D0616C7A7}" type="pres">
-      <dgm:prSet presAssocID="{6750AC01-D39D-4F3A-9DC8-2A211EE986A2}" presName="text_1" presStyleLbl="node1" presStyleIdx="0" presStyleCnt="3">
-        <dgm:presLayoutVars>
-          <dgm:bulletEnabled val="1"/>
-        </dgm:presLayoutVars>
-      </dgm:prSet>
-      <dgm:spPr/>
-    </dgm:pt>
-    <dgm:pt modelId="{79F9B8A9-2412-4B74-84A9-69422DB81CDC}" type="pres">
-      <dgm:prSet presAssocID="{6750AC01-D39D-4F3A-9DC8-2A211EE986A2}" presName="accent_1" presStyleCnt="0"/>
-      <dgm:spPr/>
-    </dgm:pt>
-    <dgm:pt modelId="{07CB3071-D555-47DA-A36A-69EB91531FD8}" type="pres">
-      <dgm:prSet presAssocID="{6750AC01-D39D-4F3A-9DC8-2A211EE986A2}" presName="accentRepeatNode" presStyleLbl="solidFgAcc1" presStyleIdx="0" presStyleCnt="3"/>
-      <dgm:spPr/>
-    </dgm:pt>
-    <dgm:pt modelId="{95DE6538-27BD-44AF-A1A8-CA8F6B10FDD2}" type="pres">
-      <dgm:prSet presAssocID="{0BEF68B8-1228-47BB-83B5-7B9CD1E3F84E}" presName="text_2" presStyleLbl="node1" presStyleIdx="1" presStyleCnt="3">
-        <dgm:presLayoutVars>
-          <dgm:bulletEnabled val="1"/>
-        </dgm:presLayoutVars>
-      </dgm:prSet>
-      <dgm:spPr/>
-    </dgm:pt>
-    <dgm:pt modelId="{312BDEE8-85BD-4F02-B35B-2CC8E701C98B}" type="pres">
-      <dgm:prSet presAssocID="{0BEF68B8-1228-47BB-83B5-7B9CD1E3F84E}" presName="accent_2" presStyleCnt="0"/>
-      <dgm:spPr/>
-    </dgm:pt>
-    <dgm:pt modelId="{3F8116AC-FAC3-4E95-9865-93CCFEB191B9}" type="pres">
-      <dgm:prSet presAssocID="{0BEF68B8-1228-47BB-83B5-7B9CD1E3F84E}" presName="accentRepeatNode" presStyleLbl="solidFgAcc1" presStyleIdx="1" presStyleCnt="3"/>
-      <dgm:spPr/>
-    </dgm:pt>
-    <dgm:pt modelId="{E131CE4A-9776-44F4-BC03-867682E21374}" type="pres">
-      <dgm:prSet presAssocID="{5605D28D-2CE6-4513-8566-952984E21E14}" presName="text_3" presStyleLbl="node1" presStyleIdx="2" presStyleCnt="3">
-        <dgm:presLayoutVars>
-          <dgm:bulletEnabled val="1"/>
-        </dgm:presLayoutVars>
-      </dgm:prSet>
-      <dgm:spPr/>
-    </dgm:pt>
-    <dgm:pt modelId="{AC9A216A-8375-48F9-A4E6-8E0B64C0209B}" type="pres">
-      <dgm:prSet presAssocID="{5605D28D-2CE6-4513-8566-952984E21E14}" presName="accent_3" presStyleCnt="0"/>
-      <dgm:spPr/>
-    </dgm:pt>
-    <dgm:pt modelId="{A965097E-32F1-4AB8-8C4E-2814A7596B2F}" type="pres">
-      <dgm:prSet presAssocID="{5605D28D-2CE6-4513-8566-952984E21E14}" presName="accentRepeatNode" presStyleLbl="solidFgAcc1" presStyleIdx="2" presStyleCnt="3"/>
-      <dgm:spPr/>
-    </dgm:pt>
-  </dgm:ptLst>
-  <dgm:cxnLst>
-    <dgm:cxn modelId="{A11E3B12-1828-45A7-86C3-BB85832DF84D}" type="presOf" srcId="{CA077D98-8478-47EA-B6A9-99ACE60C64D4}" destId="{D79B43FC-100B-4A0D-A4D5-0D2D04B99064}" srcOrd="0" destOrd="0" presId="urn:microsoft.com/office/officeart/2008/layout/VerticalCurvedList"/>
-    <dgm:cxn modelId="{0B5DAE5F-BCDC-4BF7-A6E7-CF856886A64D}" srcId="{7E5AA53B-3EEE-4DE4-BB81-9044890C2946}" destId="{6750AC01-D39D-4F3A-9DC8-2A211EE986A2}" srcOrd="0" destOrd="0" parTransId="{720680DC-AAA4-4434-A582-60EBCC5BA355}" sibTransId="{CA077D98-8478-47EA-B6A9-99ACE60C64D4}"/>
-    <dgm:cxn modelId="{29DA474E-5DFA-4C66-882F-319C49ABBB19}" type="presOf" srcId="{6750AC01-D39D-4F3A-9DC8-2A211EE986A2}" destId="{58319267-C71E-43C9-94E1-827D0616C7A7}" srcOrd="0" destOrd="0" presId="urn:microsoft.com/office/officeart/2008/layout/VerticalCurvedList"/>
-    <dgm:cxn modelId="{7084AA77-BACB-46CB-AE4A-77B62D3ED1AF}" type="presOf" srcId="{5605D28D-2CE6-4513-8566-952984E21E14}" destId="{E131CE4A-9776-44F4-BC03-867682E21374}" srcOrd="0" destOrd="0" presId="urn:microsoft.com/office/officeart/2008/layout/VerticalCurvedList"/>
-    <dgm:cxn modelId="{EDEF4F82-1237-4639-A0F7-385C1897CE66}" srcId="{7E5AA53B-3EEE-4DE4-BB81-9044890C2946}" destId="{0BEF68B8-1228-47BB-83B5-7B9CD1E3F84E}" srcOrd="1" destOrd="0" parTransId="{ED3A4BC2-B75A-4952-A38B-A42B5995DF05}" sibTransId="{FD949706-EDCC-4ADC-8EDF-8EDA49C92325}"/>
-    <dgm:cxn modelId="{FAF3F884-F0CF-440F-8CB1-B7648AB1B138}" srcId="{7E5AA53B-3EEE-4DE4-BB81-9044890C2946}" destId="{5605D28D-2CE6-4513-8566-952984E21E14}" srcOrd="2" destOrd="0" parTransId="{EB15AB98-362B-4E70-A3DA-995FC3E8BA79}" sibTransId="{823D1971-2C4D-4EC5-A874-2F463DE37109}"/>
-    <dgm:cxn modelId="{4F65CC8F-B5A8-40BE-A32B-05862B543D6A}" type="presOf" srcId="{7E5AA53B-3EEE-4DE4-BB81-9044890C2946}" destId="{57806726-6E60-4ACC-9C1C-7DF9CC365A10}" srcOrd="0" destOrd="0" presId="urn:microsoft.com/office/officeart/2008/layout/VerticalCurvedList"/>
-    <dgm:cxn modelId="{4A378892-5CCC-4F0D-8A38-4BEAECF30F24}" type="presOf" srcId="{0BEF68B8-1228-47BB-83B5-7B9CD1E3F84E}" destId="{95DE6538-27BD-44AF-A1A8-CA8F6B10FDD2}" srcOrd="0" destOrd="0" presId="urn:microsoft.com/office/officeart/2008/layout/VerticalCurvedList"/>
-    <dgm:cxn modelId="{4E25B52E-70EF-4A0F-B410-0B49263AF380}" type="presParOf" srcId="{57806726-6E60-4ACC-9C1C-7DF9CC365A10}" destId="{90561C55-3C6E-4D53-85E1-2C50BCDDA392}" srcOrd="0" destOrd="0" presId="urn:microsoft.com/office/officeart/2008/layout/VerticalCurvedList"/>
-    <dgm:cxn modelId="{2B3DD9E4-EC9C-4B92-B380-F89BF82E7CF3}" type="presParOf" srcId="{90561C55-3C6E-4D53-85E1-2C50BCDDA392}" destId="{B6CD42EC-5AD4-4004-AE5B-47EDA668DAA8}" srcOrd="0" destOrd="0" presId="urn:microsoft.com/office/officeart/2008/layout/VerticalCurvedList"/>
-    <dgm:cxn modelId="{EA357085-80A4-4D1D-9BD2-56B1E9A721FB}" type="presParOf" srcId="{B6CD42EC-5AD4-4004-AE5B-47EDA668DAA8}" destId="{963B8EE3-40CC-4A0A-B420-D0BF920973CE}" srcOrd="0" destOrd="0" presId="urn:microsoft.com/office/officeart/2008/layout/VerticalCurvedList"/>
-    <dgm:cxn modelId="{F175C6D0-411C-40FD-A19B-860D49F42061}" type="presParOf" srcId="{B6CD42EC-5AD4-4004-AE5B-47EDA668DAA8}" destId="{D79B43FC-100B-4A0D-A4D5-0D2D04B99064}" srcOrd="1" destOrd="0" presId="urn:microsoft.com/office/officeart/2008/layout/VerticalCurvedList"/>
-    <dgm:cxn modelId="{794BB944-68C0-47A5-9792-652802EB36AC}" type="presParOf" srcId="{B6CD42EC-5AD4-4004-AE5B-47EDA668DAA8}" destId="{3CAD8DA1-8D53-445C-ACE8-D8449E4F0F55}" srcOrd="2" destOrd="0" presId="urn:microsoft.com/office/officeart/2008/layout/VerticalCurvedList"/>
-    <dgm:cxn modelId="{B8CC75C4-3D1A-49E7-80D2-915668C1368C}" type="presParOf" srcId="{B6CD42EC-5AD4-4004-AE5B-47EDA668DAA8}" destId="{429CABD1-4116-474B-81BF-735E2CA9DD00}" srcOrd="3" destOrd="0" presId="urn:microsoft.com/office/officeart/2008/layout/VerticalCurvedList"/>
-    <dgm:cxn modelId="{28110BB8-F33F-498C-9A75-98364B05EFA5}" type="presParOf" srcId="{90561C55-3C6E-4D53-85E1-2C50BCDDA392}" destId="{58319267-C71E-43C9-94E1-827D0616C7A7}" srcOrd="1" destOrd="0" presId="urn:microsoft.com/office/officeart/2008/layout/VerticalCurvedList"/>
-    <dgm:cxn modelId="{3866F6C9-5521-48F2-B6C3-40C9896E1605}" type="presParOf" srcId="{90561C55-3C6E-4D53-85E1-2C50BCDDA392}" destId="{79F9B8A9-2412-4B74-84A9-69422DB81CDC}" srcOrd="2" destOrd="0" presId="urn:microsoft.com/office/officeart/2008/layout/VerticalCurvedList"/>
-    <dgm:cxn modelId="{D2205A4F-BB7A-4399-BC2F-78E18EC6EAFE}" type="presParOf" srcId="{79F9B8A9-2412-4B74-84A9-69422DB81CDC}" destId="{07CB3071-D555-47DA-A36A-69EB91531FD8}" srcOrd="0" destOrd="0" presId="urn:microsoft.com/office/officeart/2008/layout/VerticalCurvedList"/>
-    <dgm:cxn modelId="{602753E6-8A03-492B-861A-6B9532B5AA28}" type="presParOf" srcId="{90561C55-3C6E-4D53-85E1-2C50BCDDA392}" destId="{95DE6538-27BD-44AF-A1A8-CA8F6B10FDD2}" srcOrd="3" destOrd="0" presId="urn:microsoft.com/office/officeart/2008/layout/VerticalCurvedList"/>
-    <dgm:cxn modelId="{AEC540A3-E86A-4075-8BE4-263F4AFF4EA1}" type="presParOf" srcId="{90561C55-3C6E-4D53-85E1-2C50BCDDA392}" destId="{312BDEE8-85BD-4F02-B35B-2CC8E701C98B}" srcOrd="4" destOrd="0" presId="urn:microsoft.com/office/officeart/2008/layout/VerticalCurvedList"/>
-    <dgm:cxn modelId="{CD5D1014-B7CB-4B47-9A02-5FBF90928A73}" type="presParOf" srcId="{312BDEE8-85BD-4F02-B35B-2CC8E701C98B}" destId="{3F8116AC-FAC3-4E95-9865-93CCFEB191B9}" srcOrd="0" destOrd="0" presId="urn:microsoft.com/office/officeart/2008/layout/VerticalCurvedList"/>
-    <dgm:cxn modelId="{987EB7C0-CA3E-4874-85E0-01E9060A2D35}" type="presParOf" srcId="{90561C55-3C6E-4D53-85E1-2C50BCDDA392}" destId="{E131CE4A-9776-44F4-BC03-867682E21374}" srcOrd="5" destOrd="0" presId="urn:microsoft.com/office/officeart/2008/layout/VerticalCurvedList"/>
-    <dgm:cxn modelId="{91E55363-8DCA-455E-A203-06A9410994CB}" type="presParOf" srcId="{90561C55-3C6E-4D53-85E1-2C50BCDDA392}" destId="{AC9A216A-8375-48F9-A4E6-8E0B64C0209B}" srcOrd="6" destOrd="0" presId="urn:microsoft.com/office/officeart/2008/layout/VerticalCurvedList"/>
-    <dgm:cxn modelId="{D866D586-1293-4049-B6E3-B467C1D5ED64}" type="presParOf" srcId="{AC9A216A-8375-48F9-A4E6-8E0B64C0209B}" destId="{A965097E-32F1-4AB8-8C4E-2814A7596B2F}" srcOrd="0" destOrd="0" presId="urn:microsoft.com/office/officeart/2008/layout/VerticalCurvedList"/>
-  </dgm:cxnLst>
-  <dgm:bg/>
-  <dgm:whole/>
-  <dgm:extLst>
-    <a:ext uri="http://schemas.microsoft.com/office/drawing/2008/diagram">
-      <dsp:dataModelExt xmlns:dsp="http://schemas.microsoft.com/office/drawing/2008/diagram" relId="rId8" minVer="http://schemas.openxmlformats.org/drawingml/2006/diagram"/>
+      <dsp:dataModelExt xmlns:dsp="http://schemas.microsoft.com/office/drawing/2008/diagram" relId="rId6" minVer="http://schemas.openxmlformats.org/drawingml/2006/diagram"/>
     </a:ext>
   </dgm:extLst>
 </dgm:dataModel>
@@ -2378,15 +1400,55 @@
       <dsp:cNvGrpSpPr/>
     </dsp:nvGrpSpPr>
     <dsp:grpSpPr/>
-    <dsp:sp modelId="{19A8DC21-3E65-409D-AD53-DA51BB9198A0}">
+    <dsp:sp modelId="{5BCA89DE-F9FB-4BC3-B121-1B74457F86DD}">
       <dsp:nvSpPr>
         <dsp:cNvPr id="0" name=""/>
         <dsp:cNvSpPr/>
       </dsp:nvSpPr>
       <dsp:spPr>
         <a:xfrm>
-          <a:off x="523237" y="494935"/>
-          <a:ext cx="2285995" cy="2285995"/>
+          <a:off x="686474" y="174118"/>
+          <a:ext cx="1990125" cy="1990125"/>
+        </a:xfrm>
+        <a:prstGeom prst="ellipse">
+          <a:avLst/>
+        </a:prstGeom>
+        <a:solidFill>
+          <a:schemeClr val="bg1">
+            <a:lumMod val="95000"/>
+            <a:hueOff val="0"/>
+            <a:satOff val="0"/>
+            <a:lumOff val="0"/>
+            <a:alphaOff val="0"/>
+          </a:schemeClr>
+        </a:solidFill>
+        <a:ln>
+          <a:noFill/>
+        </a:ln>
+        <a:effectLst/>
+      </dsp:spPr>
+      <dsp:style>
+        <a:lnRef idx="0">
+          <a:scrgbClr r="0" g="0" b="0"/>
+        </a:lnRef>
+        <a:fillRef idx="1">
+          <a:scrgbClr r="0" g="0" b="0"/>
+        </a:fillRef>
+        <a:effectRef idx="0">
+          <a:scrgbClr r="0" g="0" b="0"/>
+        </a:effectRef>
+        <a:fontRef idx="minor"/>
+      </dsp:style>
+    </dsp:sp>
+    <dsp:sp modelId="{BC2DAC85-D288-44BE-8215-EFB6D28CD42C}">
+      <dsp:nvSpPr>
+        <dsp:cNvPr id="0" name=""/>
+        <dsp:cNvSpPr/>
+      </dsp:nvSpPr>
+      <dsp:spPr>
+        <a:xfrm>
+          <a:off x="1110599" y="598243"/>
+          <a:ext cx="1141875" cy="1141875"/>
         </a:xfrm>
         <a:prstGeom prst="rect">
           <a:avLst/>
@@ -2394,35 +1456,32 @@
         <a:blipFill>
           <a:blip xmlns:r="http://schemas.openxmlformats.org/officeDocument/2006/relationships" r:embed="rId1">
             <a:extLst>
+              <a:ext uri="{28A0092B-C50C-407E-A947-70E740481C1C}">
+                <a14:useLocalDpi xmlns:a14="http://schemas.microsoft.com/office/drawing/2010/main" val="0"/>
+              </a:ext>
               <a:ext uri="{96DAC541-7B7A-43D3-8B79-37D633B846F1}">
                 <asvg:svgBlip xmlns:asvg="http://schemas.microsoft.com/office/drawing/2016/SVG/main" r:embed="rId2"/>
               </a:ext>
             </a:extLst>
           </a:blip>
-          <a:srcRect/>
           <a:stretch>
             <a:fillRect/>
           </a:stretch>
         </a:blipFill>
-        <a:ln>
+        <a:ln w="22225" cap="rnd" cmpd="sng" algn="ctr">
           <a:noFill/>
+          <a:prstDash val="solid"/>
         </a:ln>
-        <a:effectLst>
-          <a:outerShdw blurRad="38100" dist="25400" dir="5400000" rotWithShape="0">
-            <a:srgbClr val="000000">
-              <a:alpha val="55000"/>
-            </a:srgbClr>
-          </a:outerShdw>
-        </a:effectLst>
+        <a:effectLst/>
       </dsp:spPr>
       <dsp:style>
-        <a:lnRef idx="0">
+        <a:lnRef idx="2">
           <a:scrgbClr r="0" g="0" b="0"/>
         </a:lnRef>
-        <a:fillRef idx="3">
+        <a:fillRef idx="1">
           <a:scrgbClr r="0" g="0" b="0"/>
         </a:fillRef>
-        <a:effectRef idx="2">
+        <a:effectRef idx="0">
           <a:scrgbClr r="0" g="0" b="0"/>
         </a:effectRef>
         <a:fontRef idx="minor">
@@ -2430,15 +1489,15 @@
         </a:fontRef>
       </dsp:style>
     </dsp:sp>
-    <dsp:sp modelId="{A99B5DD6-89E9-4537-B415-4205CEB9323A}">
+    <dsp:sp modelId="{61A87E03-70E0-437B-A29D-228DABC02B6B}">
       <dsp:nvSpPr>
         <dsp:cNvPr id="0" name=""/>
         <dsp:cNvSpPr/>
       </dsp:nvSpPr>
       <dsp:spPr>
         <a:xfrm>
-          <a:off x="54818" y="2746269"/>
-          <a:ext cx="3222832" cy="720000"/>
+          <a:off x="50287" y="2784119"/>
+          <a:ext cx="3262500" cy="720000"/>
         </a:xfrm>
         <a:prstGeom prst="rect">
           <a:avLst/>
@@ -2462,12 +1521,12 @@
         <a:fontRef idx="minor"/>
       </dsp:style>
       <dsp:txBody>
-        <a:bodyPr spcFirstLastPara="0" vert="horz" wrap="square" lIns="0" tIns="0" rIns="0" bIns="0" numCol="1" spcCol="1270" rtlCol="0" anchor="t" anchorCtr="0">
+        <a:bodyPr spcFirstLastPara="0" vert="horz" wrap="square" lIns="0" tIns="0" rIns="0" bIns="0" numCol="1" spcCol="1270" anchor="t" anchorCtr="0">
           <a:noAutofit/>
         </a:bodyPr>
         <a:lstStyle/>
         <a:p>
-          <a:pPr marL="0" lvl="0" indent="0" algn="ctr" defTabSz="1600200" rtl="0">
+          <a:pPr marL="0" lvl="0" indent="0" algn="ctr" defTabSz="533400">
             <a:lnSpc>
               <a:spcPct val="100000"/>
             </a:lnSpc>
@@ -2478,27 +1537,69 @@
               <a:spcPct val="35000"/>
             </a:spcAft>
             <a:buNone/>
+            <a:defRPr cap="all"/>
           </a:pPr>
           <a:r>
-            <a:rPr lang="fr-FR" sz="3600" kern="1200" noProof="0" dirty="0"/>
-            <a:t>Réseau</a:t>
+            <a:rPr lang="fr-FR" sz="1200" kern="1200"/>
+            <a:t>Solver de théorème hautes performances</a:t>
           </a:r>
+          <a:endParaRPr lang="en-US" sz="1200" kern="1200"/>
         </a:p>
       </dsp:txBody>
       <dsp:txXfrm>
-        <a:off x="54818" y="2746269"/>
-        <a:ext cx="3222832" cy="720000"/>
+        <a:off x="50287" y="2784119"/>
+        <a:ext cx="3262500" cy="720000"/>
       </dsp:txXfrm>
     </dsp:sp>
-    <dsp:sp modelId="{CE9DF0E8-B0DE-4E1E-9FF4-6006AD8428DB}">
+    <dsp:sp modelId="{66CEC929-C173-483E-80CB-9FA02551CB6B}">
       <dsp:nvSpPr>
         <dsp:cNvPr id="0" name=""/>
         <dsp:cNvSpPr/>
       </dsp:nvSpPr>
       <dsp:spPr>
         <a:xfrm>
-          <a:off x="4310064" y="494935"/>
-          <a:ext cx="2285995" cy="2285995"/>
+          <a:off x="4519912" y="174118"/>
+          <a:ext cx="1990125" cy="1990125"/>
+        </a:xfrm>
+        <a:prstGeom prst="ellipse">
+          <a:avLst/>
+        </a:prstGeom>
+        <a:solidFill>
+          <a:schemeClr val="bg1">
+            <a:lumMod val="95000"/>
+            <a:hueOff val="0"/>
+            <a:satOff val="0"/>
+            <a:lumOff val="0"/>
+            <a:alphaOff val="0"/>
+          </a:schemeClr>
+        </a:solidFill>
+        <a:ln>
+          <a:noFill/>
+        </a:ln>
+        <a:effectLst/>
+      </dsp:spPr>
+      <dsp:style>
+        <a:lnRef idx="0">
+          <a:scrgbClr r="0" g="0" b="0"/>
+        </a:lnRef>
+        <a:fillRef idx="1">
+          <a:scrgbClr r="0" g="0" b="0"/>
+        </a:fillRef>
+        <a:effectRef idx="0">
+          <a:scrgbClr r="0" g="0" b="0"/>
+        </a:effectRef>
+        <a:fontRef idx="minor"/>
+      </dsp:style>
+    </dsp:sp>
+    <dsp:sp modelId="{546A9F01-5EED-41AF-88BD-D28BCF4BC8B5}">
+      <dsp:nvSpPr>
+        <dsp:cNvPr id="0" name=""/>
+        <dsp:cNvSpPr/>
+      </dsp:nvSpPr>
+      <dsp:spPr>
+        <a:xfrm>
+          <a:off x="4944037" y="598243"/>
+          <a:ext cx="1141875" cy="1141875"/>
         </a:xfrm>
         <a:prstGeom prst="rect">
           <a:avLst/>
@@ -2518,25 +1619,20 @@
             <a:fillRect/>
           </a:stretch>
         </a:blipFill>
-        <a:ln>
+        <a:ln w="22225" cap="rnd" cmpd="sng" algn="ctr">
           <a:noFill/>
+          <a:prstDash val="solid"/>
         </a:ln>
-        <a:effectLst>
-          <a:outerShdw blurRad="38100" dist="25400" dir="5400000" rotWithShape="0">
-            <a:srgbClr val="000000">
-              <a:alpha val="55000"/>
-            </a:srgbClr>
-          </a:outerShdw>
-        </a:effectLst>
+        <a:effectLst/>
       </dsp:spPr>
       <dsp:style>
-        <a:lnRef idx="0">
+        <a:lnRef idx="2">
           <a:scrgbClr r="0" g="0" b="0"/>
         </a:lnRef>
-        <a:fillRef idx="3">
+        <a:fillRef idx="1">
           <a:scrgbClr r="0" g="0" b="0"/>
         </a:fillRef>
-        <a:effectRef idx="2">
+        <a:effectRef idx="0">
           <a:scrgbClr r="0" g="0" b="0"/>
         </a:effectRef>
         <a:fontRef idx="minor">
@@ -2544,15 +1640,15 @@
         </a:fontRef>
       </dsp:style>
     </dsp:sp>
-    <dsp:sp modelId="{55120873-6F5C-4053-8EAD-6287A7F1097E}">
+    <dsp:sp modelId="{7679AFED-3786-4A85-8891-63F87A4B849F}">
       <dsp:nvSpPr>
         <dsp:cNvPr id="0" name=""/>
         <dsp:cNvSpPr/>
       </dsp:nvSpPr>
       <dsp:spPr>
         <a:xfrm>
-          <a:off x="3841646" y="2746269"/>
-          <a:ext cx="3222832" cy="720000"/>
+          <a:off x="3883725" y="2784119"/>
+          <a:ext cx="3262500" cy="720000"/>
         </a:xfrm>
         <a:prstGeom prst="rect">
           <a:avLst/>
@@ -2576,12 +1672,12 @@
         <a:fontRef idx="minor"/>
       </dsp:style>
       <dsp:txBody>
-        <a:bodyPr spcFirstLastPara="0" vert="horz" wrap="square" lIns="0" tIns="0" rIns="0" bIns="0" numCol="1" spcCol="1270" rtlCol="0" anchor="t" anchorCtr="0">
+        <a:bodyPr spcFirstLastPara="0" vert="horz" wrap="square" lIns="0" tIns="0" rIns="0" bIns="0" numCol="1" spcCol="1270" anchor="t" anchorCtr="0">
           <a:noAutofit/>
         </a:bodyPr>
         <a:lstStyle/>
         <a:p>
-          <a:pPr marL="0" lvl="0" indent="0" algn="ctr" defTabSz="1600200" rtl="0">
+          <a:pPr marL="0" lvl="0" indent="0" algn="ctr" defTabSz="533400">
             <a:lnSpc>
               <a:spcPct val="100000"/>
             </a:lnSpc>
@@ -2592,27 +1688,69 @@
               <a:spcPct val="35000"/>
             </a:spcAft>
             <a:buNone/>
+            <a:defRPr cap="all"/>
           </a:pPr>
           <a:r>
-            <a:rPr lang="fr-FR" sz="3600" kern="1200" noProof="0" dirty="0"/>
-            <a:t>Satellite</a:t>
+            <a:rPr lang="fr-FR" sz="1200" kern="1200"/>
+            <a:t>Développé par Microsoft Research</a:t>
           </a:r>
+          <a:endParaRPr lang="en-US" sz="1200" kern="1200"/>
         </a:p>
       </dsp:txBody>
       <dsp:txXfrm>
-        <a:off x="3841646" y="2746269"/>
-        <a:ext cx="3222832" cy="720000"/>
+        <a:off x="3883725" y="2784119"/>
+        <a:ext cx="3262500" cy="720000"/>
       </dsp:txXfrm>
     </dsp:sp>
-    <dsp:sp modelId="{6DB1FE51-13D0-4A38-AD6E-48D4371A1AF3}">
+    <dsp:sp modelId="{9C3847EA-92F1-403A-9A71-0F3D41427A3B}">
       <dsp:nvSpPr>
         <dsp:cNvPr id="0" name=""/>
         <dsp:cNvSpPr/>
       </dsp:nvSpPr>
       <dsp:spPr>
         <a:xfrm>
-          <a:off x="8096892" y="494935"/>
-          <a:ext cx="2285995" cy="2285995"/>
+          <a:off x="8353350" y="174118"/>
+          <a:ext cx="1990125" cy="1990125"/>
+        </a:xfrm>
+        <a:prstGeom prst="ellipse">
+          <a:avLst/>
+        </a:prstGeom>
+        <a:solidFill>
+          <a:schemeClr val="bg1">
+            <a:lumMod val="95000"/>
+            <a:hueOff val="0"/>
+            <a:satOff val="0"/>
+            <a:lumOff val="0"/>
+            <a:alphaOff val="0"/>
+          </a:schemeClr>
+        </a:solidFill>
+        <a:ln>
+          <a:noFill/>
+        </a:ln>
+        <a:effectLst/>
+      </dsp:spPr>
+      <dsp:style>
+        <a:lnRef idx="0">
+          <a:scrgbClr r="0" g="0" b="0"/>
+        </a:lnRef>
+        <a:fillRef idx="1">
+          <a:scrgbClr r="0" g="0" b="0"/>
+        </a:fillRef>
+        <a:effectRef idx="0">
+          <a:scrgbClr r="0" g="0" b="0"/>
+        </a:effectRef>
+        <a:fontRef idx="minor"/>
+      </dsp:style>
+    </dsp:sp>
+    <dsp:sp modelId="{D39F2FCE-C684-4751-ABA9-9673DFC625C5}">
+      <dsp:nvSpPr>
+        <dsp:cNvPr id="0" name=""/>
+        <dsp:cNvSpPr/>
+      </dsp:nvSpPr>
+      <dsp:spPr>
+        <a:xfrm>
+          <a:off x="8777475" y="598243"/>
+          <a:ext cx="1141875" cy="1141875"/>
         </a:xfrm>
         <a:prstGeom prst="rect">
           <a:avLst/>
@@ -2628,30 +1766,24 @@
               </a:ext>
             </a:extLst>
           </a:blip>
-          <a:srcRect/>
           <a:stretch>
             <a:fillRect/>
           </a:stretch>
         </a:blipFill>
-        <a:ln>
+        <a:ln w="22225" cap="rnd" cmpd="sng" algn="ctr">
           <a:noFill/>
+          <a:prstDash val="solid"/>
         </a:ln>
-        <a:effectLst>
-          <a:outerShdw blurRad="38100" dist="25400" dir="5400000" rotWithShape="0">
-            <a:srgbClr val="000000">
-              <a:alpha val="55000"/>
-            </a:srgbClr>
-          </a:outerShdw>
-        </a:effectLst>
+        <a:effectLst/>
       </dsp:spPr>
       <dsp:style>
-        <a:lnRef idx="0">
+        <a:lnRef idx="2">
           <a:scrgbClr r="0" g="0" b="0"/>
         </a:lnRef>
-        <a:fillRef idx="3">
+        <a:fillRef idx="1">
           <a:scrgbClr r="0" g="0" b="0"/>
         </a:fillRef>
-        <a:effectRef idx="2">
+        <a:effectRef idx="0">
           <a:scrgbClr r="0" g="0" b="0"/>
         </a:effectRef>
         <a:fontRef idx="minor">
@@ -2659,15 +1791,15 @@
         </a:fontRef>
       </dsp:style>
     </dsp:sp>
-    <dsp:sp modelId="{133097FC-B1F8-4953-B0AB-E8E73D968D1C}">
+    <dsp:sp modelId="{0CCBE52D-9B4E-4BFA-9A04-8A49E0F86B48}">
       <dsp:nvSpPr>
         <dsp:cNvPr id="0" name=""/>
         <dsp:cNvSpPr/>
       </dsp:nvSpPr>
       <dsp:spPr>
         <a:xfrm>
-          <a:off x="7628474" y="2746269"/>
-          <a:ext cx="3222832" cy="720000"/>
+          <a:off x="7717162" y="2784119"/>
+          <a:ext cx="3262500" cy="720000"/>
         </a:xfrm>
         <a:prstGeom prst="rect">
           <a:avLst/>
@@ -2691,12 +1823,12 @@
         <a:fontRef idx="minor"/>
       </dsp:style>
       <dsp:txBody>
-        <a:bodyPr spcFirstLastPara="0" vert="horz" wrap="square" lIns="0" tIns="0" rIns="0" bIns="0" numCol="1" spcCol="1270" rtlCol="0" anchor="t" anchorCtr="0">
+        <a:bodyPr spcFirstLastPara="0" vert="horz" wrap="square" lIns="0" tIns="0" rIns="0" bIns="0" numCol="1" spcCol="1270" anchor="t" anchorCtr="0">
           <a:noAutofit/>
         </a:bodyPr>
         <a:lstStyle/>
         <a:p>
-          <a:pPr marL="0" lvl="0" indent="0" algn="ctr" defTabSz="1600200" rtl="0">
+          <a:pPr marL="0" lvl="0" indent="0" algn="ctr" defTabSz="533400">
             <a:lnSpc>
               <a:spcPct val="100000"/>
             </a:lnSpc>
@@ -2707,499 +1839,27 @@
               <a:spcPct val="35000"/>
             </a:spcAft>
             <a:buNone/>
+            <a:defRPr cap="all"/>
           </a:pPr>
           <a:r>
-            <a:rPr lang="fr-FR" sz="3600" kern="1200" noProof="0" dirty="0"/>
-            <a:t>Liaison</a:t>
+            <a:rPr lang="fr-FR" sz="1200" kern="1200" dirty="0"/>
+            <a:t>Utilisé dans de nombreuses applications vérification et test de logiciels:  résolution de contraintes, analyse de systèmes hybrides, sécurité</a:t>
           </a:r>
+          <a:endParaRPr lang="en-US" sz="1200" kern="1200" dirty="0"/>
         </a:p>
       </dsp:txBody>
       <dsp:txXfrm>
-        <a:off x="7628474" y="2746269"/>
-        <a:ext cx="3222832" cy="720000"/>
+        <a:off x="7717162" y="2784119"/>
+        <a:ext cx="3262500" cy="720000"/>
       </dsp:txXfrm>
     </dsp:sp>
   </dsp:spTree>
 </dsp:drawing>
 </file>
 
-<file path=ppt/diagrams/drawing2.xml><?xml version="1.0" encoding="utf-8"?>
-<dsp:drawing xmlns:dgm="http://schemas.openxmlformats.org/drawingml/2006/diagram" xmlns:dsp="http://schemas.microsoft.com/office/drawing/2008/diagram" xmlns:a="http://schemas.openxmlformats.org/drawingml/2006/main">
-  <dsp:spTree>
-    <dsp:nvGrpSpPr>
-      <dsp:cNvPr id="0" name=""/>
-      <dsp:cNvGrpSpPr/>
-    </dsp:nvGrpSpPr>
-    <dsp:grpSpPr/>
-    <dsp:sp modelId="{D79B43FC-100B-4A0D-A4D5-0D2D04B99064}">
-      <dsp:nvSpPr>
-        <dsp:cNvPr id="0" name=""/>
-        <dsp:cNvSpPr/>
-      </dsp:nvSpPr>
-      <dsp:spPr>
-        <a:xfrm>
-          <a:off x="-4028574" y="-618397"/>
-          <a:ext cx="4800732" cy="4800732"/>
-        </a:xfrm>
-        <a:prstGeom prst="blockArc">
-          <a:avLst>
-            <a:gd name="adj1" fmla="val 18900000"/>
-            <a:gd name="adj2" fmla="val 2700000"/>
-            <a:gd name="adj3" fmla="val 450"/>
-          </a:avLst>
-        </a:prstGeom>
-        <a:noFill/>
-        <a:ln w="12700" cap="rnd" cmpd="sng" algn="ctr">
-          <a:solidFill>
-            <a:schemeClr val="accent2">
-              <a:shade val="60000"/>
-              <a:hueOff val="0"/>
-              <a:satOff val="0"/>
-              <a:lumOff val="0"/>
-              <a:alphaOff val="0"/>
-            </a:schemeClr>
-          </a:solidFill>
-          <a:prstDash val="solid"/>
-        </a:ln>
-        <a:effectLst/>
-      </dsp:spPr>
-      <dsp:style>
-        <a:lnRef idx="1">
-          <a:scrgbClr r="0" g="0" b="0"/>
-        </a:lnRef>
-        <a:fillRef idx="0">
-          <a:scrgbClr r="0" g="0" b="0"/>
-        </a:fillRef>
-        <a:effectRef idx="0">
-          <a:scrgbClr r="0" g="0" b="0"/>
-        </a:effectRef>
-        <a:fontRef idx="minor"/>
-      </dsp:style>
-    </dsp:sp>
-    <dsp:sp modelId="{58319267-C71E-43C9-94E1-827D0616C7A7}">
-      <dsp:nvSpPr>
-        <dsp:cNvPr id="0" name=""/>
-        <dsp:cNvSpPr/>
-      </dsp:nvSpPr>
-      <dsp:spPr>
-        <a:xfrm>
-          <a:off x="496568" y="356393"/>
-          <a:ext cx="6310391" cy="712787"/>
-        </a:xfrm>
-        <a:prstGeom prst="rect">
-          <a:avLst/>
-        </a:prstGeom>
-        <a:gradFill rotWithShape="0">
-          <a:gsLst>
-            <a:gs pos="0">
-              <a:schemeClr val="accent2">
-                <a:hueOff val="0"/>
-                <a:satOff val="0"/>
-                <a:lumOff val="0"/>
-                <a:alphaOff val="0"/>
-                <a:tint val="98000"/>
-                <a:lumMod val="110000"/>
-              </a:schemeClr>
-            </a:gs>
-            <a:gs pos="84000">
-              <a:schemeClr val="accent2">
-                <a:hueOff val="0"/>
-                <a:satOff val="0"/>
-                <a:lumOff val="0"/>
-                <a:alphaOff val="0"/>
-                <a:shade val="90000"/>
-                <a:lumMod val="88000"/>
-              </a:schemeClr>
-            </a:gs>
-          </a:gsLst>
-          <a:lin ang="5400000" scaled="0"/>
-        </a:gradFill>
-        <a:ln>
-          <a:noFill/>
-        </a:ln>
-        <a:effectLst>
-          <a:outerShdw blurRad="38100" dist="25400" dir="5400000" rotWithShape="0">
-            <a:srgbClr val="000000">
-              <a:alpha val="55000"/>
-            </a:srgbClr>
-          </a:outerShdw>
-        </a:effectLst>
-      </dsp:spPr>
-      <dsp:style>
-        <a:lnRef idx="0">
-          <a:scrgbClr r="0" g="0" b="0"/>
-        </a:lnRef>
-        <a:fillRef idx="3">
-          <a:scrgbClr r="0" g="0" b="0"/>
-        </a:fillRef>
-        <a:effectRef idx="2">
-          <a:scrgbClr r="0" g="0" b="0"/>
-        </a:effectRef>
-        <a:fontRef idx="minor">
-          <a:schemeClr val="lt1"/>
-        </a:fontRef>
-      </dsp:style>
-      <dsp:txBody>
-        <a:bodyPr spcFirstLastPara="0" vert="horz" wrap="square" lIns="565775" tIns="88900" rIns="88900" bIns="88900" numCol="1" spcCol="1270" rtlCol="0" anchor="ctr" anchorCtr="0">
-          <a:noAutofit/>
-        </a:bodyPr>
-        <a:lstStyle/>
-        <a:p>
-          <a:pPr marL="0" lvl="0" indent="0" algn="l" defTabSz="1555750" rtl="0">
-            <a:lnSpc>
-              <a:spcPct val="100000"/>
-            </a:lnSpc>
-            <a:spcBef>
-              <a:spcPct val="0"/>
-            </a:spcBef>
-            <a:spcAft>
-              <a:spcPct val="35000"/>
-            </a:spcAft>
-            <a:buNone/>
-          </a:pPr>
-          <a:r>
-            <a:rPr lang="fr-FR" sz="3500" kern="1200" noProof="0" dirty="0"/>
-            <a:t>Cloud	</a:t>
-          </a:r>
-        </a:p>
-      </dsp:txBody>
-      <dsp:txXfrm>
-        <a:off x="496568" y="356393"/>
-        <a:ext cx="6310391" cy="712787"/>
-      </dsp:txXfrm>
-    </dsp:sp>
-    <dsp:sp modelId="{07CB3071-D555-47DA-A36A-69EB91531FD8}">
-      <dsp:nvSpPr>
-        <dsp:cNvPr id="0" name=""/>
-        <dsp:cNvSpPr/>
-      </dsp:nvSpPr>
-      <dsp:spPr>
-        <a:xfrm>
-          <a:off x="51076" y="267295"/>
-          <a:ext cx="890984" cy="890984"/>
-        </a:xfrm>
-        <a:prstGeom prst="ellipse">
-          <a:avLst/>
-        </a:prstGeom>
-        <a:solidFill>
-          <a:schemeClr val="lt1">
-            <a:hueOff val="0"/>
-            <a:satOff val="0"/>
-            <a:lumOff val="0"/>
-            <a:alphaOff val="0"/>
-          </a:schemeClr>
-        </a:solidFill>
-        <a:ln w="12700" cap="rnd" cmpd="sng" algn="ctr">
-          <a:solidFill>
-            <a:schemeClr val="accent2">
-              <a:hueOff val="0"/>
-              <a:satOff val="0"/>
-              <a:lumOff val="0"/>
-              <a:alphaOff val="0"/>
-            </a:schemeClr>
-          </a:solidFill>
-          <a:prstDash val="solid"/>
-        </a:ln>
-        <a:effectLst/>
-      </dsp:spPr>
-      <dsp:style>
-        <a:lnRef idx="1">
-          <a:scrgbClr r="0" g="0" b="0"/>
-        </a:lnRef>
-        <a:fillRef idx="1">
-          <a:scrgbClr r="0" g="0" b="0"/>
-        </a:fillRef>
-        <a:effectRef idx="0">
-          <a:scrgbClr r="0" g="0" b="0"/>
-        </a:effectRef>
-        <a:fontRef idx="minor"/>
-      </dsp:style>
-    </dsp:sp>
-    <dsp:sp modelId="{95DE6538-27BD-44AF-A1A8-CA8F6B10FDD2}">
-      <dsp:nvSpPr>
-        <dsp:cNvPr id="0" name=""/>
-        <dsp:cNvSpPr/>
-      </dsp:nvSpPr>
-      <dsp:spPr>
-        <a:xfrm>
-          <a:off x="755666" y="1425575"/>
-          <a:ext cx="6051292" cy="712787"/>
-        </a:xfrm>
-        <a:prstGeom prst="rect">
-          <a:avLst/>
-        </a:prstGeom>
-        <a:gradFill rotWithShape="0">
-          <a:gsLst>
-            <a:gs pos="0">
-              <a:schemeClr val="accent2">
-                <a:hueOff val="0"/>
-                <a:satOff val="0"/>
-                <a:lumOff val="0"/>
-                <a:alphaOff val="0"/>
-                <a:tint val="98000"/>
-                <a:lumMod val="110000"/>
-              </a:schemeClr>
-            </a:gs>
-            <a:gs pos="84000">
-              <a:schemeClr val="accent2">
-                <a:hueOff val="0"/>
-                <a:satOff val="0"/>
-                <a:lumOff val="0"/>
-                <a:alphaOff val="0"/>
-                <a:shade val="90000"/>
-                <a:lumMod val="88000"/>
-              </a:schemeClr>
-            </a:gs>
-          </a:gsLst>
-          <a:lin ang="5400000" scaled="0"/>
-        </a:gradFill>
-        <a:ln>
-          <a:noFill/>
-        </a:ln>
-        <a:effectLst>
-          <a:outerShdw blurRad="38100" dist="25400" dir="5400000" rotWithShape="0">
-            <a:srgbClr val="000000">
-              <a:alpha val="55000"/>
-            </a:srgbClr>
-          </a:outerShdw>
-        </a:effectLst>
-      </dsp:spPr>
-      <dsp:style>
-        <a:lnRef idx="0">
-          <a:scrgbClr r="0" g="0" b="0"/>
-        </a:lnRef>
-        <a:fillRef idx="3">
-          <a:scrgbClr r="0" g="0" b="0"/>
-        </a:fillRef>
-        <a:effectRef idx="2">
-          <a:scrgbClr r="0" g="0" b="0"/>
-        </a:effectRef>
-        <a:fontRef idx="minor">
-          <a:schemeClr val="lt1"/>
-        </a:fontRef>
-      </dsp:style>
-      <dsp:txBody>
-        <a:bodyPr spcFirstLastPara="0" vert="horz" wrap="square" lIns="565775" tIns="88900" rIns="88900" bIns="88900" numCol="1" spcCol="1270" rtlCol="0" anchor="ctr" anchorCtr="0">
-          <a:noAutofit/>
-        </a:bodyPr>
-        <a:lstStyle/>
-        <a:p>
-          <a:pPr marL="0" lvl="0" indent="0" algn="l" defTabSz="1555750" rtl="0">
-            <a:lnSpc>
-              <a:spcPct val="100000"/>
-            </a:lnSpc>
-            <a:spcBef>
-              <a:spcPct val="0"/>
-            </a:spcBef>
-            <a:spcAft>
-              <a:spcPct val="35000"/>
-            </a:spcAft>
-            <a:buNone/>
-          </a:pPr>
-          <a:r>
-            <a:rPr lang="fr-FR" sz="3500" kern="1200" noProof="0" dirty="0"/>
-            <a:t>Locales</a:t>
-          </a:r>
-        </a:p>
-      </dsp:txBody>
-      <dsp:txXfrm>
-        <a:off x="755666" y="1425575"/>
-        <a:ext cx="6051292" cy="712787"/>
-      </dsp:txXfrm>
-    </dsp:sp>
-    <dsp:sp modelId="{3F8116AC-FAC3-4E95-9865-93CCFEB191B9}">
-      <dsp:nvSpPr>
-        <dsp:cNvPr id="0" name=""/>
-        <dsp:cNvSpPr/>
-      </dsp:nvSpPr>
-      <dsp:spPr>
-        <a:xfrm>
-          <a:off x="310174" y="1336476"/>
-          <a:ext cx="890984" cy="890984"/>
-        </a:xfrm>
-        <a:prstGeom prst="ellipse">
-          <a:avLst/>
-        </a:prstGeom>
-        <a:solidFill>
-          <a:schemeClr val="lt1">
-            <a:hueOff val="0"/>
-            <a:satOff val="0"/>
-            <a:lumOff val="0"/>
-            <a:alphaOff val="0"/>
-          </a:schemeClr>
-        </a:solidFill>
-        <a:ln w="12700" cap="rnd" cmpd="sng" algn="ctr">
-          <a:solidFill>
-            <a:schemeClr val="accent2">
-              <a:hueOff val="0"/>
-              <a:satOff val="0"/>
-              <a:lumOff val="0"/>
-              <a:alphaOff val="0"/>
-            </a:schemeClr>
-          </a:solidFill>
-          <a:prstDash val="solid"/>
-        </a:ln>
-        <a:effectLst/>
-      </dsp:spPr>
-      <dsp:style>
-        <a:lnRef idx="1">
-          <a:scrgbClr r="0" g="0" b="0"/>
-        </a:lnRef>
-        <a:fillRef idx="1">
-          <a:scrgbClr r="0" g="0" b="0"/>
-        </a:fillRef>
-        <a:effectRef idx="0">
-          <a:scrgbClr r="0" g="0" b="0"/>
-        </a:effectRef>
-        <a:fontRef idx="minor"/>
-      </dsp:style>
-    </dsp:sp>
-    <dsp:sp modelId="{E131CE4A-9776-44F4-BC03-867682E21374}">
-      <dsp:nvSpPr>
-        <dsp:cNvPr id="0" name=""/>
-        <dsp:cNvSpPr/>
-      </dsp:nvSpPr>
-      <dsp:spPr>
-        <a:xfrm>
-          <a:off x="496568" y="2494756"/>
-          <a:ext cx="6310391" cy="712787"/>
-        </a:xfrm>
-        <a:prstGeom prst="rect">
-          <a:avLst/>
-        </a:prstGeom>
-        <a:gradFill rotWithShape="0">
-          <a:gsLst>
-            <a:gs pos="0">
-              <a:schemeClr val="accent2">
-                <a:hueOff val="0"/>
-                <a:satOff val="0"/>
-                <a:lumOff val="0"/>
-                <a:alphaOff val="0"/>
-                <a:tint val="98000"/>
-                <a:lumMod val="110000"/>
-              </a:schemeClr>
-            </a:gs>
-            <a:gs pos="84000">
-              <a:schemeClr val="accent2">
-                <a:hueOff val="0"/>
-                <a:satOff val="0"/>
-                <a:lumOff val="0"/>
-                <a:alphaOff val="0"/>
-                <a:shade val="90000"/>
-                <a:lumMod val="88000"/>
-              </a:schemeClr>
-            </a:gs>
-          </a:gsLst>
-          <a:lin ang="5400000" scaled="0"/>
-        </a:gradFill>
-        <a:ln>
-          <a:noFill/>
-        </a:ln>
-        <a:effectLst>
-          <a:outerShdw blurRad="38100" dist="25400" dir="5400000" rotWithShape="0">
-            <a:srgbClr val="000000">
-              <a:alpha val="55000"/>
-            </a:srgbClr>
-          </a:outerShdw>
-        </a:effectLst>
-      </dsp:spPr>
-      <dsp:style>
-        <a:lnRef idx="0">
-          <a:scrgbClr r="0" g="0" b="0"/>
-        </a:lnRef>
-        <a:fillRef idx="3">
-          <a:scrgbClr r="0" g="0" b="0"/>
-        </a:fillRef>
-        <a:effectRef idx="2">
-          <a:scrgbClr r="0" g="0" b="0"/>
-        </a:effectRef>
-        <a:fontRef idx="minor">
-          <a:schemeClr val="lt1"/>
-        </a:fontRef>
-      </dsp:style>
-      <dsp:txBody>
-        <a:bodyPr spcFirstLastPara="0" vert="horz" wrap="square" lIns="565775" tIns="88900" rIns="88900" bIns="88900" numCol="1" spcCol="1270" rtlCol="0" anchor="ctr" anchorCtr="0">
-          <a:noAutofit/>
-        </a:bodyPr>
-        <a:lstStyle/>
-        <a:p>
-          <a:pPr marL="0" lvl="0" indent="0" algn="l" defTabSz="1555750" rtl="0">
-            <a:lnSpc>
-              <a:spcPct val="100000"/>
-            </a:lnSpc>
-            <a:spcBef>
-              <a:spcPct val="0"/>
-            </a:spcBef>
-            <a:spcAft>
-              <a:spcPct val="35000"/>
-            </a:spcAft>
-            <a:buNone/>
-          </a:pPr>
-          <a:r>
-            <a:rPr lang="fr-FR" sz="3500" kern="1200" noProof="0" dirty="0"/>
-            <a:t>Hybrides</a:t>
-          </a:r>
-        </a:p>
-      </dsp:txBody>
-      <dsp:txXfrm>
-        <a:off x="496568" y="2494756"/>
-        <a:ext cx="6310391" cy="712787"/>
-      </dsp:txXfrm>
-    </dsp:sp>
-    <dsp:sp modelId="{A965097E-32F1-4AB8-8C4E-2814A7596B2F}">
-      <dsp:nvSpPr>
-        <dsp:cNvPr id="0" name=""/>
-        <dsp:cNvSpPr/>
-      </dsp:nvSpPr>
-      <dsp:spPr>
-        <a:xfrm>
-          <a:off x="51076" y="2405658"/>
-          <a:ext cx="890984" cy="890984"/>
-        </a:xfrm>
-        <a:prstGeom prst="ellipse">
-          <a:avLst/>
-        </a:prstGeom>
-        <a:solidFill>
-          <a:schemeClr val="lt1">
-            <a:hueOff val="0"/>
-            <a:satOff val="0"/>
-            <a:lumOff val="0"/>
-            <a:alphaOff val="0"/>
-          </a:schemeClr>
-        </a:solidFill>
-        <a:ln w="12700" cap="rnd" cmpd="sng" algn="ctr">
-          <a:solidFill>
-            <a:schemeClr val="accent2">
-              <a:hueOff val="0"/>
-              <a:satOff val="0"/>
-              <a:lumOff val="0"/>
-              <a:alphaOff val="0"/>
-            </a:schemeClr>
-          </a:solidFill>
-          <a:prstDash val="solid"/>
-        </a:ln>
-        <a:effectLst/>
-      </dsp:spPr>
-      <dsp:style>
-        <a:lnRef idx="1">
-          <a:scrgbClr r="0" g="0" b="0"/>
-        </a:lnRef>
-        <a:fillRef idx="1">
-          <a:scrgbClr r="0" g="0" b="0"/>
-        </a:fillRef>
-        <a:effectRef idx="0">
-          <a:scrgbClr r="0" g="0" b="0"/>
-        </a:effectRef>
-        <a:fontRef idx="minor"/>
-      </dsp:style>
-    </dsp:sp>
-  </dsp:spTree>
-</dsp:drawing>
-</file>
-
 <file path=ppt/diagrams/layout1.xml><?xml version="1.0" encoding="utf-8"?>
-<dgm:layoutDef xmlns:dgm="http://schemas.openxmlformats.org/drawingml/2006/diagram" xmlns:a="http://schemas.openxmlformats.org/drawingml/2006/main" uniqueId="urn:microsoft.com/office/officeart/2018/2/layout/IconLabelList">
-  <dgm:title val="Icon Label List"/>
+<dgm:layoutDef xmlns:dgm="http://schemas.openxmlformats.org/drawingml/2006/diagram" xmlns:a="http://schemas.openxmlformats.org/drawingml/2006/main" uniqueId="urn:microsoft.com/office/officeart/2018/5/layout/IconCircleLabelList">
+  <dgm:title val="Icon Circle Label List"/>
   <dgm:desc val="Use to show non-sequential or grouped chunks of information accompanied by a related visuals. Works best with icons or small pictures with short text captions."/>
   <dgm:catLst>
     <dgm:cat type="icon" pri="500"/>
@@ -3260,26 +1920,37 @@
       <dgm:if name="Name4" axis="ch" ptType="node" func="cnt" op="lte" val="2">
         <dgm:constrLst>
           <dgm:constr type="h" for="ch" forName="compNode" refType="h" fact="0.4"/>
-          <dgm:constr type="w" for="ch" forName="compNode" val="120"/>
+          <dgm:constr type="w" for="ch" forName="compNode" val="100"/>
           <dgm:constr type="w" for="ch" forName="sibTrans" refType="w" refFor="ch" refForName="compNode" fact="0.175"/>
           <dgm:constr type="sp" refType="w" refFor="ch" refForName="compNode" op="equ" fact="0.25"/>
-          <dgm:constr type="primFontSz" for="des" ptType="node" op="equ" val="50"/>
+          <dgm:constr type="primFontSz" for="des" ptType="node" op="equ" val="44"/>
           <dgm:constr type="h" for="des" forName="compNode" op="equ"/>
           <dgm:constr type="h" for="des" forName="textRect" op="equ"/>
         </dgm:constrLst>
       </dgm:if>
-      <dgm:if name="Name5" axis="ch" ptType="node" func="cnt" op="lte" val="4">
+      <dgm:if name="Name5" axis="ch" ptType="node" func="cnt" op="lte" val="3">
+        <dgm:constrLst>
+          <dgm:constr type="h" for="ch" forName="compNode" refType="h" fact="0.4"/>
+          <dgm:constr type="w" for="ch" forName="compNode" val="100"/>
+          <dgm:constr type="w" for="ch" forName="sibTrans" refType="w" refFor="ch" refForName="compNode" fact="0.175"/>
+          <dgm:constr type="sp" refType="w" refFor="ch" refForName="compNode" op="equ" fact="0.25"/>
+          <dgm:constr type="primFontSz" for="des" ptType="node" op="equ" val="40"/>
+          <dgm:constr type="h" for="des" forName="compNode" op="equ"/>
+          <dgm:constr type="h" for="des" forName="textRect" op="equ"/>
+        </dgm:constrLst>
+      </dgm:if>
+      <dgm:if name="Name6" axis="ch" ptType="node" func="cnt" op="lte" val="4">
         <dgm:constrLst>
           <dgm:constr type="h" for="ch" forName="compNode" refType="h" fact="0.4"/>
           <dgm:constr type="w" for="ch" forName="compNode" refType="w"/>
           <dgm:constr type="w" for="ch" forName="sibTrans" refType="w" refFor="ch" refForName="compNode" fact="0.175"/>
           <dgm:constr type="sp" refType="w" refFor="ch" refForName="compNode" op="equ" fact="0.25"/>
-          <dgm:constr type="primFontSz" for="des" ptType="node" op="equ" val="36"/>
+          <dgm:constr type="primFontSz" for="des" ptType="node" op="equ" val="32"/>
           <dgm:constr type="h" for="des" forName="compNode" op="equ"/>
           <dgm:constr type="h" for="des" forName="textRect" op="equ"/>
         </dgm:constrLst>
       </dgm:if>
-      <dgm:else name="Name6">
+      <dgm:else name="Name7">
         <dgm:constrLst>
           <dgm:constr type="h" for="ch" forName="compNode" refType="h" fact="0.4"/>
           <dgm:constr type="w" for="ch" forName="compNode" refType="w"/>
@@ -3294,7 +1965,7 @@
     <dgm:ruleLst>
       <dgm:rule type="w" for="ch" forName="compNode" val="50" fact="NaN" max="NaN"/>
     </dgm:ruleLst>
-    <dgm:forEach name="Name7" axis="ch" ptType="node">
+    <dgm:forEach name="Name8" axis="ch" ptType="node">
       <dgm:layoutNode name="compNode">
         <dgm:alg type="composite"/>
         <dgm:shape xmlns:r="http://schemas.openxmlformats.org/officeDocument/2006/relationships" r:blip="">
@@ -3302,14 +1973,18 @@
         </dgm:shape>
         <dgm:presOf axis="self"/>
         <dgm:constrLst>
-          <dgm:constr type="w" for="ch" forName="iconRect" refType="w" fact="0.45"/>
+          <dgm:constr type="w" for="ch" forName="iconBgRect" refType="w" fact="0.61"/>
+          <dgm:constr type="h" for="ch" forName="iconBgRect" refType="w" refFor="ch" refForName="iconBgRect"/>
+          <dgm:constr type="t" for="ch" forName="iconBgRect"/>
+          <dgm:constr type="ctrX" for="ch" forName="iconBgRect" refType="w" fact="0.5"/>
+          <dgm:constr type="w" for="ch" forName="iconRect" refType="w" fact="0.35"/>
           <dgm:constr type="h" for="ch" forName="iconRect" refType="w" refFor="ch" refForName="iconRect"/>
-          <dgm:constr type="ctrX" for="ch" forName="iconRect" refType="w" fact="0.5"/>
-          <dgm:constr type="t" for="ch" forName="iconRect"/>
-          <dgm:constr type="h" for="ch" forName="spaceRect" refType="h" fact="0.15"/>
+          <dgm:constr type="ctrX" for="ch" forName="iconRect" refType="ctrX" refFor="ch" refForName="iconBgRect"/>
+          <dgm:constr type="ctrY" for="ch" forName="iconRect" refType="ctrY" refFor="ch" refForName="iconBgRect"/>
+          <dgm:constr type="h" for="ch" forName="spaceRect" refType="w" fact="0.19"/>
           <dgm:constr type="w" for="ch" forName="spaceRect" refType="w"/>
           <dgm:constr type="l" for="ch" forName="spaceRect"/>
-          <dgm:constr type="t" for="ch" forName="spaceRect" refType="b" refFor="ch" refForName="iconRect"/>
+          <dgm:constr type="t" for="ch" forName="spaceRect" refType="b" refFor="ch" refForName="iconBgRect"/>
           <dgm:constr type="h" for="ch" forName="textRect" val="20"/>
           <dgm:constr type="w" for="ch" forName="textRect" refType="w"/>
           <dgm:constr type="l" for="ch" forName="textRect"/>
@@ -3318,6 +1993,15 @@
         <dgm:ruleLst>
           <dgm:rule type="h" val="INF" fact="NaN" max="NaN"/>
         </dgm:ruleLst>
+        <dgm:layoutNode name="iconBgRect" styleLbl="bgShp">
+          <dgm:alg type="sp"/>
+          <dgm:shape xmlns:r="http://schemas.openxmlformats.org/officeDocument/2006/relationships" type="ellipse" r:blip="">
+            <dgm:adjLst/>
+          </dgm:shape>
+          <dgm:presOf/>
+          <dgm:constrLst/>
+          <dgm:ruleLst/>
+        </dgm:layoutNode>
         <dgm:layoutNode name="iconRect" styleLbl="node1">
           <dgm:alg type="sp"/>
           <dgm:shape xmlns:r="http://schemas.openxmlformats.org/officeDocument/2006/relationships" type="rect" r:blip="" blipPhldr="1">
@@ -3360,7 +2044,7 @@
           </dgm:ruleLst>
         </dgm:layoutNode>
       </dgm:layoutNode>
-      <dgm:forEach name="Name8" axis="followSib" ptType="sibTrans" cnt="1">
+      <dgm:forEach name="Name9" axis="followSib" ptType="sibTrans" cnt="1">
         <dgm:layoutNode name="sibTrans">
           <dgm:alg type="sp"/>
           <dgm:shape xmlns:r="http://schemas.openxmlformats.org/officeDocument/2006/relationships" r:blip="">
@@ -3380,6 +2064,7 @@
           <a:lnSpc>
             <a:spcPct val="100000"/>
           </a:lnSpc>
+          <a:defRPr cap="all"/>
         </a:lvl1pPr>
       </dgm1612:lstStyle>
     </a:ext>
@@ -3387,1290 +2072,12 @@
 </dgm:layoutDef>
 </file>
 
-<file path=ppt/diagrams/layout2.xml><?xml version="1.0" encoding="utf-8"?>
-<dgm:layoutDef xmlns:dgm="http://schemas.openxmlformats.org/drawingml/2006/diagram" xmlns:a="http://schemas.openxmlformats.org/drawingml/2006/main" uniqueId="urn:microsoft.com/office/officeart/2008/layout/VerticalCurvedList">
+<file path=ppt/diagrams/quickStyle1.xml><?xml version="1.0" encoding="utf-8"?>
+<dgm:styleDef xmlns:dgm="http://schemas.openxmlformats.org/drawingml/2006/diagram" xmlns:a="http://schemas.openxmlformats.org/drawingml/2006/main" uniqueId="urn:microsoft.com/office/officeart/2005/8/quickstyle/simple1">
   <dgm:title val=""/>
   <dgm:desc val=""/>
   <dgm:catLst>
-    <dgm:cat type="list" pri="20000"/>
-  </dgm:catLst>
-  <dgm:sampData>
-    <dgm:dataModel>
-      <dgm:ptLst>
-        <dgm:pt modelId="0" type="doc"/>
-        <dgm:pt modelId="1">
-          <dgm:prSet phldr="1"/>
-        </dgm:pt>
-        <dgm:pt modelId="2">
-          <dgm:prSet phldr="1"/>
-        </dgm:pt>
-        <dgm:pt modelId="3">
-          <dgm:prSet phldr="1"/>
-        </dgm:pt>
-      </dgm:ptLst>
-      <dgm:cxnLst>
-        <dgm:cxn modelId="4" srcId="0" destId="1" srcOrd="0" destOrd="0"/>
-        <dgm:cxn modelId="5" srcId="0" destId="2" srcOrd="1" destOrd="0"/>
-        <dgm:cxn modelId="6" srcId="0" destId="3" srcOrd="2" destOrd="0"/>
-      </dgm:cxnLst>
-      <dgm:bg/>
-      <dgm:whole/>
-    </dgm:dataModel>
-  </dgm:sampData>
-  <dgm:styleData>
-    <dgm:dataModel>
-      <dgm:ptLst>
-        <dgm:pt modelId="0" type="doc"/>
-        <dgm:pt modelId="1">
-          <dgm:prSet phldr="1"/>
-        </dgm:pt>
-        <dgm:pt modelId="2">
-          <dgm:prSet phldr="1"/>
-        </dgm:pt>
-      </dgm:ptLst>
-      <dgm:cxnLst>
-        <dgm:cxn modelId="3" srcId="0" destId="1" srcOrd="0" destOrd="0"/>
-        <dgm:cxn modelId="4" srcId="0" destId="2" srcOrd="1" destOrd="0"/>
-      </dgm:cxnLst>
-      <dgm:bg/>
-      <dgm:whole/>
-    </dgm:dataModel>
-  </dgm:styleData>
-  <dgm:clrData>
-    <dgm:dataModel>
-      <dgm:ptLst>
-        <dgm:pt modelId="0" type="doc"/>
-        <dgm:pt modelId="1">
-          <dgm:prSet phldr="1"/>
-        </dgm:pt>
-        <dgm:pt modelId="2">
-          <dgm:prSet phldr="1"/>
-        </dgm:pt>
-        <dgm:pt modelId="3">
-          <dgm:prSet phldr="1"/>
-        </dgm:pt>
-        <dgm:pt modelId="4">
-          <dgm:prSet phldr="1"/>
-        </dgm:pt>
-      </dgm:ptLst>
-      <dgm:cxnLst>
-        <dgm:cxn modelId="5" srcId="0" destId="1" srcOrd="0" destOrd="0"/>
-        <dgm:cxn modelId="6" srcId="0" destId="2" srcOrd="1" destOrd="0"/>
-        <dgm:cxn modelId="7" srcId="0" destId="3" srcOrd="2" destOrd="0"/>
-        <dgm:cxn modelId="8" srcId="0" destId="4" srcOrd="3" destOrd="0"/>
-      </dgm:cxnLst>
-      <dgm:bg/>
-      <dgm:whole/>
-    </dgm:dataModel>
-  </dgm:clrData>
-  <dgm:layoutNode name="Name0">
-    <dgm:varLst>
-      <dgm:chMax val="7"/>
-      <dgm:chPref val="7"/>
-      <dgm:dir/>
-    </dgm:varLst>
-    <dgm:alg type="composite"/>
-    <dgm:shape xmlns:r="http://schemas.openxmlformats.org/officeDocument/2006/relationships" r:blip="">
-      <dgm:adjLst/>
-    </dgm:shape>
-    <dgm:constrLst>
-      <dgm:constr type="w" for="ch" refType="h" refFor="ch" op="gte" fact="0.8"/>
-    </dgm:constrLst>
-    <dgm:layoutNode name="Name1">
-      <dgm:alg type="composite"/>
-      <dgm:shape xmlns:r="http://schemas.openxmlformats.org/officeDocument/2006/relationships" r:blip="">
-        <dgm:adjLst/>
-      </dgm:shape>
-      <dgm:choose name="Name2">
-        <dgm:if name="Name3" func="var" arg="dir" op="equ" val="norm">
-          <dgm:choose name="Name4">
-            <dgm:if name="Name5" axis="ch" ptType="node" func="cnt" op="equ" val="1">
-              <dgm:constrLst>
-                <dgm:constr type="h" for="ch" forName="cycle" refType="h"/>
-                <dgm:constr type="w" for="ch" forName="cycle" refType="h" refFor="ch" refForName="cycle" fact="0.26"/>
-                <dgm:constr type="l" for="ch" forName="cycle"/>
-                <dgm:constr type="ctrY" for="ch" forName="cycle" refType="h" fact="0.5"/>
-                <dgm:constr type="diam" for="ch" forName="cycle" refType="h" fact="1.344"/>
-                <dgm:constr type="h" for="ch" forName="accent_1" refType="h" fact="0.625"/>
-                <dgm:constr type="w" for="ch" forName="accent_1" refType="h" refFor="ch" refForName="accent_1" op="equ"/>
-                <dgm:constr type="ctrY" for="ch" forName="accent_1" refType="h" fact="0.5"/>
-                <dgm:constr type="ctrX" for="ch" forName="accent_1" refType="h" fact="0.2253"/>
-                <dgm:constr type="l" for="ch" forName="text_1" refType="ctrX" refFor="ch" refForName="accent_1"/>
-                <dgm:constr type="r" for="ch" forName="text_1" refType="w"/>
-                <dgm:constr type="w" for="ch" forName="text_1" refType="h" refFor="ch" refForName="text_1" op="gte"/>
-                <dgm:constr type="h" for="ch" forName="text_1" refType="h" refFor="ch" refForName="accent_1" fact="0.8"/>
-                <dgm:constr type="ctrY" for="ch" forName="text_1" refType="ctrY" refFor="ch" refForName="accent_1"/>
-                <dgm:constr type="lMarg" for="ch" forName="text_1" refType="w" refFor="ch" refForName="accent_1" fact="1.8"/>
-                <dgm:constr type="primFontSz" for="ch" ptType="node" op="equ" val="65"/>
-              </dgm:constrLst>
-            </dgm:if>
-            <dgm:if name="Name6" axis="ch" ptType="node" func="cnt" op="equ" val="2">
-              <dgm:constrLst>
-                <dgm:constr type="h" for="ch" forName="cycle" refType="h"/>
-                <dgm:constr type="w" for="ch" forName="cycle" refType="h" refFor="ch" refForName="cycle" fact="0.26"/>
-                <dgm:constr type="l" for="ch" forName="cycle"/>
-                <dgm:constr type="ctrY" for="ch" forName="cycle" refType="h" fact="0.5"/>
-                <dgm:constr type="diam" for="ch" forName="cycle" refType="h" fact="1.344"/>
-                <dgm:constr type="h" for="ch" forName="accent_1" refType="h" fact="0.3571"/>
-                <dgm:constr type="w" for="ch" forName="accent_1" refType="h" refFor="ch" refForName="accent_1" op="equ"/>
-                <dgm:constr type="ctrY" for="ch" forName="accent_1" refType="h" fact="0.2857"/>
-                <dgm:constr type="ctrX" for="ch" forName="accent_1" refType="h" fact="0.1891"/>
-                <dgm:constr type="l" for="ch" forName="text_1" refType="ctrX" refFor="ch" refForName="accent_1"/>
-                <dgm:constr type="r" for="ch" forName="text_1" refType="w"/>
-                <dgm:constr type="w" for="ch" forName="text_1" refType="h" refFor="ch" refForName="text_1" op="gte"/>
-                <dgm:constr type="h" for="ch" forName="text_1" refType="h" refFor="ch" refForName="accent_1" fact="0.8"/>
-                <dgm:constr type="ctrY" for="ch" forName="text_1" refType="ctrY" refFor="ch" refForName="accent_1"/>
-                <dgm:constr type="lMarg" for="ch" forName="text_1" refType="w" refFor="ch" refForName="accent_1" fact="1.8"/>
-                <dgm:constr type="h" for="ch" forName="accent_2" refType="h" fact="0.3571"/>
-                <dgm:constr type="w" for="ch" forName="accent_2" refType="h" refFor="ch" refForName="accent_2" op="equ"/>
-                <dgm:constr type="ctrY" for="ch" forName="accent_2" refType="h" fact="0.7143"/>
-                <dgm:constr type="ctrX" for="ch" forName="accent_2" refType="h" fact="0.1891"/>
-                <dgm:constr type="l" for="ch" forName="text_2" refType="ctrX" refFor="ch" refForName="accent_2"/>
-                <dgm:constr type="r" for="ch" forName="text_2" refType="w"/>
-                <dgm:constr type="w" for="ch" forName="text_2" refType="h" refFor="ch" refForName="text_2" op="gte"/>
-                <dgm:constr type="h" for="ch" forName="text_2" refType="h" refFor="ch" refForName="accent_2" fact="0.8"/>
-                <dgm:constr type="ctrY" for="ch" forName="text_2" refType="ctrY" refFor="ch" refForName="accent_2"/>
-                <dgm:constr type="lMarg" for="ch" forName="text_2" refType="w" refFor="ch" refForName="accent_2" fact="1.8"/>
-                <dgm:constr type="primFontSz" for="ch" ptType="node" op="equ" val="65"/>
-              </dgm:constrLst>
-            </dgm:if>
-            <dgm:if name="Name7" axis="ch" ptType="node" func="cnt" op="equ" val="3">
-              <dgm:constrLst>
-                <dgm:constr type="h" for="ch" forName="cycle" refType="h"/>
-                <dgm:constr type="w" for="ch" forName="cycle" refType="h" refFor="ch" refForName="cycle" fact="0.26"/>
-                <dgm:constr type="l" for="ch" forName="cycle"/>
-                <dgm:constr type="ctrY" for="ch" forName="cycle" refType="h" fact="0.5"/>
-                <dgm:constr type="diam" for="ch" forName="cycle" refType="h" fact="1.344"/>
-                <dgm:constr type="h" for="ch" forName="accent_1" refType="h" fact="0.25"/>
-                <dgm:constr type="w" for="ch" forName="accent_1" refType="h" refFor="ch" refForName="accent_1" op="equ"/>
-                <dgm:constr type="ctrY" for="ch" forName="accent_1" refType="h" fact="0.2"/>
-                <dgm:constr type="ctrX" for="ch" forName="accent_1" refType="h" fact="0.1526"/>
-                <dgm:constr type="l" for="ch" forName="text_1" refType="ctrX" refFor="ch" refForName="accent_1"/>
-                <dgm:constr type="r" for="ch" forName="text_1" refType="w"/>
-                <dgm:constr type="w" for="ch" forName="text_1" refType="h" refFor="ch" refForName="text_1" op="gte"/>
-                <dgm:constr type="h" for="ch" forName="text_1" refType="h" refFor="ch" refForName="accent_1" fact="0.8"/>
-                <dgm:constr type="ctrY" for="ch" forName="text_1" refType="ctrY" refFor="ch" refForName="accent_1"/>
-                <dgm:constr type="lMarg" for="ch" forName="text_1" refType="w" refFor="ch" refForName="accent_1" fact="1.8"/>
-                <dgm:constr type="h" for="ch" forName="accent_2" refType="h" fact="0.25"/>
-                <dgm:constr type="w" for="ch" forName="accent_2" refType="h" refFor="ch" refForName="accent_2" op="equ"/>
-                <dgm:constr type="ctrY" for="ch" forName="accent_2" refType="h" fact="0.5"/>
-                <dgm:constr type="ctrX" for="ch" forName="accent_2" refType="h" fact="0.2253"/>
-                <dgm:constr type="l" for="ch" forName="text_2" refType="ctrX" refFor="ch" refForName="accent_2"/>
-                <dgm:constr type="r" for="ch" forName="text_2" refType="w"/>
-                <dgm:constr type="w" for="ch" forName="text_2" refType="h" refFor="ch" refForName="text_2" op="gte"/>
-                <dgm:constr type="h" for="ch" forName="text_2" refType="h" refFor="ch" refForName="accent_2" fact="0.8"/>
-                <dgm:constr type="ctrY" for="ch" forName="text_2" refType="ctrY" refFor="ch" refForName="accent_2"/>
-                <dgm:constr type="lMarg" for="ch" forName="text_2" refType="w" refFor="ch" refForName="accent_2" fact="1.8"/>
-                <dgm:constr type="h" for="ch" forName="accent_3" refType="h" fact="0.25"/>
-                <dgm:constr type="w" for="ch" forName="accent_3" refType="h" refFor="ch" refForName="accent_3" op="equ"/>
-                <dgm:constr type="ctrY" for="ch" forName="accent_3" refType="h" fact="0.8"/>
-                <dgm:constr type="ctrX" for="ch" forName="accent_3" refType="h" fact="0.1526"/>
-                <dgm:constr type="l" for="ch" forName="text_3" refType="ctrX" refFor="ch" refForName="accent_3"/>
-                <dgm:constr type="r" for="ch" forName="text_3" refType="w"/>
-                <dgm:constr type="w" for="ch" forName="text_3" refType="h" refFor="ch" refForName="text_3" op="gte"/>
-                <dgm:constr type="h" for="ch" forName="text_3" refType="h" refFor="ch" refForName="accent_3" fact="0.8"/>
-                <dgm:constr type="ctrY" for="ch" forName="text_3" refType="ctrY" refFor="ch" refForName="accent_3"/>
-                <dgm:constr type="lMarg" for="ch" forName="text_3" refType="w" refFor="ch" refForName="accent_3" fact="1.8"/>
-                <dgm:constr type="primFontSz" for="ch" ptType="node" op="equ" val="65"/>
-              </dgm:constrLst>
-            </dgm:if>
-            <dgm:if name="Name8" axis="ch" ptType="node" func="cnt" op="equ" val="4">
-              <dgm:constrLst>
-                <dgm:constr type="h" for="ch" forName="cycle" refType="h"/>
-                <dgm:constr type="w" for="ch" forName="cycle" refType="h" refFor="ch" refForName="cycle" fact="0.26"/>
-                <dgm:constr type="l" for="ch" forName="cycle"/>
-                <dgm:constr type="ctrY" for="ch" forName="cycle" refType="h" fact="0.5"/>
-                <dgm:constr type="diam" for="ch" forName="cycle" refType="h" fact="1.344"/>
-                <dgm:constr type="h" for="ch" forName="accent_1" refType="h" fact="0.1923"/>
-                <dgm:constr type="w" for="ch" forName="accent_1" refType="h" refFor="ch" refForName="accent_1" op="equ"/>
-                <dgm:constr type="ctrY" for="ch" forName="accent_1" refType="h" fact="0.1538"/>
-                <dgm:constr type="ctrX" for="ch" forName="accent_1" refType="h" fact="0.1268"/>
-                <dgm:constr type="l" for="ch" forName="text_1" refType="ctrX" refFor="ch" refForName="accent_1"/>
-                <dgm:constr type="r" for="ch" forName="text_1" refType="w"/>
-                <dgm:constr type="w" for="ch" forName="text_1" refType="h" refFor="ch" refForName="text_1" op="gte"/>
-                <dgm:constr type="h" for="ch" forName="text_1" refType="h" refFor="ch" refForName="accent_1" fact="0.8"/>
-                <dgm:constr type="ctrY" for="ch" forName="text_1" refType="ctrY" refFor="ch" refForName="accent_1"/>
-                <dgm:constr type="lMarg" for="ch" forName="text_1" refType="w" refFor="ch" refForName="accent_1" fact="1.8"/>
-                <dgm:constr type="h" for="ch" forName="accent_2" refType="h" fact="0.1923"/>
-                <dgm:constr type="w" for="ch" forName="accent_2" refType="h" refFor="ch" refForName="accent_2" op="equ"/>
-                <dgm:constr type="ctrY" for="ch" forName="accent_2" refType="h" fact="0.3846"/>
-                <dgm:constr type="ctrX" for="ch" forName="accent_2" refType="h" fact="0.215"/>
-                <dgm:constr type="l" for="ch" forName="text_2" refType="ctrX" refFor="ch" refForName="accent_2"/>
-                <dgm:constr type="r" for="ch" forName="text_2" refType="w"/>
-                <dgm:constr type="w" for="ch" forName="text_2" refType="h" refFor="ch" refForName="text_2" op="gte"/>
-                <dgm:constr type="h" for="ch" forName="text_2" refType="h" refFor="ch" refForName="accent_2" fact="0.8"/>
-                <dgm:constr type="ctrY" for="ch" forName="text_2" refType="ctrY" refFor="ch" refForName="accent_2"/>
-                <dgm:constr type="lMarg" for="ch" forName="text_2" refType="w" refFor="ch" refForName="accent_2" fact="1.8"/>
-                <dgm:constr type="h" for="ch" forName="accent_3" refType="h" fact="0.1923"/>
-                <dgm:constr type="w" for="ch" forName="accent_3" refType="h" refFor="ch" refForName="accent_3" op="equ"/>
-                <dgm:constr type="ctrY" for="ch" forName="accent_3" refType="h" fact="0.6154"/>
-                <dgm:constr type="ctrX" for="ch" forName="accent_3" refType="h" fact="0.215"/>
-                <dgm:constr type="l" for="ch" forName="text_3" refType="ctrX" refFor="ch" refForName="accent_3"/>
-                <dgm:constr type="r" for="ch" forName="text_3" refType="w"/>
-                <dgm:constr type="w" for="ch" forName="text_3" refType="h" refFor="ch" refForName="text_3" op="gte"/>
-                <dgm:constr type="h" for="ch" forName="text_3" refType="h" refFor="ch" refForName="accent_3" fact="0.8"/>
-                <dgm:constr type="ctrY" for="ch" forName="text_3" refType="ctrY" refFor="ch" refForName="accent_3"/>
-                <dgm:constr type="lMarg" for="ch" forName="text_3" refType="w" refFor="ch" refForName="accent_3" fact="1.8"/>
-                <dgm:constr type="h" for="ch" forName="accent_4" refType="h" fact="0.1923"/>
-                <dgm:constr type="w" for="ch" forName="accent_4" refType="h" refFor="ch" refForName="accent_4" op="equ"/>
-                <dgm:constr type="ctrY" for="ch" forName="accent_4" refType="h" fact="0.8462"/>
-                <dgm:constr type="ctrX" for="ch" forName="accent_4" refType="h" fact="0.1268"/>
-                <dgm:constr type="l" for="ch" forName="text_4" refType="ctrX" refFor="ch" refForName="accent_4"/>
-                <dgm:constr type="r" for="ch" forName="text_4" refType="w"/>
-                <dgm:constr type="w" for="ch" forName="text_4" refType="h" refFor="ch" refForName="text_4" op="gte"/>
-                <dgm:constr type="h" for="ch" forName="text_4" refType="h" refFor="ch" refForName="accent_4" fact="0.8"/>
-                <dgm:constr type="ctrY" for="ch" forName="text_4" refType="ctrY" refFor="ch" refForName="accent_4"/>
-                <dgm:constr type="lMarg" for="ch" forName="text_4" refType="w" refFor="ch" refForName="accent_4" fact="1.8"/>
-                <dgm:constr type="primFontSz" for="ch" ptType="node" op="equ" val="65"/>
-              </dgm:constrLst>
-            </dgm:if>
-            <dgm:if name="Name9" axis="ch" ptType="node" func="cnt" op="equ" val="5">
-              <dgm:constrLst>
-                <dgm:constr type="h" for="ch" forName="cycle" refType="h"/>
-                <dgm:constr type="w" for="ch" forName="cycle" refType="h" refFor="ch" refForName="cycle" fact="0.26"/>
-                <dgm:constr type="l" for="ch" forName="cycle"/>
-                <dgm:constr type="ctrY" for="ch" forName="cycle" refType="h" fact="0.5"/>
-                <dgm:constr type="diam" for="ch" forName="cycle" refType="h" fact="1.344"/>
-                <dgm:constr type="h" for="ch" forName="accent_1" refType="h" fact="0.1563"/>
-                <dgm:constr type="w" for="ch" forName="accent_1" refType="h" refFor="ch" refForName="accent_1" op="equ"/>
-                <dgm:constr type="ctrY" for="ch" forName="accent_1" refType="h" fact="0.125"/>
-                <dgm:constr type="ctrX" for="ch" forName="accent_1" refType="h" fact="0.1082"/>
-                <dgm:constr type="l" for="ch" forName="text_1" refType="ctrX" refFor="ch" refForName="accent_1"/>
-                <dgm:constr type="r" for="ch" forName="text_1" refType="w"/>
-                <dgm:constr type="w" for="ch" forName="text_1" refType="h" refFor="ch" refForName="text_1" op="gte"/>
-                <dgm:constr type="h" for="ch" forName="text_1" refType="h" refFor="ch" refForName="accent_1" fact="0.8"/>
-                <dgm:constr type="ctrY" for="ch" forName="text_1" refType="ctrY" refFor="ch" refForName="accent_1"/>
-                <dgm:constr type="lMarg" for="ch" forName="text_1" refType="w" refFor="ch" refForName="accent_1" fact="1.8"/>
-                <dgm:constr type="h" for="ch" forName="accent_2" refType="h" fact="0.1563"/>
-                <dgm:constr type="w" for="ch" forName="accent_2" refType="h" refFor="ch" refForName="accent_2" op="equ"/>
-                <dgm:constr type="ctrY" for="ch" forName="accent_2" refType="h" fact="0.3125"/>
-                <dgm:constr type="ctrX" for="ch" forName="accent_2" refType="h" fact="0.1978"/>
-                <dgm:constr type="l" for="ch" forName="text_2" refType="ctrX" refFor="ch" refForName="accent_2"/>
-                <dgm:constr type="r" for="ch" forName="text_2" refType="w"/>
-                <dgm:constr type="w" for="ch" forName="text_2" refType="h" refFor="ch" refForName="text_2" op="gte"/>
-                <dgm:constr type="h" for="ch" forName="text_2" refType="h" refFor="ch" refForName="accent_2" fact="0.8"/>
-                <dgm:constr type="ctrY" for="ch" forName="text_2" refType="ctrY" refFor="ch" refForName="accent_2"/>
-                <dgm:constr type="lMarg" for="ch" forName="text_2" refType="w" refFor="ch" refForName="accent_2" fact="1.8"/>
-                <dgm:constr type="h" for="ch" forName="accent_3" refType="h" fact="0.1563"/>
-                <dgm:constr type="w" for="ch" forName="accent_3" refType="h" refFor="ch" refForName="accent_3" op="equ"/>
-                <dgm:constr type="ctrY" for="ch" forName="accent_3" refType="h" fact="0.5"/>
-                <dgm:constr type="ctrX" for="ch" forName="accent_3" refType="h" fact="0.2253"/>
-                <dgm:constr type="l" for="ch" forName="text_3" refType="ctrX" refFor="ch" refForName="accent_3"/>
-                <dgm:constr type="r" for="ch" forName="text_3" refType="w"/>
-                <dgm:constr type="w" for="ch" forName="text_3" refType="h" refFor="ch" refForName="text_3" op="gte"/>
-                <dgm:constr type="h" for="ch" forName="text_3" refType="h" refFor="ch" refForName="accent_3" fact="0.8"/>
-                <dgm:constr type="ctrY" for="ch" forName="text_3" refType="ctrY" refFor="ch" refForName="accent_3"/>
-                <dgm:constr type="lMarg" for="ch" forName="text_3" refType="w" refFor="ch" refForName="accent_3" fact="1.8"/>
-                <dgm:constr type="h" for="ch" forName="accent_4" refType="h" fact="0.1563"/>
-                <dgm:constr type="w" for="ch" forName="accent_4" refType="h" refFor="ch" refForName="accent_4" op="equ"/>
-                <dgm:constr type="ctrY" for="ch" forName="accent_4" refType="h" fact="0.6875"/>
-                <dgm:constr type="ctrX" for="ch" forName="accent_4" refType="h" fact="0.1978"/>
-                <dgm:constr type="l" for="ch" forName="text_4" refType="ctrX" refFor="ch" refForName="accent_4"/>
-                <dgm:constr type="r" for="ch" forName="text_4" refType="w"/>
-                <dgm:constr type="w" for="ch" forName="text_4" refType="h" refFor="ch" refForName="text_4" op="gte"/>
-                <dgm:constr type="h" for="ch" forName="text_4" refType="h" refFor="ch" refForName="accent_4" fact="0.8"/>
-                <dgm:constr type="ctrY" for="ch" forName="text_4" refType="ctrY" refFor="ch" refForName="accent_4"/>
-                <dgm:constr type="lMarg" for="ch" forName="text_4" refType="w" refFor="ch" refForName="accent_4" fact="1.8"/>
-                <dgm:constr type="h" for="ch" forName="accent_5" refType="h" fact="0.1563"/>
-                <dgm:constr type="w" for="ch" forName="accent_5" refType="h" refFor="ch" refForName="accent_5" op="equ"/>
-                <dgm:constr type="ctrY" for="ch" forName="accent_5" refType="h" fact="0.875"/>
-                <dgm:constr type="ctrX" for="ch" forName="accent_5" refType="h" fact="0.1082"/>
-                <dgm:constr type="l" for="ch" forName="text_5" refType="ctrX" refFor="ch" refForName="accent_5"/>
-                <dgm:constr type="r" for="ch" forName="text_5" refType="w"/>
-                <dgm:constr type="w" for="ch" forName="text_5" refType="h" refFor="ch" refForName="text_5" op="gte"/>
-                <dgm:constr type="h" for="ch" forName="text_5" refType="h" refFor="ch" refForName="accent_5" fact="0.8"/>
-                <dgm:constr type="ctrY" for="ch" forName="text_5" refType="ctrY" refFor="ch" refForName="accent_5"/>
-                <dgm:constr type="lMarg" for="ch" forName="text_5" refType="w" refFor="ch" refForName="accent_5" fact="1.8"/>
-                <dgm:constr type="primFontSz" for="ch" ptType="node" op="equ" val="65"/>
-              </dgm:constrLst>
-            </dgm:if>
-            <dgm:if name="Name10" axis="ch" ptType="node" func="cnt" op="equ" val="6">
-              <dgm:constrLst>
-                <dgm:constr type="h" for="ch" forName="cycle" refType="h"/>
-                <dgm:constr type="w" for="ch" forName="cycle" refType="h" refFor="ch" refForName="cycle" fact="0.26"/>
-                <dgm:constr type="l" for="ch" forName="cycle"/>
-                <dgm:constr type="ctrY" for="ch" forName="cycle" refType="h" fact="0.5"/>
-                <dgm:constr type="diam" for="ch" forName="cycle" refType="h" fact="1.344"/>
-                <dgm:constr type="h" for="ch" forName="accent_1" refType="h" fact="0.1316"/>
-                <dgm:constr type="w" for="ch" forName="accent_1" refType="h" refFor="ch" refForName="accent_1" op="equ"/>
-                <dgm:constr type="ctrY" for="ch" forName="accent_1" refType="h" fact="0.1053"/>
-                <dgm:constr type="ctrX" for="ch" forName="accent_1" refType="h" fact="0.0943"/>
-                <dgm:constr type="l" for="ch" forName="text_1" refType="ctrX" refFor="ch" refForName="accent_1"/>
-                <dgm:constr type="r" for="ch" forName="text_1" refType="w"/>
-                <dgm:constr type="w" for="ch" forName="text_1" refType="h" refFor="ch" refForName="text_1" op="gte"/>
-                <dgm:constr type="h" for="ch" forName="text_1" refType="h" refFor="ch" refForName="accent_1" fact="0.8"/>
-                <dgm:constr type="ctrY" for="ch" forName="text_1" refType="ctrY" refFor="ch" refForName="accent_1"/>
-                <dgm:constr type="lMarg" for="ch" forName="text_1" refType="w" refFor="ch" refForName="accent_1" fact="1.8"/>
-                <dgm:constr type="h" for="ch" forName="accent_2" refType="h" fact="0.1316"/>
-                <dgm:constr type="w" for="ch" forName="accent_2" refType="h" refFor="ch" refForName="accent_2" op="equ"/>
-                <dgm:constr type="ctrY" for="ch" forName="accent_2" refType="h" fact="0.2632"/>
-                <dgm:constr type="ctrX" for="ch" forName="accent_2" refType="h" fact="0.1809"/>
-                <dgm:constr type="l" for="ch" forName="text_2" refType="ctrX" refFor="ch" refForName="accent_2"/>
-                <dgm:constr type="r" for="ch" forName="text_2" refType="w"/>
-                <dgm:constr type="w" for="ch" forName="text_2" refType="h" refFor="ch" refForName="text_2" op="gte"/>
-                <dgm:constr type="h" for="ch" forName="text_2" refType="h" refFor="ch" refForName="accent_2" fact="0.8"/>
-                <dgm:constr type="ctrY" for="ch" forName="text_2" refType="ctrY" refFor="ch" refForName="accent_2"/>
-                <dgm:constr type="lMarg" for="ch" forName="text_2" refType="w" refFor="ch" refForName="accent_2" fact="1.8"/>
-                <dgm:constr type="h" for="ch" forName="accent_3" refType="h" fact="0.1316"/>
-                <dgm:constr type="w" for="ch" forName="accent_3" refType="h" refFor="ch" refForName="accent_3" op="equ"/>
-                <dgm:constr type="ctrY" for="ch" forName="accent_3" refType="h" fact="0.4211"/>
-                <dgm:constr type="ctrX" for="ch" forName="accent_3" refType="h" fact="0.2205"/>
-                <dgm:constr type="l" for="ch" forName="text_3" refType="ctrX" refFor="ch" refForName="accent_3"/>
-                <dgm:constr type="r" for="ch" forName="text_3" refType="w"/>
-                <dgm:constr type="w" for="ch" forName="text_3" refType="h" refFor="ch" refForName="text_3" op="gte"/>
-                <dgm:constr type="h" for="ch" forName="text_3" refType="h" refFor="ch" refForName="accent_3" fact="0.8"/>
-                <dgm:constr type="ctrY" for="ch" forName="text_3" refType="ctrY" refFor="ch" refForName="accent_3"/>
-                <dgm:constr type="lMarg" for="ch" forName="text_3" refType="w" refFor="ch" refForName="accent_3" fact="1.8"/>
-                <dgm:constr type="h" for="ch" forName="accent_4" refType="h" fact="0.1316"/>
-                <dgm:constr type="w" for="ch" forName="accent_4" refType="h" refFor="ch" refForName="accent_4" op="equ"/>
-                <dgm:constr type="ctrY" for="ch" forName="accent_4" refType="h" fact="0.5789"/>
-                <dgm:constr type="ctrX" for="ch" forName="accent_4" refType="h" fact="0.2205"/>
-                <dgm:constr type="l" for="ch" forName="text_4" refType="ctrX" refFor="ch" refForName="accent_4"/>
-                <dgm:constr type="r" for="ch" forName="text_4" refType="w"/>
-                <dgm:constr type="w" for="ch" forName="text_4" refType="h" refFor="ch" refForName="text_4" op="gte"/>
-                <dgm:constr type="h" for="ch" forName="text_4" refType="h" refFor="ch" refForName="accent_4" fact="0.8"/>
-                <dgm:constr type="ctrY" for="ch" forName="text_4" refType="ctrY" refFor="ch" refForName="accent_4"/>
-                <dgm:constr type="lMarg" for="ch" forName="text_4" refType="w" refFor="ch" refForName="accent_4" fact="1.8"/>
-                <dgm:constr type="h" for="ch" forName="accent_5" refType="h" fact="0.1316"/>
-                <dgm:constr type="w" for="ch" forName="accent_5" refType="h" refFor="ch" refForName="accent_5" op="equ"/>
-                <dgm:constr type="ctrY" for="ch" forName="accent_5" refType="h" fact="0.7368"/>
-                <dgm:constr type="ctrX" for="ch" forName="accent_5" refType="h" fact="0.1809"/>
-                <dgm:constr type="l" for="ch" forName="text_5" refType="ctrX" refFor="ch" refForName="accent_5"/>
-                <dgm:constr type="r" for="ch" forName="text_5" refType="w"/>
-                <dgm:constr type="w" for="ch" forName="text_5" refType="h" refFor="ch" refForName="text_5" op="gte"/>
-                <dgm:constr type="h" for="ch" forName="text_5" refType="h" refFor="ch" refForName="accent_5" fact="0.8"/>
-                <dgm:constr type="ctrY" for="ch" forName="text_5" refType="ctrY" refFor="ch" refForName="accent_5"/>
-                <dgm:constr type="lMarg" for="ch" forName="text_5" refType="w" refFor="ch" refForName="accent_5" fact="1.8"/>
-                <dgm:constr type="h" for="ch" forName="accent_6" refType="h" fact="0.1316"/>
-                <dgm:constr type="w" for="ch" forName="accent_6" refType="h" refFor="ch" refForName="accent_6" op="equ"/>
-                <dgm:constr type="ctrY" for="ch" forName="accent_6" refType="h" fact="0.8947"/>
-                <dgm:constr type="ctrX" for="ch" forName="accent_6" refType="h" fact="0.0943"/>
-                <dgm:constr type="l" for="ch" forName="text_6" refType="ctrX" refFor="ch" refForName="accent_6"/>
-                <dgm:constr type="r" for="ch" forName="text_6" refType="w"/>
-                <dgm:constr type="w" for="ch" forName="text_6" refType="h" refFor="ch" refForName="text_6" op="gte"/>
-                <dgm:constr type="h" for="ch" forName="text_6" refType="h" refFor="ch" refForName="accent_6" fact="0.8"/>
-                <dgm:constr type="ctrY" for="ch" forName="text_6" refType="ctrY" refFor="ch" refForName="accent_6"/>
-                <dgm:constr type="lMarg" for="ch" forName="text_6" refType="w" refFor="ch" refForName="accent_6" fact="1.8"/>
-                <dgm:constr type="primFontSz" for="ch" ptType="node" op="equ" val="65"/>
-              </dgm:constrLst>
-            </dgm:if>
-            <dgm:else name="Name11">
-              <dgm:constrLst>
-                <dgm:constr type="h" for="ch" forName="cycle" refType="h"/>
-                <dgm:constr type="w" for="ch" forName="cycle" refType="h" refFor="ch" refForName="cycle" fact="0.26"/>
-                <dgm:constr type="l" for="ch" forName="cycle"/>
-                <dgm:constr type="ctrY" for="ch" forName="cycle" refType="h" fact="0.5"/>
-                <dgm:constr type="diam" for="ch" forName="cycle" refType="h" fact="1.344"/>
-                <dgm:constr type="h" for="ch" forName="accent_1" refType="h" fact="0.1136"/>
-                <dgm:constr type="w" for="ch" forName="accent_1" refType="h" refFor="ch" refForName="accent_1" op="equ"/>
-                <dgm:constr type="ctrY" for="ch" forName="accent_1" refType="h" fact="0.0909"/>
-                <dgm:constr type="ctrX" for="ch" forName="accent_1" refType="h" fact="0.0835"/>
-                <dgm:constr type="l" for="ch" forName="text_1" refType="ctrX" refFor="ch" refForName="accent_1"/>
-                <dgm:constr type="r" for="ch" forName="text_1" refType="w"/>
-                <dgm:constr type="w" for="ch" forName="text_1" refType="h" refFor="ch" refForName="text_1" op="gte"/>
-                <dgm:constr type="h" for="ch" forName="text_1" refType="h" refFor="ch" refForName="accent_1" fact="0.8"/>
-                <dgm:constr type="ctrY" for="ch" forName="text_1" refType="ctrY" refFor="ch" refForName="accent_1"/>
-                <dgm:constr type="lMarg" for="ch" forName="text_1" refType="w" refFor="ch" refForName="accent_1" fact="1.8"/>
-                <dgm:constr type="h" for="ch" forName="accent_2" refType="h" fact="0.1136"/>
-                <dgm:constr type="w" for="ch" forName="accent_2" refType="h" refFor="ch" refForName="accent_2" op="equ"/>
-                <dgm:constr type="ctrY" for="ch" forName="accent_2" refType="h" fact="0.2273"/>
-                <dgm:constr type="ctrX" for="ch" forName="accent_2" refType="h" fact="0.1658"/>
-                <dgm:constr type="l" for="ch" forName="text_2" refType="ctrX" refFor="ch" refForName="accent_2"/>
-                <dgm:constr type="r" for="ch" forName="text_2" refType="w"/>
-                <dgm:constr type="w" for="ch" forName="text_2" refType="h" refFor="ch" refForName="text_2" op="gte"/>
-                <dgm:constr type="h" for="ch" forName="text_2" refType="h" refFor="ch" refForName="accent_2" fact="0.8"/>
-                <dgm:constr type="ctrY" for="ch" forName="text_2" refType="ctrY" refFor="ch" refForName="accent_2"/>
-                <dgm:constr type="lMarg" for="ch" forName="text_2" refType="w" refFor="ch" refForName="accent_2" fact="1.8"/>
-                <dgm:constr type="h" for="ch" forName="accent_3" refType="h" fact="0.1136"/>
-                <dgm:constr type="w" for="ch" forName="accent_3" refType="h" refFor="ch" refForName="accent_3" op="equ"/>
-                <dgm:constr type="ctrY" for="ch" forName="accent_3" refType="h" fact="0.3636"/>
-                <dgm:constr type="ctrX" for="ch" forName="accent_3" refType="h" fact="0.2109"/>
-                <dgm:constr type="l" for="ch" forName="text_3" refType="ctrX" refFor="ch" refForName="accent_3"/>
-                <dgm:constr type="r" for="ch" forName="text_3" refType="w"/>
-                <dgm:constr type="w" for="ch" forName="text_3" refType="h" refFor="ch" refForName="text_3" op="gte"/>
-                <dgm:constr type="h" for="ch" forName="text_3" refType="h" refFor="ch" refForName="accent_3" fact="0.8"/>
-                <dgm:constr type="ctrY" for="ch" forName="text_3" refType="ctrY" refFor="ch" refForName="accent_3"/>
-                <dgm:constr type="lMarg" for="ch" forName="text_3" refType="w" refFor="ch" refForName="accent_3" fact="1.8"/>
-                <dgm:constr type="h" for="ch" forName="accent_4" refType="h" fact="0.1136"/>
-                <dgm:constr type="w" for="ch" forName="accent_4" refType="h" refFor="ch" refForName="accent_4" op="equ"/>
-                <dgm:constr type="ctrY" for="ch" forName="accent_4" refType="h" fact="0.5"/>
-                <dgm:constr type="ctrX" for="ch" forName="accent_4" refType="h" fact="0.2253"/>
-                <dgm:constr type="l" for="ch" forName="text_4" refType="ctrX" refFor="ch" refForName="accent_4"/>
-                <dgm:constr type="r" for="ch" forName="text_4" refType="w"/>
-                <dgm:constr type="w" for="ch" forName="text_4" refType="h" refFor="ch" refForName="text_4" op="gte"/>
-                <dgm:constr type="h" for="ch" forName="text_4" refType="h" refFor="ch" refForName="accent_4" fact="0.8"/>
-                <dgm:constr type="ctrY" for="ch" forName="text_4" refType="ctrY" refFor="ch" refForName="accent_4"/>
-                <dgm:constr type="lMarg" for="ch" forName="text_4" refType="w" refFor="ch" refForName="accent_4" fact="1.8"/>
-                <dgm:constr type="h" for="ch" forName="accent_5" refType="h" fact="0.1136"/>
-                <dgm:constr type="w" for="ch" forName="accent_5" refType="h" refFor="ch" refForName="accent_5" op="equ"/>
-                <dgm:constr type="ctrY" for="ch" forName="accent_5" refType="h" fact="0.6364"/>
-                <dgm:constr type="ctrX" for="ch" forName="accent_5" refType="h" fact="0.2109"/>
-                <dgm:constr type="l" for="ch" forName="text_5" refType="ctrX" refFor="ch" refForName="accent_5"/>
-                <dgm:constr type="r" for="ch" forName="text_5" refType="w"/>
-                <dgm:constr type="w" for="ch" forName="text_5" refType="h" refFor="ch" refForName="text_5" op="gte"/>
-                <dgm:constr type="h" for="ch" forName="text_5" refType="h" refFor="ch" refForName="accent_5" fact="0.8"/>
-                <dgm:constr type="ctrY" for="ch" forName="text_5" refType="ctrY" refFor="ch" refForName="accent_5"/>
-                <dgm:constr type="lMarg" for="ch" forName="text_5" refType="w" refFor="ch" refForName="accent_5" fact="1.8"/>
-                <dgm:constr type="h" for="ch" forName="accent_6" refType="h" fact="0.1136"/>
-                <dgm:constr type="w" for="ch" forName="accent_6" refType="h" refFor="ch" refForName="accent_6" op="equ"/>
-                <dgm:constr type="ctrY" for="ch" forName="accent_6" refType="h" fact="0.7727"/>
-                <dgm:constr type="ctrX" for="ch" forName="accent_6" refType="h" fact="0.1658"/>
-                <dgm:constr type="l" for="ch" forName="text_6" refType="ctrX" refFor="ch" refForName="accent_6"/>
-                <dgm:constr type="r" for="ch" forName="text_6" refType="w"/>
-                <dgm:constr type="w" for="ch" forName="text_6" refType="h" refFor="ch" refForName="text_6" op="gte"/>
-                <dgm:constr type="h" for="ch" forName="text_6" refType="h" refFor="ch" refForName="accent_6" fact="0.8"/>
-                <dgm:constr type="ctrY" for="ch" forName="text_6" refType="ctrY" refFor="ch" refForName="accent_6"/>
-                <dgm:constr type="lMarg" for="ch" forName="text_6" refType="w" refFor="ch" refForName="accent_6" fact="1.8"/>
-                <dgm:constr type="h" for="ch" forName="accent_7" refType="h" fact="0.1136"/>
-                <dgm:constr type="w" for="ch" forName="accent_7" refType="h" refFor="ch" refForName="accent_7" op="equ"/>
-                <dgm:constr type="ctrY" for="ch" forName="accent_7" refType="h" fact="0.9091"/>
-                <dgm:constr type="ctrX" for="ch" forName="accent_7" refType="h" fact="0.0835"/>
-                <dgm:constr type="l" for="ch" forName="text_7" refType="ctrX" refFor="ch" refForName="accent_7"/>
-                <dgm:constr type="r" for="ch" forName="text_7" refType="w"/>
-                <dgm:constr type="w" for="ch" forName="text_7" refType="h" refFor="ch" refForName="text_7" op="gte"/>
-                <dgm:constr type="h" for="ch" forName="text_7" refType="h" refFor="ch" refForName="accent_7" fact="0.8"/>
-                <dgm:constr type="ctrY" for="ch" forName="text_7" refType="ctrY" refFor="ch" refForName="accent_7"/>
-                <dgm:constr type="lMarg" for="ch" forName="text_7" refType="w" refFor="ch" refForName="accent_7" fact="1.8"/>
-                <dgm:constr type="primFontSz" for="ch" ptType="node" op="equ" val="65"/>
-              </dgm:constrLst>
-            </dgm:else>
-          </dgm:choose>
-        </dgm:if>
-        <dgm:else name="Name12">
-          <dgm:choose name="Name13">
-            <dgm:if name="Name14" axis="ch" ptType="node" func="cnt" op="equ" val="1">
-              <dgm:constrLst>
-                <dgm:constr type="h" for="ch" forName="cycle" refType="h"/>
-                <dgm:constr type="w" for="ch" forName="cycle" refType="h" refFor="ch" refForName="cycle" fact="0.26"/>
-                <dgm:constr type="r" for="ch" forName="cycle" refType="w"/>
-                <dgm:constr type="ctrY" for="ch" forName="cycle" refType="h" fact="0.5"/>
-                <dgm:constr type="diam" for="ch" forName="cycle" refType="h" fact="1.344"/>
-                <dgm:constr type="h" for="ch" forName="accent_1" refType="h" fact="0.625"/>
-                <dgm:constr type="w" for="ch" forName="accent_1" refType="h" refFor="ch" refForName="accent_1" op="equ"/>
-                <dgm:constr type="ctrY" for="ch" forName="accent_1" refType="h" fact="0.5"/>
-                <dgm:constr type="ctrX" for="ch" forName="accent_1" refType="w"/>
-                <dgm:constr type="ctrXOff" for="ch" forName="accent_1" refType="h" fact="-0.2253"/>
-                <dgm:constr type="r" for="ch" forName="text_1" refType="ctrX" refFor="ch" refForName="accent_1"/>
-                <dgm:constr type="rOff" for="ch" forName="text_1" refType="ctrXOff" refFor="ch" refForName="accent_1"/>
-                <dgm:constr type="l" for="ch" forName="text_1"/>
-                <dgm:constr type="w" for="ch" forName="text_1" refType="h" refFor="ch" refForName="text_1" op="gte"/>
-                <dgm:constr type="h" for="ch" forName="text_1" refType="h" refFor="ch" refForName="accent_1" fact="0.8"/>
-                <dgm:constr type="ctrY" for="ch" forName="text_1" refType="ctrY" refFor="ch" refForName="accent_1"/>
-                <dgm:constr type="rMarg" for="ch" forName="text_1" refType="w" refFor="ch" refForName="accent_1" fact="1.8"/>
-                <dgm:constr type="primFontSz" for="ch" ptType="node" op="equ" val="65"/>
-              </dgm:constrLst>
-            </dgm:if>
-            <dgm:if name="Name15" axis="ch" ptType="node" func="cnt" op="equ" val="2">
-              <dgm:constrLst>
-                <dgm:constr type="h" for="ch" forName="cycle" refType="h"/>
-                <dgm:constr type="w" for="ch" forName="cycle" refType="h" refFor="ch" refForName="cycle" fact="0.26"/>
-                <dgm:constr type="r" for="ch" forName="cycle" refType="w"/>
-                <dgm:constr type="ctrY" for="ch" forName="cycle" refType="h" fact="0.5"/>
-                <dgm:constr type="diam" for="ch" forName="cycle" refType="h" fact="1.344"/>
-                <dgm:constr type="h" for="ch" forName="accent_1" refType="h" fact="0.3571"/>
-                <dgm:constr type="w" for="ch" forName="accent_1" refType="h" refFor="ch" refForName="accent_1" op="equ"/>
-                <dgm:constr type="ctrY" for="ch" forName="accent_1" refType="h" fact="0.2857"/>
-                <dgm:constr type="ctrX" for="ch" forName="accent_1" refType="w"/>
-                <dgm:constr type="ctrXOff" for="ch" forName="accent_1" refType="h" fact="-0.1891"/>
-                <dgm:constr type="r" for="ch" forName="text_1" refType="ctrX" refFor="ch" refForName="accent_1"/>
-                <dgm:constr type="rOff" for="ch" forName="text_1" refType="ctrXOff" refFor="ch" refForName="accent_1"/>
-                <dgm:constr type="l" for="ch" forName="text_1"/>
-                <dgm:constr type="w" for="ch" forName="text_1" refType="h" refFor="ch" refForName="text_1" op="gte"/>
-                <dgm:constr type="h" for="ch" forName="text_1" refType="h" refFor="ch" refForName="accent_1" fact="0.8"/>
-                <dgm:constr type="ctrY" for="ch" forName="text_1" refType="ctrY" refFor="ch" refForName="accent_1"/>
-                <dgm:constr type="rMarg" for="ch" forName="text_1" refType="w" refFor="ch" refForName="accent_1" fact="1.8"/>
-                <dgm:constr type="h" for="ch" forName="accent_2" refType="h" fact="0.3571"/>
-                <dgm:constr type="w" for="ch" forName="accent_2" refType="h" refFor="ch" refForName="accent_2" op="equ"/>
-                <dgm:constr type="ctrY" for="ch" forName="accent_2" refType="h" fact="0.7143"/>
-                <dgm:constr type="ctrX" for="ch" forName="accent_2" refType="w"/>
-                <dgm:constr type="ctrXOff" for="ch" forName="accent_2" refType="h" fact="-0.1891"/>
-                <dgm:constr type="r" for="ch" forName="text_2" refType="ctrX" refFor="ch" refForName="accent_2"/>
-                <dgm:constr type="rOff" for="ch" forName="text_2" refType="ctrXOff" refFor="ch" refForName="accent_2"/>
-                <dgm:constr type="l" for="ch" forName="text_2"/>
-                <dgm:constr type="w" for="ch" forName="text_2" refType="h" refFor="ch" refForName="text_2" op="gte"/>
-                <dgm:constr type="h" for="ch" forName="text_2" refType="h" refFor="ch" refForName="accent_2" fact="0.8"/>
-                <dgm:constr type="ctrY" for="ch" forName="text_2" refType="ctrY" refFor="ch" refForName="accent_2"/>
-                <dgm:constr type="rMarg" for="ch" forName="text_2" refType="w" refFor="ch" refForName="accent_2" fact="1.8"/>
-                <dgm:constr type="primFontSz" for="ch" ptType="node" op="equ" val="65"/>
-              </dgm:constrLst>
-            </dgm:if>
-            <dgm:if name="Name16" axis="ch" ptType="node" func="cnt" op="equ" val="3">
-              <dgm:constrLst>
-                <dgm:constr type="h" for="ch" forName="cycle" refType="h"/>
-                <dgm:constr type="w" for="ch" forName="cycle" refType="h" refFor="ch" refForName="cycle" fact="0.26"/>
-                <dgm:constr type="r" for="ch" forName="cycle" refType="w"/>
-                <dgm:constr type="ctrY" for="ch" forName="cycle" refType="h" fact="0.5"/>
-                <dgm:constr type="diam" for="ch" forName="cycle" refType="h" fact="1.344"/>
-                <dgm:constr type="h" for="ch" forName="accent_1" refType="h" fact="0.25"/>
-                <dgm:constr type="w" for="ch" forName="accent_1" refType="h" refFor="ch" refForName="accent_1" op="equ"/>
-                <dgm:constr type="ctrY" for="ch" forName="accent_1" refType="h" fact="0.2"/>
-                <dgm:constr type="ctrX" for="ch" forName="accent_1" refType="w"/>
-                <dgm:constr type="ctrXOff" for="ch" forName="accent_1" refType="h" fact="-0.1526"/>
-                <dgm:constr type="r" for="ch" forName="text_1" refType="ctrX" refFor="ch" refForName="accent_1"/>
-                <dgm:constr type="rOff" for="ch" forName="text_1" refType="ctrXOff" refFor="ch" refForName="accent_1"/>
-                <dgm:constr type="l" for="ch" forName="text_1"/>
-                <dgm:constr type="w" for="ch" forName="text_1" refType="h" refFor="ch" refForName="text_1" op="gte"/>
-                <dgm:constr type="h" for="ch" forName="text_1" refType="h" refFor="ch" refForName="accent_1" fact="0.8"/>
-                <dgm:constr type="ctrY" for="ch" forName="text_1" refType="ctrY" refFor="ch" refForName="accent_1"/>
-                <dgm:constr type="rMarg" for="ch" forName="text_1" refType="w" refFor="ch" refForName="accent_1" fact="1.8"/>
-                <dgm:constr type="h" for="ch" forName="accent_2" refType="h" fact="0.25"/>
-                <dgm:constr type="w" for="ch" forName="accent_2" refType="h" refFor="ch" refForName="accent_2" op="equ"/>
-                <dgm:constr type="ctrY" for="ch" forName="accent_2" refType="h" fact="0.5"/>
-                <dgm:constr type="ctrX" for="ch" forName="accent_2" refType="w"/>
-                <dgm:constr type="ctrXOff" for="ch" forName="accent_2" refType="h" fact="-0.2253"/>
-                <dgm:constr type="r" for="ch" forName="text_2" refType="ctrX" refFor="ch" refForName="accent_2"/>
-                <dgm:constr type="rOff" for="ch" forName="text_2" refType="ctrXOff" refFor="ch" refForName="accent_2"/>
-                <dgm:constr type="l" for="ch" forName="text_2"/>
-                <dgm:constr type="w" for="ch" forName="text_2" refType="h" refFor="ch" refForName="text_2" op="gte"/>
-                <dgm:constr type="h" for="ch" forName="text_2" refType="h" refFor="ch" refForName="accent_2" fact="0.8"/>
-                <dgm:constr type="ctrY" for="ch" forName="text_2" refType="ctrY" refFor="ch" refForName="accent_2"/>
-                <dgm:constr type="rMarg" for="ch" forName="text_2" refType="w" refFor="ch" refForName="accent_2" fact="1.8"/>
-                <dgm:constr type="h" for="ch" forName="accent_3" refType="h" fact="0.25"/>
-                <dgm:constr type="w" for="ch" forName="accent_3" refType="h" refFor="ch" refForName="accent_3" op="equ"/>
-                <dgm:constr type="ctrY" for="ch" forName="accent_3" refType="h" fact="0.8"/>
-                <dgm:constr type="ctrX" for="ch" forName="accent_3" refType="w"/>
-                <dgm:constr type="ctrXOff" for="ch" forName="accent_3" refType="h" fact="-0.1526"/>
-                <dgm:constr type="r" for="ch" forName="text_3" refType="ctrX" refFor="ch" refForName="accent_3"/>
-                <dgm:constr type="rOff" for="ch" forName="text_3" refType="ctrXOff" refFor="ch" refForName="accent_3"/>
-                <dgm:constr type="l" for="ch" forName="text_3"/>
-                <dgm:constr type="w" for="ch" forName="text_3" refType="h" refFor="ch" refForName="text_3" op="gte"/>
-                <dgm:constr type="h" for="ch" forName="text_3" refType="h" refFor="ch" refForName="accent_3" fact="0.8"/>
-                <dgm:constr type="ctrY" for="ch" forName="text_3" refType="ctrY" refFor="ch" refForName="accent_3"/>
-                <dgm:constr type="rMarg" for="ch" forName="text_3" refType="w" refFor="ch" refForName="accent_3" fact="1.8"/>
-                <dgm:constr type="primFontSz" for="ch" ptType="node" op="equ" val="65"/>
-              </dgm:constrLst>
-            </dgm:if>
-            <dgm:if name="Name17" axis="ch" ptType="node" func="cnt" op="equ" val="4">
-              <dgm:constrLst>
-                <dgm:constr type="h" for="ch" forName="cycle" refType="h"/>
-                <dgm:constr type="w" for="ch" forName="cycle" refType="h" refFor="ch" refForName="cycle" fact="0.26"/>
-                <dgm:constr type="r" for="ch" forName="cycle" refType="w"/>
-                <dgm:constr type="ctrY" for="ch" forName="cycle" refType="h" fact="0.5"/>
-                <dgm:constr type="diam" for="ch" forName="cycle" refType="h" fact="1.344"/>
-                <dgm:constr type="h" for="ch" forName="accent_1" refType="h" fact="0.1923"/>
-                <dgm:constr type="w" for="ch" forName="accent_1" refType="h" refFor="ch" refForName="accent_1" op="equ"/>
-                <dgm:constr type="ctrY" for="ch" forName="accent_1" refType="h" fact="0.1538"/>
-                <dgm:constr type="ctrX" for="ch" forName="accent_1" refType="w"/>
-                <dgm:constr type="ctrXOff" for="ch" forName="accent_1" refType="h" fact="-0.1268"/>
-                <dgm:constr type="r" for="ch" forName="text_1" refType="ctrX" refFor="ch" refForName="accent_1"/>
-                <dgm:constr type="rOff" for="ch" forName="text_1" refType="ctrXOff" refFor="ch" refForName="accent_1"/>
-                <dgm:constr type="l" for="ch" forName="text_1"/>
-                <dgm:constr type="w" for="ch" forName="text_1" refType="h" refFor="ch" refForName="text_1" op="gte"/>
-                <dgm:constr type="h" for="ch" forName="text_1" refType="h" refFor="ch" refForName="accent_1" fact="0.8"/>
-                <dgm:constr type="ctrY" for="ch" forName="text_1" refType="ctrY" refFor="ch" refForName="accent_1"/>
-                <dgm:constr type="rMarg" for="ch" forName="text_1" refType="w" refFor="ch" refForName="accent_1" fact="1.8"/>
-                <dgm:constr type="h" for="ch" forName="accent_2" refType="h" fact="0.1923"/>
-                <dgm:constr type="w" for="ch" forName="accent_2" refType="h" refFor="ch" refForName="accent_2" op="equ"/>
-                <dgm:constr type="ctrY" for="ch" forName="accent_2" refType="h" fact="0.3846"/>
-                <dgm:constr type="ctrX" for="ch" forName="accent_2" refType="w"/>
-                <dgm:constr type="ctrXOff" for="ch" forName="accent_2" refType="h" fact="-0.215"/>
-                <dgm:constr type="r" for="ch" forName="text_2" refType="ctrX" refFor="ch" refForName="accent_2"/>
-                <dgm:constr type="rOff" for="ch" forName="text_2" refType="ctrXOff" refFor="ch" refForName="accent_2"/>
-                <dgm:constr type="l" for="ch" forName="text_2"/>
-                <dgm:constr type="w" for="ch" forName="text_2" refType="h" refFor="ch" refForName="text_2" op="gte"/>
-                <dgm:constr type="h" for="ch" forName="text_2" refType="h" refFor="ch" refForName="accent_2" fact="0.8"/>
-                <dgm:constr type="ctrY" for="ch" forName="text_2" refType="ctrY" refFor="ch" refForName="accent_2"/>
-                <dgm:constr type="rMarg" for="ch" forName="text_2" refType="w" refFor="ch" refForName="accent_2" fact="1.8"/>
-                <dgm:constr type="h" for="ch" forName="accent_3" refType="h" fact="0.1923"/>
-                <dgm:constr type="w" for="ch" forName="accent_3" refType="h" refFor="ch" refForName="accent_3" op="equ"/>
-                <dgm:constr type="ctrY" for="ch" forName="accent_3" refType="h" fact="0.6154"/>
-                <dgm:constr type="ctrX" for="ch" forName="accent_3" refType="w"/>
-                <dgm:constr type="ctrXOff" for="ch" forName="accent_3" refType="h" fact="-0.215"/>
-                <dgm:constr type="r" for="ch" forName="text_3" refType="ctrX" refFor="ch" refForName="accent_3"/>
-                <dgm:constr type="rOff" for="ch" forName="text_3" refType="ctrXOff" refFor="ch" refForName="accent_3"/>
-                <dgm:constr type="l" for="ch" forName="text_3"/>
-                <dgm:constr type="w" for="ch" forName="text_3" refType="h" refFor="ch" refForName="text_3" op="gte"/>
-                <dgm:constr type="h" for="ch" forName="text_3" refType="h" refFor="ch" refForName="accent_3" fact="0.8"/>
-                <dgm:constr type="ctrY" for="ch" forName="text_3" refType="ctrY" refFor="ch" refForName="accent_3"/>
-                <dgm:constr type="rMarg" for="ch" forName="text_3" refType="w" refFor="ch" refForName="accent_3" fact="1.8"/>
-                <dgm:constr type="h" for="ch" forName="accent_4" refType="h" fact="0.1923"/>
-                <dgm:constr type="w" for="ch" forName="accent_4" refType="h" refFor="ch" refForName="accent_4" op="equ"/>
-                <dgm:constr type="ctrY" for="ch" forName="accent_4" refType="h" fact="0.8462"/>
-                <dgm:constr type="ctrX" for="ch" forName="accent_4" refType="w"/>
-                <dgm:constr type="ctrXOff" for="ch" forName="accent_4" refType="h" fact="-0.1268"/>
-                <dgm:constr type="r" for="ch" forName="text_4" refType="ctrX" refFor="ch" refForName="accent_4"/>
-                <dgm:constr type="rOff" for="ch" forName="text_4" refType="ctrXOff" refFor="ch" refForName="accent_4"/>
-                <dgm:constr type="l" for="ch" forName="text_4"/>
-                <dgm:constr type="w" for="ch" forName="text_4" refType="h" refFor="ch" refForName="text_4" op="gte"/>
-                <dgm:constr type="h" for="ch" forName="text_4" refType="h" refFor="ch" refForName="accent_4" fact="0.8"/>
-                <dgm:constr type="ctrY" for="ch" forName="text_4" refType="ctrY" refFor="ch" refForName="accent_4"/>
-                <dgm:constr type="rMarg" for="ch" forName="text_4" refType="w" refFor="ch" refForName="accent_4" fact="1.8"/>
-                <dgm:constr type="primFontSz" for="ch" ptType="node" op="equ" val="65"/>
-              </dgm:constrLst>
-            </dgm:if>
-            <dgm:if name="Name18" axis="ch" ptType="node" func="cnt" op="equ" val="5">
-              <dgm:constrLst>
-                <dgm:constr type="h" for="ch" forName="cycle" refType="h"/>
-                <dgm:constr type="w" for="ch" forName="cycle" refType="h" refFor="ch" refForName="cycle" fact="0.26"/>
-                <dgm:constr type="r" for="ch" forName="cycle" refType="w"/>
-                <dgm:constr type="ctrY" for="ch" forName="cycle" refType="h" fact="0.5"/>
-                <dgm:constr type="diam" for="ch" forName="cycle" refType="h" fact="1.344"/>
-                <dgm:constr type="h" for="ch" forName="accent_1" refType="h" fact="0.1563"/>
-                <dgm:constr type="w" for="ch" forName="accent_1" refType="h" refFor="ch" refForName="accent_1" op="equ"/>
-                <dgm:constr type="ctrY" for="ch" forName="accent_1" refType="h" fact="0.125"/>
-                <dgm:constr type="ctrX" for="ch" forName="accent_1" refType="w"/>
-                <dgm:constr type="ctrXOff" for="ch" forName="accent_1" refType="h" fact="-0.1082"/>
-                <dgm:constr type="r" for="ch" forName="text_1" refType="ctrX" refFor="ch" refForName="accent_1"/>
-                <dgm:constr type="rOff" for="ch" forName="text_1" refType="ctrXOff" refFor="ch" refForName="accent_1"/>
-                <dgm:constr type="l" for="ch" forName="text_1"/>
-                <dgm:constr type="w" for="ch" forName="text_1" refType="h" refFor="ch" refForName="text_1" op="gte"/>
-                <dgm:constr type="h" for="ch" forName="text_1" refType="h" refFor="ch" refForName="accent_1" fact="0.8"/>
-                <dgm:constr type="ctrY" for="ch" forName="text_1" refType="ctrY" refFor="ch" refForName="accent_1"/>
-                <dgm:constr type="rMarg" for="ch" forName="text_1" refType="w" refFor="ch" refForName="accent_1" fact="1.8"/>
-                <dgm:constr type="h" for="ch" forName="accent_2" refType="h" fact="0.1563"/>
-                <dgm:constr type="w" for="ch" forName="accent_2" refType="h" refFor="ch" refForName="accent_2" op="equ"/>
-                <dgm:constr type="ctrY" for="ch" forName="accent_2" refType="h" fact="0.3125"/>
-                <dgm:constr type="ctrX" for="ch" forName="accent_2" refType="w"/>
-                <dgm:constr type="ctrXOff" for="ch" forName="accent_2" refType="h" fact="-0.1978"/>
-                <dgm:constr type="r" for="ch" forName="text_2" refType="ctrX" refFor="ch" refForName="accent_2"/>
-                <dgm:constr type="rOff" for="ch" forName="text_2" refType="ctrXOff" refFor="ch" refForName="accent_2"/>
-                <dgm:constr type="l" for="ch" forName="text_2"/>
-                <dgm:constr type="w" for="ch" forName="text_2" refType="h" refFor="ch" refForName="text_2" op="gte"/>
-                <dgm:constr type="h" for="ch" forName="text_2" refType="h" refFor="ch" refForName="accent_2" fact="0.8"/>
-                <dgm:constr type="ctrY" for="ch" forName="text_2" refType="ctrY" refFor="ch" refForName="accent_2"/>
-                <dgm:constr type="rMarg" for="ch" forName="text_2" refType="w" refFor="ch" refForName="accent_2" fact="1.8"/>
-                <dgm:constr type="h" for="ch" forName="accent_3" refType="h" fact="0.1563"/>
-                <dgm:constr type="w" for="ch" forName="accent_3" refType="h" refFor="ch" refForName="accent_3" op="equ"/>
-                <dgm:constr type="ctrY" for="ch" forName="accent_3" refType="h" fact="0.5"/>
-                <dgm:constr type="ctrX" for="ch" forName="accent_3" refType="w"/>
-                <dgm:constr type="ctrXOff" for="ch" forName="accent_3" refType="h" fact="-0.2253"/>
-                <dgm:constr type="r" for="ch" forName="text_3" refType="ctrX" refFor="ch" refForName="accent_3"/>
-                <dgm:constr type="rOff" for="ch" forName="text_3" refType="ctrXOff" refFor="ch" refForName="accent_3"/>
-                <dgm:constr type="l" for="ch" forName="text_3"/>
-                <dgm:constr type="w" for="ch" forName="text_3" refType="h" refFor="ch" refForName="text_3" op="gte"/>
-                <dgm:constr type="h" for="ch" forName="text_3" refType="h" refFor="ch" refForName="accent_3" fact="0.8"/>
-                <dgm:constr type="ctrY" for="ch" forName="text_3" refType="ctrY" refFor="ch" refForName="accent_3"/>
-                <dgm:constr type="rMarg" for="ch" forName="text_3" refType="w" refFor="ch" refForName="accent_3" fact="1.8"/>
-                <dgm:constr type="h" for="ch" forName="accent_4" refType="h" fact="0.1563"/>
-                <dgm:constr type="w" for="ch" forName="accent_4" refType="h" refFor="ch" refForName="accent_4" op="equ"/>
-                <dgm:constr type="ctrY" for="ch" forName="accent_4" refType="h" fact="0.6875"/>
-                <dgm:constr type="ctrX" for="ch" forName="accent_4" refType="w"/>
-                <dgm:constr type="ctrXOff" for="ch" forName="accent_4" refType="h" fact="-0.1978"/>
-                <dgm:constr type="r" for="ch" forName="text_4" refType="ctrX" refFor="ch" refForName="accent_4"/>
-                <dgm:constr type="rOff" for="ch" forName="text_4" refType="ctrXOff" refFor="ch" refForName="accent_4"/>
-                <dgm:constr type="l" for="ch" forName="text_4"/>
-                <dgm:constr type="w" for="ch" forName="text_4" refType="h" refFor="ch" refForName="text_4" op="gte"/>
-                <dgm:constr type="h" for="ch" forName="text_4" refType="h" refFor="ch" refForName="accent_4" fact="0.8"/>
-                <dgm:constr type="ctrY" for="ch" forName="text_4" refType="ctrY" refFor="ch" refForName="accent_4"/>
-                <dgm:constr type="rMarg" for="ch" forName="text_4" refType="w" refFor="ch" refForName="accent_4" fact="1.8"/>
-                <dgm:constr type="h" for="ch" forName="accent_5" refType="h" fact="0.1563"/>
-                <dgm:constr type="w" for="ch" forName="accent_5" refType="h" refFor="ch" refForName="accent_5" op="equ"/>
-                <dgm:constr type="ctrY" for="ch" forName="accent_5" refType="h" fact="0.875"/>
-                <dgm:constr type="ctrX" for="ch" forName="accent_5" refType="w"/>
-                <dgm:constr type="ctrXOff" for="ch" forName="accent_5" refType="h" fact="-0.1082"/>
-                <dgm:constr type="r" for="ch" forName="text_5" refType="ctrX" refFor="ch" refForName="accent_5"/>
-                <dgm:constr type="rOff" for="ch" forName="text_5" refType="ctrXOff" refFor="ch" refForName="accent_5"/>
-                <dgm:constr type="l" for="ch" forName="text_5"/>
-                <dgm:constr type="w" for="ch" forName="text_5" refType="h" refFor="ch" refForName="text_5" op="gte"/>
-                <dgm:constr type="h" for="ch" forName="text_5" refType="h" refFor="ch" refForName="accent_5" fact="0.8"/>
-                <dgm:constr type="ctrY" for="ch" forName="text_5" refType="ctrY" refFor="ch" refForName="accent_5"/>
-                <dgm:constr type="rMarg" for="ch" forName="text_5" refType="w" refFor="ch" refForName="accent_5" fact="1.8"/>
-                <dgm:constr type="primFontSz" for="ch" ptType="node" op="equ" val="65"/>
-              </dgm:constrLst>
-            </dgm:if>
-            <dgm:if name="Name19" axis="ch" ptType="node" func="cnt" op="equ" val="6">
-              <dgm:constrLst>
-                <dgm:constr type="h" for="ch" forName="cycle" refType="h"/>
-                <dgm:constr type="w" for="ch" forName="cycle" refType="h" refFor="ch" refForName="cycle" fact="0.26"/>
-                <dgm:constr type="r" for="ch" forName="cycle" refType="w"/>
-                <dgm:constr type="ctrY" for="ch" forName="cycle" refType="h" fact="0.5"/>
-                <dgm:constr type="diam" for="ch" forName="cycle" refType="h" fact="1.344"/>
-                <dgm:constr type="h" for="ch" forName="accent_1" refType="h" fact="0.1316"/>
-                <dgm:constr type="w" for="ch" forName="accent_1" refType="h" refFor="ch" refForName="accent_1" op="equ"/>
-                <dgm:constr type="ctrY" for="ch" forName="accent_1" refType="h" fact="0.1053"/>
-                <dgm:constr type="ctrX" for="ch" forName="accent_1" refType="w"/>
-                <dgm:constr type="ctrXOff" for="ch" forName="accent_1" refType="h" fact="-0.0943"/>
-                <dgm:constr type="r" for="ch" forName="text_1" refType="ctrX" refFor="ch" refForName="accent_1"/>
-                <dgm:constr type="rOff" for="ch" forName="text_1" refType="ctrXOff" refFor="ch" refForName="accent_1"/>
-                <dgm:constr type="l" for="ch" forName="text_1"/>
-                <dgm:constr type="w" for="ch" forName="text_1" refType="h" refFor="ch" refForName="text_1" op="gte"/>
-                <dgm:constr type="h" for="ch" forName="text_1" refType="h" refFor="ch" refForName="accent_1" fact="0.8"/>
-                <dgm:constr type="ctrY" for="ch" forName="text_1" refType="ctrY" refFor="ch" refForName="accent_1"/>
-                <dgm:constr type="rMarg" for="ch" forName="text_1" refType="w" refFor="ch" refForName="accent_1" fact="1.8"/>
-                <dgm:constr type="h" for="ch" forName="accent_2" refType="h" fact="0.1316"/>
-                <dgm:constr type="w" for="ch" forName="accent_2" refType="h" refFor="ch" refForName="accent_2" op="equ"/>
-                <dgm:constr type="ctrY" for="ch" forName="accent_2" refType="h" fact="0.2632"/>
-                <dgm:constr type="ctrX" for="ch" forName="accent_2" refType="w"/>
-                <dgm:constr type="ctrXOff" for="ch" forName="accent_2" refType="h" fact="-0.1809"/>
-                <dgm:constr type="r" for="ch" forName="text_2" refType="ctrX" refFor="ch" refForName="accent_2"/>
-                <dgm:constr type="rOff" for="ch" forName="text_2" refType="ctrXOff" refFor="ch" refForName="accent_2"/>
-                <dgm:constr type="l" for="ch" forName="text_2"/>
-                <dgm:constr type="w" for="ch" forName="text_2" refType="h" refFor="ch" refForName="text_2" op="gte"/>
-                <dgm:constr type="h" for="ch" forName="text_2" refType="h" refFor="ch" refForName="accent_2" fact="0.8"/>
-                <dgm:constr type="ctrY" for="ch" forName="text_2" refType="ctrY" refFor="ch" refForName="accent_2"/>
-                <dgm:constr type="rMarg" for="ch" forName="text_2" refType="w" refFor="ch" refForName="accent_2" fact="1.8"/>
-                <dgm:constr type="h" for="ch" forName="accent_3" refType="h" fact="0.1316"/>
-                <dgm:constr type="w" for="ch" forName="accent_3" refType="h" refFor="ch" refForName="accent_3" op="equ"/>
-                <dgm:constr type="ctrY" for="ch" forName="accent_3" refType="h" fact="0.4211"/>
-                <dgm:constr type="ctrX" for="ch" forName="accent_3" refType="w"/>
-                <dgm:constr type="ctrXOff" for="ch" forName="accent_3" refType="h" fact="-0.2205"/>
-                <dgm:constr type="r" for="ch" forName="text_3" refType="ctrX" refFor="ch" refForName="accent_3"/>
-                <dgm:constr type="rOff" for="ch" forName="text_3" refType="ctrXOff" refFor="ch" refForName="accent_3"/>
-                <dgm:constr type="l" for="ch" forName="text_3"/>
-                <dgm:constr type="w" for="ch" forName="text_3" refType="h" refFor="ch" refForName="text_3" op="gte"/>
-                <dgm:constr type="h" for="ch" forName="text_3" refType="h" refFor="ch" refForName="accent_3" fact="0.8"/>
-                <dgm:constr type="ctrY" for="ch" forName="text_3" refType="ctrY" refFor="ch" refForName="accent_3"/>
-                <dgm:constr type="rMarg" for="ch" forName="text_3" refType="w" refFor="ch" refForName="accent_3" fact="1.8"/>
-                <dgm:constr type="h" for="ch" forName="accent_4" refType="h" fact="0.1316"/>
-                <dgm:constr type="w" for="ch" forName="accent_4" refType="h" refFor="ch" refForName="accent_4" op="equ"/>
-                <dgm:constr type="ctrY" for="ch" forName="accent_4" refType="h" fact="0.5789"/>
-                <dgm:constr type="ctrX" for="ch" forName="accent_4" refType="w"/>
-                <dgm:constr type="ctrXOff" for="ch" forName="accent_4" refType="h" fact="-0.2205"/>
-                <dgm:constr type="r" for="ch" forName="text_4" refType="ctrX" refFor="ch" refForName="accent_4"/>
-                <dgm:constr type="rOff" for="ch" forName="text_4" refType="ctrXOff" refFor="ch" refForName="accent_4"/>
-                <dgm:constr type="l" for="ch" forName="text_4"/>
-                <dgm:constr type="w" for="ch" forName="text_4" refType="h" refFor="ch" refForName="text_4" op="gte"/>
-                <dgm:constr type="h" for="ch" forName="text_4" refType="h" refFor="ch" refForName="accent_4" fact="0.8"/>
-                <dgm:constr type="ctrY" for="ch" forName="text_4" refType="ctrY" refFor="ch" refForName="accent_4"/>
-                <dgm:constr type="rMarg" for="ch" forName="text_4" refType="w" refFor="ch" refForName="accent_4" fact="1.8"/>
-                <dgm:constr type="h" for="ch" forName="accent_5" refType="h" fact="0.1316"/>
-                <dgm:constr type="w" for="ch" forName="accent_5" refType="h" refFor="ch" refForName="accent_5" op="equ"/>
-                <dgm:constr type="ctrY" for="ch" forName="accent_5" refType="h" fact="0.7368"/>
-                <dgm:constr type="ctrX" for="ch" forName="accent_5" refType="w"/>
-                <dgm:constr type="ctrXOff" for="ch" forName="accent_5" refType="h" fact="-0.1809"/>
-                <dgm:constr type="r" for="ch" forName="text_5" refType="ctrX" refFor="ch" refForName="accent_5"/>
-                <dgm:constr type="rOff" for="ch" forName="text_5" refType="ctrXOff" refFor="ch" refForName="accent_5"/>
-                <dgm:constr type="l" for="ch" forName="text_5"/>
-                <dgm:constr type="w" for="ch" forName="text_5" refType="h" refFor="ch" refForName="text_5" op="gte"/>
-                <dgm:constr type="h" for="ch" forName="text_5" refType="h" refFor="ch" refForName="accent_5" fact="0.8"/>
-                <dgm:constr type="ctrY" for="ch" forName="text_5" refType="ctrY" refFor="ch" refForName="accent_5"/>
-                <dgm:constr type="rMarg" for="ch" forName="text_5" refType="w" refFor="ch" refForName="accent_5" fact="1.8"/>
-                <dgm:constr type="h" for="ch" forName="accent_6" refType="h" fact="0.1316"/>
-                <dgm:constr type="w" for="ch" forName="accent_6" refType="h" refFor="ch" refForName="accent_6" op="equ"/>
-                <dgm:constr type="ctrY" for="ch" forName="accent_6" refType="h" fact="0.8947"/>
-                <dgm:constr type="ctrX" for="ch" forName="accent_6" refType="w"/>
-                <dgm:constr type="ctrXOff" for="ch" forName="accent_6" refType="h" fact="-0.0943"/>
-                <dgm:constr type="r" for="ch" forName="text_6" refType="ctrX" refFor="ch" refForName="accent_6"/>
-                <dgm:constr type="rOff" for="ch" forName="text_6" refType="ctrXOff" refFor="ch" refForName="accent_6"/>
-                <dgm:constr type="l" for="ch" forName="text_6"/>
-                <dgm:constr type="w" for="ch" forName="text_6" refType="h" refFor="ch" refForName="text_6" op="gte"/>
-                <dgm:constr type="h" for="ch" forName="text_6" refType="h" refFor="ch" refForName="accent_6" fact="0.8"/>
-                <dgm:constr type="ctrY" for="ch" forName="text_6" refType="ctrY" refFor="ch" refForName="accent_6"/>
-                <dgm:constr type="rMarg" for="ch" forName="text_6" refType="w" refFor="ch" refForName="accent_6" fact="1.8"/>
-                <dgm:constr type="primFontSz" for="ch" ptType="node" op="equ" val="65"/>
-              </dgm:constrLst>
-            </dgm:if>
-            <dgm:else name="Name20">
-              <dgm:constrLst>
-                <dgm:constr type="h" for="ch" forName="cycle" refType="h"/>
-                <dgm:constr type="w" for="ch" forName="cycle" refType="h" refFor="ch" refForName="cycle" fact="0.26"/>
-                <dgm:constr type="r" for="ch" forName="cycle" refType="w"/>
-                <dgm:constr type="ctrY" for="ch" forName="cycle" refType="h" fact="0.5"/>
-                <dgm:constr type="diam" for="ch" forName="cycle" refType="h" fact="1.344"/>
-                <dgm:constr type="h" for="ch" forName="accent_1" refType="h" fact="0.1136"/>
-                <dgm:constr type="w" for="ch" forName="accent_1" refType="h" refFor="ch" refForName="accent_1" op="equ"/>
-                <dgm:constr type="ctrY" for="ch" forName="accent_1" refType="h" fact="0.0909"/>
-                <dgm:constr type="ctrX" for="ch" forName="accent_1" refType="w"/>
-                <dgm:constr type="ctrXOff" for="ch" forName="accent_1" refType="h" fact="-0.0835"/>
-                <dgm:constr type="r" for="ch" forName="text_1" refType="ctrX" refFor="ch" refForName="accent_1"/>
-                <dgm:constr type="rOff" for="ch" forName="text_1" refType="ctrXOff" refFor="ch" refForName="accent_1"/>
-                <dgm:constr type="l" for="ch" forName="text_1"/>
-                <dgm:constr type="w" for="ch" forName="text_1" refType="h" refFor="ch" refForName="text_1" op="gte"/>
-                <dgm:constr type="h" for="ch" forName="text_1" refType="h" refFor="ch" refForName="accent_1" fact="0.8"/>
-                <dgm:constr type="ctrY" for="ch" forName="text_1" refType="ctrY" refFor="ch" refForName="accent_1"/>
-                <dgm:constr type="rMarg" for="ch" forName="text_1" refType="w" refFor="ch" refForName="accent_1" fact="1.8"/>
-                <dgm:constr type="h" for="ch" forName="accent_2" refType="h" fact="0.1136"/>
-                <dgm:constr type="w" for="ch" forName="accent_2" refType="h" refFor="ch" refForName="accent_2" op="equ"/>
-                <dgm:constr type="ctrY" for="ch" forName="accent_2" refType="h" fact="0.2273"/>
-                <dgm:constr type="ctrX" for="ch" forName="accent_2" refType="w"/>
-                <dgm:constr type="ctrXOff" for="ch" forName="accent_2" refType="h" fact="-0.1658"/>
-                <dgm:constr type="r" for="ch" forName="text_2" refType="ctrX" refFor="ch" refForName="accent_2"/>
-                <dgm:constr type="rOff" for="ch" forName="text_2" refType="ctrXOff" refFor="ch" refForName="accent_2"/>
-                <dgm:constr type="l" for="ch" forName="text_2"/>
-                <dgm:constr type="w" for="ch" forName="text_2" refType="h" refFor="ch" refForName="text_2" op="gte"/>
-                <dgm:constr type="h" for="ch" forName="text_2" refType="h" refFor="ch" refForName="accent_2" fact="0.8"/>
-                <dgm:constr type="ctrY" for="ch" forName="text_2" refType="ctrY" refFor="ch" refForName="accent_2"/>
-                <dgm:constr type="rMarg" for="ch" forName="text_2" refType="w" refFor="ch" refForName="accent_2" fact="1.8"/>
-                <dgm:constr type="h" for="ch" forName="accent_3" refType="h" fact="0.1136"/>
-                <dgm:constr type="w" for="ch" forName="accent_3" refType="h" refFor="ch" refForName="accent_3" op="equ"/>
-                <dgm:constr type="ctrY" for="ch" forName="accent_3" refType="h" fact="0.3636"/>
-                <dgm:constr type="ctrX" for="ch" forName="accent_3" refType="w"/>
-                <dgm:constr type="ctrXOff" for="ch" forName="accent_3" refType="h" fact="-0.2109"/>
-                <dgm:constr type="r" for="ch" forName="text_3" refType="ctrX" refFor="ch" refForName="accent_3"/>
-                <dgm:constr type="rOff" for="ch" forName="text_3" refType="ctrXOff" refFor="ch" refForName="accent_3"/>
-                <dgm:constr type="l" for="ch" forName="text_3"/>
-                <dgm:constr type="w" for="ch" forName="text_3" refType="h" refFor="ch" refForName="text_3" op="gte"/>
-                <dgm:constr type="h" for="ch" forName="text_3" refType="h" refFor="ch" refForName="accent_3" fact="0.8"/>
-                <dgm:constr type="ctrY" for="ch" forName="text_3" refType="ctrY" refFor="ch" refForName="accent_3"/>
-                <dgm:constr type="rMarg" for="ch" forName="text_3" refType="w" refFor="ch" refForName="accent_3" fact="1.8"/>
-                <dgm:constr type="h" for="ch" forName="accent_4" refType="h" fact="0.1136"/>
-                <dgm:constr type="w" for="ch" forName="accent_4" refType="h" refFor="ch" refForName="accent_4" op="equ"/>
-                <dgm:constr type="ctrY" for="ch" forName="accent_4" refType="h" fact="0.5"/>
-                <dgm:constr type="ctrX" for="ch" forName="accent_4" refType="w"/>
-                <dgm:constr type="ctrXOff" for="ch" forName="accent_4" refType="h" fact="-0.2253"/>
-                <dgm:constr type="r" for="ch" forName="text_4" refType="ctrX" refFor="ch" refForName="accent_4"/>
-                <dgm:constr type="rOff" for="ch" forName="text_4" refType="ctrXOff" refFor="ch" refForName="accent_4"/>
-                <dgm:constr type="l" for="ch" forName="text_4"/>
-                <dgm:constr type="w" for="ch" forName="text_4" refType="h" refFor="ch" refForName="text_4" op="gte"/>
-                <dgm:constr type="h" for="ch" forName="text_4" refType="h" refFor="ch" refForName="accent_4" fact="0.8"/>
-                <dgm:constr type="ctrY" for="ch" forName="text_4" refType="ctrY" refFor="ch" refForName="accent_4"/>
-                <dgm:constr type="rMarg" for="ch" forName="text_4" refType="w" refFor="ch" refForName="accent_4" fact="1.8"/>
-                <dgm:constr type="h" for="ch" forName="accent_5" refType="h" fact="0.1136"/>
-                <dgm:constr type="w" for="ch" forName="accent_5" refType="h" refFor="ch" refForName="accent_5" op="equ"/>
-                <dgm:constr type="ctrY" for="ch" forName="accent_5" refType="h" fact="0.6364"/>
-                <dgm:constr type="ctrX" for="ch" forName="accent_5" refType="w"/>
-                <dgm:constr type="ctrXOff" for="ch" forName="accent_5" refType="h" fact="-0.2109"/>
-                <dgm:constr type="r" for="ch" forName="text_5" refType="ctrX" refFor="ch" refForName="accent_5"/>
-                <dgm:constr type="rOff" for="ch" forName="text_5" refType="ctrXOff" refFor="ch" refForName="accent_5"/>
-                <dgm:constr type="l" for="ch" forName="text_5"/>
-                <dgm:constr type="w" for="ch" forName="text_5" refType="h" refFor="ch" refForName="text_5" op="gte"/>
-                <dgm:constr type="h" for="ch" forName="text_5" refType="h" refFor="ch" refForName="accent_5" fact="0.8"/>
-                <dgm:constr type="ctrY" for="ch" forName="text_5" refType="ctrY" refFor="ch" refForName="accent_5"/>
-                <dgm:constr type="rMarg" for="ch" forName="text_5" refType="w" refFor="ch" refForName="accent_5" fact="1.8"/>
-                <dgm:constr type="h" for="ch" forName="accent_6" refType="h" fact="0.1136"/>
-                <dgm:constr type="w" for="ch" forName="accent_6" refType="h" refFor="ch" refForName="accent_6" op="equ"/>
-                <dgm:constr type="ctrY" for="ch" forName="accent_6" refType="h" fact="0.7727"/>
-                <dgm:constr type="ctrX" for="ch" forName="accent_6" refType="w"/>
-                <dgm:constr type="ctrXOff" for="ch" forName="accent_6" refType="h" fact="-0.1658"/>
-                <dgm:constr type="r" for="ch" forName="text_6" refType="ctrX" refFor="ch" refForName="accent_6"/>
-                <dgm:constr type="rOff" for="ch" forName="text_6" refType="ctrXOff" refFor="ch" refForName="accent_6"/>
-                <dgm:constr type="l" for="ch" forName="text_6"/>
-                <dgm:constr type="w" for="ch" forName="text_6" refType="h" refFor="ch" refForName="text_6" op="gte"/>
-                <dgm:constr type="h" for="ch" forName="text_6" refType="h" refFor="ch" refForName="accent_6" fact="0.8"/>
-                <dgm:constr type="ctrY" for="ch" forName="text_6" refType="ctrY" refFor="ch" refForName="accent_6"/>
-                <dgm:constr type="rMarg" for="ch" forName="text_6" refType="w" refFor="ch" refForName="accent_6" fact="1.8"/>
-                <dgm:constr type="h" for="ch" forName="accent_7" refType="h" fact="0.1136"/>
-                <dgm:constr type="w" for="ch" forName="accent_7" refType="h" refFor="ch" refForName="accent_7" op="equ"/>
-                <dgm:constr type="ctrY" for="ch" forName="accent_7" refType="h" fact="0.9091"/>
-                <dgm:constr type="ctrX" for="ch" forName="accent_7" refType="w"/>
-                <dgm:constr type="ctrXOff" for="ch" forName="accent_7" refType="h" fact="-0.0835"/>
-                <dgm:constr type="r" for="ch" forName="text_7" refType="ctrX" refFor="ch" refForName="accent_7"/>
-                <dgm:constr type="rOff" for="ch" forName="text_7" refType="ctrXOff" refFor="ch" refForName="accent_7"/>
-                <dgm:constr type="l" for="ch" forName="text_7"/>
-                <dgm:constr type="w" for="ch" forName="text_7" refType="h" refFor="ch" refForName="text_7" op="gte"/>
-                <dgm:constr type="h" for="ch" forName="text_7" refType="h" refFor="ch" refForName="accent_7" fact="0.8"/>
-                <dgm:constr type="ctrY" for="ch" forName="text_7" refType="ctrY" refFor="ch" refForName="accent_7"/>
-                <dgm:constr type="rMarg" for="ch" forName="text_7" refType="w" refFor="ch" refForName="accent_7" fact="1.8"/>
-                <dgm:constr type="primFontSz" for="ch" ptType="node" op="equ" val="65"/>
-              </dgm:constrLst>
-            </dgm:else>
-          </dgm:choose>
-        </dgm:else>
-      </dgm:choose>
-      <dgm:layoutNode name="cycle">
-        <dgm:choose name="Name21">
-          <dgm:if name="Name22" func="var" arg="dir" op="equ" val="norm">
-            <dgm:alg type="cycle">
-              <dgm:param type="stAng" val="45"/>
-              <dgm:param type="spanAng" val="90"/>
-            </dgm:alg>
-          </dgm:if>
-          <dgm:else name="Name23">
-            <dgm:alg type="cycle">
-              <dgm:param type="stAng" val="225"/>
-              <dgm:param type="spanAng" val="90"/>
-            </dgm:alg>
-          </dgm:else>
-        </dgm:choose>
-        <dgm:shape xmlns:r="http://schemas.openxmlformats.org/officeDocument/2006/relationships" r:blip="">
-          <dgm:adjLst/>
-        </dgm:shape>
-        <dgm:presOf/>
-        <dgm:constrLst>
-          <dgm:constr type="w" for="ch" val="1"/>
-          <dgm:constr type="h" for="ch" val="1"/>
-          <dgm:constr type="diam" for="ch" forName="conn" refType="diam"/>
-        </dgm:constrLst>
-        <dgm:layoutNode name="srcNode">
-          <dgm:alg type="sp"/>
-          <dgm:shape xmlns:r="http://schemas.openxmlformats.org/officeDocument/2006/relationships" type="rect" r:blip="" hideGeom="1">
-            <dgm:adjLst/>
-          </dgm:shape>
-          <dgm:presOf/>
-        </dgm:layoutNode>
-        <dgm:layoutNode name="conn" styleLbl="parChTrans1D2">
-          <dgm:alg type="conn">
-            <dgm:param type="connRout" val="curve"/>
-            <dgm:param type="srcNode" val="srcNode"/>
-            <dgm:param type="dstNode" val="dstNode"/>
-            <dgm:param type="begPts" val="ctr"/>
-            <dgm:param type="endPts" val="ctr"/>
-            <dgm:param type="endSty" val="noArr"/>
-          </dgm:alg>
-          <dgm:shape xmlns:r="http://schemas.openxmlformats.org/officeDocument/2006/relationships" type="conn" r:blip="">
-            <dgm:adjLst/>
-          </dgm:shape>
-          <dgm:presOf axis="desOrSelf" ptType="sibTrans" hideLastTrans="0" st="0" cnt="1"/>
-          <dgm:constrLst>
-            <dgm:constr type="begPad"/>
-            <dgm:constr type="endPad"/>
-          </dgm:constrLst>
-        </dgm:layoutNode>
-        <dgm:layoutNode name="extraNode">
-          <dgm:alg type="sp"/>
-          <dgm:shape xmlns:r="http://schemas.openxmlformats.org/officeDocument/2006/relationships" type="rect" r:blip="" hideGeom="1">
-            <dgm:adjLst/>
-          </dgm:shape>
-          <dgm:presOf/>
-        </dgm:layoutNode>
-        <dgm:layoutNode name="dstNode">
-          <dgm:alg type="sp"/>
-          <dgm:shape xmlns:r="http://schemas.openxmlformats.org/officeDocument/2006/relationships" type="rect" r:blip="" hideGeom="1">
-            <dgm:adjLst/>
-          </dgm:shape>
-          <dgm:presOf/>
-        </dgm:layoutNode>
-      </dgm:layoutNode>
-      <dgm:forEach name="wrapper" axis="self" ptType="parTrans">
-        <dgm:forEach name="wrapper2" axis="self" ptType="sibTrans" st="2">
-          <dgm:forEach name="accentRepeat" axis="self">
-            <dgm:layoutNode name="accentRepeatNode" styleLbl="solidFgAcc1">
-              <dgm:alg type="sp"/>
-              <dgm:shape xmlns:r="http://schemas.openxmlformats.org/officeDocument/2006/relationships" type="ellipse" r:blip="">
-                <dgm:adjLst/>
-              </dgm:shape>
-              <dgm:presOf/>
-            </dgm:layoutNode>
-          </dgm:forEach>
-        </dgm:forEach>
-      </dgm:forEach>
-      <dgm:forEach name="Name24" axis="ch" ptType="node" cnt="1">
-        <dgm:layoutNode name="text_1" styleLbl="node1">
-          <dgm:varLst>
-            <dgm:bulletEnabled val="1"/>
-          </dgm:varLst>
-          <dgm:choose name="Name25">
-            <dgm:if name="Name26" func="var" arg="dir" op="equ" val="norm">
-              <dgm:alg type="tx">
-                <dgm:param type="parTxLTRAlign" val="l"/>
-                <dgm:param type="shpTxLTRAlignCh" val="l"/>
-                <dgm:param type="parTxRTLAlign" val="l"/>
-                <dgm:param type="shpTxRTLAlignCh" val="l"/>
-              </dgm:alg>
-            </dgm:if>
-            <dgm:else name="Name27">
-              <dgm:alg type="tx">
-                <dgm:param type="parTxLTRAlign" val="r"/>
-                <dgm:param type="shpTxLTRAlignCh" val="r"/>
-                <dgm:param type="parTxRTLAlign" val="r"/>
-                <dgm:param type="shpTxRTLAlignCh" val="r"/>
-              </dgm:alg>
-            </dgm:else>
-          </dgm:choose>
-          <dgm:shape xmlns:r="http://schemas.openxmlformats.org/officeDocument/2006/relationships" type="rect" r:blip="">
-            <dgm:adjLst/>
-          </dgm:shape>
-          <dgm:presOf axis="desOrSelf" ptType="node"/>
-          <dgm:constrLst>
-            <dgm:constr type="primFontSz" val="65"/>
-            <dgm:constr type="lMarg" refType="primFontSz" fact="0.2"/>
-            <dgm:constr type="rMarg" refType="primFontSz" fact="0.2"/>
-            <dgm:constr type="tMarg" refType="primFontSz" fact="0.2"/>
-            <dgm:constr type="bMarg" refType="primFontSz" fact="0.2"/>
-          </dgm:constrLst>
-          <dgm:ruleLst>
-            <dgm:rule type="primFontSz" val="5" fact="NaN" max="NaN"/>
-          </dgm:ruleLst>
-        </dgm:layoutNode>
-        <dgm:layoutNode name="accent_1">
-          <dgm:alg type="sp"/>
-          <dgm:shape xmlns:r="http://schemas.openxmlformats.org/officeDocument/2006/relationships" r:blip="">
-            <dgm:adjLst/>
-          </dgm:shape>
-          <dgm:presOf/>
-          <dgm:constrLst/>
-          <dgm:forEach name="Name28" ref="accentRepeat"/>
-        </dgm:layoutNode>
-      </dgm:forEach>
-      <dgm:forEach name="Name29" axis="ch" ptType="node" st="2" cnt="1">
-        <dgm:layoutNode name="text_2" styleLbl="node1">
-          <dgm:varLst>
-            <dgm:bulletEnabled val="1"/>
-          </dgm:varLst>
-          <dgm:choose name="Name30">
-            <dgm:if name="Name31" func="var" arg="dir" op="equ" val="norm">
-              <dgm:alg type="tx">
-                <dgm:param type="parTxLTRAlign" val="l"/>
-                <dgm:param type="shpTxLTRAlignCh" val="l"/>
-                <dgm:param type="parTxRTLAlign" val="l"/>
-                <dgm:param type="shpTxRTLAlignCh" val="l"/>
-              </dgm:alg>
-            </dgm:if>
-            <dgm:else name="Name32">
-              <dgm:alg type="tx">
-                <dgm:param type="parTxLTRAlign" val="r"/>
-                <dgm:param type="shpTxLTRAlignCh" val="r"/>
-                <dgm:param type="parTxRTLAlign" val="r"/>
-                <dgm:param type="shpTxRTLAlignCh" val="r"/>
-              </dgm:alg>
-            </dgm:else>
-          </dgm:choose>
-          <dgm:shape xmlns:r="http://schemas.openxmlformats.org/officeDocument/2006/relationships" type="rect" r:blip="">
-            <dgm:adjLst/>
-          </dgm:shape>
-          <dgm:presOf axis="desOrSelf" ptType="node"/>
-          <dgm:constrLst>
-            <dgm:constr type="primFontSz" val="65"/>
-            <dgm:constr type="lMarg" refType="primFontSz" fact="0.2"/>
-            <dgm:constr type="rMarg" refType="primFontSz" fact="0.2"/>
-            <dgm:constr type="tMarg" refType="primFontSz" fact="0.2"/>
-            <dgm:constr type="bMarg" refType="primFontSz" fact="0.2"/>
-          </dgm:constrLst>
-          <dgm:ruleLst>
-            <dgm:rule type="primFontSz" val="5" fact="NaN" max="NaN"/>
-          </dgm:ruleLst>
-        </dgm:layoutNode>
-        <dgm:layoutNode name="accent_2">
-          <dgm:alg type="sp"/>
-          <dgm:shape xmlns:r="http://schemas.openxmlformats.org/officeDocument/2006/relationships" r:blip="">
-            <dgm:adjLst/>
-          </dgm:shape>
-          <dgm:presOf/>
-          <dgm:constrLst/>
-          <dgm:forEach name="Name33" ref="accentRepeat"/>
-        </dgm:layoutNode>
-      </dgm:forEach>
-      <dgm:forEach name="Name34" axis="ch" ptType="node" st="3" cnt="1">
-        <dgm:layoutNode name="text_3" styleLbl="node1">
-          <dgm:varLst>
-            <dgm:bulletEnabled val="1"/>
-          </dgm:varLst>
-          <dgm:choose name="Name35">
-            <dgm:if name="Name36" func="var" arg="dir" op="equ" val="norm">
-              <dgm:alg type="tx">
-                <dgm:param type="parTxLTRAlign" val="l"/>
-                <dgm:param type="shpTxLTRAlignCh" val="l"/>
-                <dgm:param type="parTxRTLAlign" val="l"/>
-                <dgm:param type="shpTxRTLAlignCh" val="l"/>
-              </dgm:alg>
-            </dgm:if>
-            <dgm:else name="Name37">
-              <dgm:alg type="tx">
-                <dgm:param type="parTxLTRAlign" val="r"/>
-                <dgm:param type="shpTxLTRAlignCh" val="r"/>
-                <dgm:param type="parTxRTLAlign" val="r"/>
-                <dgm:param type="shpTxRTLAlignCh" val="r"/>
-              </dgm:alg>
-            </dgm:else>
-          </dgm:choose>
-          <dgm:shape xmlns:r="http://schemas.openxmlformats.org/officeDocument/2006/relationships" type="rect" r:blip="">
-            <dgm:adjLst/>
-          </dgm:shape>
-          <dgm:presOf axis="desOrSelf" ptType="node"/>
-          <dgm:constrLst>
-            <dgm:constr type="primFontSz" val="65"/>
-            <dgm:constr type="lMarg" refType="primFontSz" fact="0.2"/>
-            <dgm:constr type="rMarg" refType="primFontSz" fact="0.2"/>
-            <dgm:constr type="tMarg" refType="primFontSz" fact="0.2"/>
-            <dgm:constr type="bMarg" refType="primFontSz" fact="0.2"/>
-          </dgm:constrLst>
-          <dgm:ruleLst>
-            <dgm:rule type="primFontSz" val="5" fact="NaN" max="NaN"/>
-          </dgm:ruleLst>
-        </dgm:layoutNode>
-        <dgm:layoutNode name="accent_3">
-          <dgm:alg type="sp"/>
-          <dgm:shape xmlns:r="http://schemas.openxmlformats.org/officeDocument/2006/relationships" r:blip="">
-            <dgm:adjLst/>
-          </dgm:shape>
-          <dgm:presOf/>
-          <dgm:constrLst/>
-          <dgm:forEach name="Name38" ref="accentRepeat"/>
-        </dgm:layoutNode>
-      </dgm:forEach>
-      <dgm:forEach name="Name39" axis="ch" ptType="node" st="4" cnt="1">
-        <dgm:layoutNode name="text_4" styleLbl="node1">
-          <dgm:varLst>
-            <dgm:bulletEnabled val="1"/>
-          </dgm:varLst>
-          <dgm:choose name="Name40">
-            <dgm:if name="Name41" func="var" arg="dir" op="equ" val="norm">
-              <dgm:alg type="tx">
-                <dgm:param type="parTxLTRAlign" val="l"/>
-                <dgm:param type="shpTxLTRAlignCh" val="l"/>
-                <dgm:param type="parTxRTLAlign" val="l"/>
-                <dgm:param type="shpTxRTLAlignCh" val="l"/>
-              </dgm:alg>
-            </dgm:if>
-            <dgm:else name="Name42">
-              <dgm:alg type="tx">
-                <dgm:param type="parTxLTRAlign" val="r"/>
-                <dgm:param type="shpTxLTRAlignCh" val="r"/>
-                <dgm:param type="parTxRTLAlign" val="r"/>
-                <dgm:param type="shpTxRTLAlignCh" val="r"/>
-              </dgm:alg>
-            </dgm:else>
-          </dgm:choose>
-          <dgm:shape xmlns:r="http://schemas.openxmlformats.org/officeDocument/2006/relationships" type="rect" r:blip="">
-            <dgm:adjLst/>
-          </dgm:shape>
-          <dgm:presOf axis="desOrSelf" ptType="node"/>
-          <dgm:constrLst>
-            <dgm:constr type="primFontSz" val="65"/>
-            <dgm:constr type="lMarg" refType="primFontSz" fact="0.2"/>
-            <dgm:constr type="rMarg" refType="primFontSz" fact="0.2"/>
-            <dgm:constr type="tMarg" refType="primFontSz" fact="0.2"/>
-            <dgm:constr type="bMarg" refType="primFontSz" fact="0.2"/>
-          </dgm:constrLst>
-          <dgm:ruleLst>
-            <dgm:rule type="primFontSz" val="5" fact="NaN" max="NaN"/>
-          </dgm:ruleLst>
-        </dgm:layoutNode>
-        <dgm:layoutNode name="accent_4">
-          <dgm:alg type="sp"/>
-          <dgm:shape xmlns:r="http://schemas.openxmlformats.org/officeDocument/2006/relationships" r:blip="">
-            <dgm:adjLst/>
-          </dgm:shape>
-          <dgm:presOf/>
-          <dgm:constrLst/>
-          <dgm:forEach name="Name43" ref="accentRepeat"/>
-        </dgm:layoutNode>
-      </dgm:forEach>
-      <dgm:forEach name="Name44" axis="ch" ptType="node" st="5" cnt="1">
-        <dgm:layoutNode name="text_5" styleLbl="node1">
-          <dgm:varLst>
-            <dgm:bulletEnabled val="1"/>
-          </dgm:varLst>
-          <dgm:choose name="Name45">
-            <dgm:if name="Name46" func="var" arg="dir" op="equ" val="norm">
-              <dgm:alg type="tx">
-                <dgm:param type="parTxLTRAlign" val="l"/>
-                <dgm:param type="shpTxLTRAlignCh" val="l"/>
-                <dgm:param type="parTxRTLAlign" val="l"/>
-                <dgm:param type="shpTxRTLAlignCh" val="l"/>
-              </dgm:alg>
-            </dgm:if>
-            <dgm:else name="Name47">
-              <dgm:alg type="tx">
-                <dgm:param type="parTxLTRAlign" val="r"/>
-                <dgm:param type="shpTxLTRAlignCh" val="r"/>
-                <dgm:param type="parTxRTLAlign" val="r"/>
-                <dgm:param type="shpTxRTLAlignCh" val="r"/>
-              </dgm:alg>
-            </dgm:else>
-          </dgm:choose>
-          <dgm:shape xmlns:r="http://schemas.openxmlformats.org/officeDocument/2006/relationships" type="rect" r:blip="">
-            <dgm:adjLst/>
-          </dgm:shape>
-          <dgm:presOf axis="desOrSelf" ptType="node"/>
-          <dgm:constrLst>
-            <dgm:constr type="primFontSz" val="65"/>
-            <dgm:constr type="lMarg" refType="primFontSz" fact="0.2"/>
-            <dgm:constr type="rMarg" refType="primFontSz" fact="0.2"/>
-            <dgm:constr type="tMarg" refType="primFontSz" fact="0.2"/>
-            <dgm:constr type="bMarg" refType="primFontSz" fact="0.2"/>
-          </dgm:constrLst>
-          <dgm:ruleLst>
-            <dgm:rule type="primFontSz" val="5" fact="NaN" max="NaN"/>
-          </dgm:ruleLst>
-        </dgm:layoutNode>
-        <dgm:layoutNode name="accent_5">
-          <dgm:alg type="sp"/>
-          <dgm:shape xmlns:r="http://schemas.openxmlformats.org/officeDocument/2006/relationships" r:blip="">
-            <dgm:adjLst/>
-          </dgm:shape>
-          <dgm:presOf/>
-          <dgm:constrLst/>
-          <dgm:forEach name="Name48" ref="accentRepeat"/>
-        </dgm:layoutNode>
-      </dgm:forEach>
-      <dgm:forEach name="Name49" axis="ch" ptType="node" st="6" cnt="1">
-        <dgm:layoutNode name="text_6" styleLbl="node1">
-          <dgm:varLst>
-            <dgm:bulletEnabled val="1"/>
-          </dgm:varLst>
-          <dgm:choose name="Name50">
-            <dgm:if name="Name51" func="var" arg="dir" op="equ" val="norm">
-              <dgm:alg type="tx">
-                <dgm:param type="parTxLTRAlign" val="l"/>
-                <dgm:param type="shpTxLTRAlignCh" val="l"/>
-                <dgm:param type="parTxRTLAlign" val="l"/>
-                <dgm:param type="shpTxRTLAlignCh" val="l"/>
-              </dgm:alg>
-            </dgm:if>
-            <dgm:else name="Name52">
-              <dgm:alg type="tx">
-                <dgm:param type="parTxLTRAlign" val="r"/>
-                <dgm:param type="shpTxLTRAlignCh" val="r"/>
-                <dgm:param type="parTxRTLAlign" val="r"/>
-                <dgm:param type="shpTxRTLAlignCh" val="r"/>
-              </dgm:alg>
-            </dgm:else>
-          </dgm:choose>
-          <dgm:shape xmlns:r="http://schemas.openxmlformats.org/officeDocument/2006/relationships" type="rect" r:blip="">
-            <dgm:adjLst/>
-          </dgm:shape>
-          <dgm:presOf axis="desOrSelf" ptType="node"/>
-          <dgm:constrLst>
-            <dgm:constr type="primFontSz" val="65"/>
-            <dgm:constr type="lMarg" refType="primFontSz" fact="0.2"/>
-            <dgm:constr type="rMarg" refType="primFontSz" fact="0.2"/>
-            <dgm:constr type="tMarg" refType="primFontSz" fact="0.2"/>
-            <dgm:constr type="bMarg" refType="primFontSz" fact="0.2"/>
-          </dgm:constrLst>
-          <dgm:ruleLst>
-            <dgm:rule type="primFontSz" val="5" fact="NaN" max="NaN"/>
-          </dgm:ruleLst>
-        </dgm:layoutNode>
-        <dgm:layoutNode name="accent_6">
-          <dgm:alg type="sp"/>
-          <dgm:shape xmlns:r="http://schemas.openxmlformats.org/officeDocument/2006/relationships" r:blip="">
-            <dgm:adjLst/>
-          </dgm:shape>
-          <dgm:presOf/>
-          <dgm:constrLst/>
-          <dgm:forEach name="Name53" ref="accentRepeat"/>
-        </dgm:layoutNode>
-      </dgm:forEach>
-      <dgm:forEach name="Name54" axis="ch" ptType="node" st="7" cnt="1">
-        <dgm:layoutNode name="text_7" styleLbl="node1">
-          <dgm:varLst>
-            <dgm:bulletEnabled val="1"/>
-          </dgm:varLst>
-          <dgm:choose name="Name55">
-            <dgm:if name="Name56" func="var" arg="dir" op="equ" val="norm">
-              <dgm:alg type="tx">
-                <dgm:param type="parTxLTRAlign" val="l"/>
-                <dgm:param type="shpTxLTRAlignCh" val="l"/>
-                <dgm:param type="parTxRTLAlign" val="l"/>
-                <dgm:param type="shpTxRTLAlignCh" val="l"/>
-              </dgm:alg>
-            </dgm:if>
-            <dgm:else name="Name57">
-              <dgm:alg type="tx">
-                <dgm:param type="parTxLTRAlign" val="r"/>
-                <dgm:param type="shpTxLTRAlignCh" val="r"/>
-                <dgm:param type="parTxRTLAlign" val="r"/>
-                <dgm:param type="shpTxRTLAlignCh" val="r"/>
-              </dgm:alg>
-            </dgm:else>
-          </dgm:choose>
-          <dgm:shape xmlns:r="http://schemas.openxmlformats.org/officeDocument/2006/relationships" type="rect" r:blip="">
-            <dgm:adjLst/>
-          </dgm:shape>
-          <dgm:presOf axis="desOrSelf" ptType="node"/>
-          <dgm:constrLst>
-            <dgm:constr type="primFontSz" val="65"/>
-            <dgm:constr type="lMarg" refType="primFontSz" fact="0.2"/>
-            <dgm:constr type="rMarg" refType="primFontSz" fact="0.2"/>
-            <dgm:constr type="tMarg" refType="primFontSz" fact="0.2"/>
-            <dgm:constr type="bMarg" refType="primFontSz" fact="0.2"/>
-          </dgm:constrLst>
-          <dgm:ruleLst>
-            <dgm:rule type="primFontSz" val="5" fact="NaN" max="NaN"/>
-          </dgm:ruleLst>
-        </dgm:layoutNode>
-        <dgm:layoutNode name="accent_7">
-          <dgm:alg type="sp"/>
-          <dgm:shape xmlns:r="http://schemas.openxmlformats.org/officeDocument/2006/relationships" r:blip="">
-            <dgm:adjLst/>
-          </dgm:shape>
-          <dgm:presOf/>
-          <dgm:constrLst/>
-          <dgm:forEach name="Name58" ref="accentRepeat"/>
-        </dgm:layoutNode>
-      </dgm:forEach>
-    </dgm:layoutNode>
-  </dgm:layoutNode>
-</dgm:layoutDef>
-</file>
-
-<file path=ppt/diagrams/quickStyle1.xml><?xml version="1.0" encoding="utf-8"?>
-<dgm:styleDef xmlns:dgm="http://schemas.openxmlformats.org/drawingml/2006/diagram" xmlns:a="http://schemas.openxmlformats.org/drawingml/2006/main" uniqueId="urn:microsoft.com/office/officeart/2005/8/quickstyle/simple4">
-  <dgm:title val=""/>
-  <dgm:desc val=""/>
-  <dgm:catLst>
-    <dgm:cat type="simple" pri="10400"/>
+    <dgm:cat type="simple" pri="10100"/>
   </dgm:catLst>
   <dgm:scene3d>
     <a:camera prst="orthographicFront"/>
@@ -4684,13 +2091,13 @@
     <dgm:sp3d/>
     <dgm:txPr/>
     <dgm:style>
-      <a:lnRef idx="0">
+      <a:lnRef idx="2">
         <a:scrgbClr r="0" g="0" b="0"/>
       </a:lnRef>
-      <a:fillRef idx="3">
+      <a:fillRef idx="1">
         <a:scrgbClr r="0" g="0" b="0"/>
       </a:fillRef>
-      <a:effectRef idx="2">
+      <a:effectRef idx="0">
         <a:scrgbClr r="0" g="0" b="0"/>
       </a:effectRef>
       <a:fontRef idx="minor">
@@ -4706,13 +2113,13 @@
     <dgm:sp3d/>
     <dgm:txPr/>
     <dgm:style>
-      <a:lnRef idx="1">
+      <a:lnRef idx="2">
         <a:scrgbClr r="0" g="0" b="0"/>
       </a:lnRef>
-      <a:fillRef idx="3">
+      <a:fillRef idx="1">
         <a:scrgbClr r="0" g="0" b="0"/>
       </a:fillRef>
-      <a:effectRef idx="2">
+      <a:effectRef idx="0">
         <a:scrgbClr r="0" g="0" b="0"/>
       </a:effectRef>
       <a:fontRef idx="minor">
@@ -4728,10 +2135,10 @@
     <dgm:sp3d/>
     <dgm:txPr/>
     <dgm:style>
-      <a:lnRef idx="0">
+      <a:lnRef idx="2">
         <a:scrgbClr r="0" g="0" b="0"/>
       </a:lnRef>
-      <a:fillRef idx="3">
+      <a:fillRef idx="1">
         <a:scrgbClr r="0" g="0" b="0"/>
       </a:fillRef>
       <a:effectRef idx="0">
@@ -4750,13 +2157,13 @@
     <dgm:sp3d/>
     <dgm:txPr/>
     <dgm:style>
-      <a:lnRef idx="1">
+      <a:lnRef idx="2">
         <a:scrgbClr r="0" g="0" b="0"/>
       </a:lnRef>
-      <a:fillRef idx="3">
+      <a:fillRef idx="1">
         <a:scrgbClr r="0" g="0" b="0"/>
       </a:fillRef>
-      <a:effectRef idx="2">
+      <a:effectRef idx="0">
         <a:scrgbClr r="0" g="0" b="0"/>
       </a:effectRef>
       <a:fontRef idx="minor">
@@ -4772,13 +2179,13 @@
     <dgm:sp3d/>
     <dgm:txPr/>
     <dgm:style>
-      <a:lnRef idx="0">
+      <a:lnRef idx="2">
         <a:scrgbClr r="0" g="0" b="0"/>
       </a:lnRef>
-      <a:fillRef idx="3">
+      <a:fillRef idx="1">
         <a:scrgbClr r="0" g="0" b="0"/>
       </a:fillRef>
-      <a:effectRef idx="2">
+      <a:effectRef idx="0">
         <a:scrgbClr r="0" g="0" b="0"/>
       </a:effectRef>
       <a:fontRef idx="minor">
@@ -4794,13 +2201,13 @@
     <dgm:sp3d/>
     <dgm:txPr/>
     <dgm:style>
-      <a:lnRef idx="0">
+      <a:lnRef idx="2">
         <a:scrgbClr r="0" g="0" b="0"/>
       </a:lnRef>
-      <a:fillRef idx="3">
+      <a:fillRef idx="1">
         <a:scrgbClr r="0" g="0" b="0"/>
       </a:fillRef>
-      <a:effectRef idx="2">
+      <a:effectRef idx="0">
         <a:scrgbClr r="0" g="0" b="0"/>
       </a:effectRef>
       <a:fontRef idx="minor">
@@ -4816,13 +2223,13 @@
     <dgm:sp3d/>
     <dgm:txPr/>
     <dgm:style>
-      <a:lnRef idx="0">
+      <a:lnRef idx="2">
         <a:scrgbClr r="0" g="0" b="0"/>
       </a:lnRef>
-      <a:fillRef idx="3">
+      <a:fillRef idx="1">
         <a:scrgbClr r="0" g="0" b="0"/>
       </a:fillRef>
-      <a:effectRef idx="2">
+      <a:effectRef idx="0">
         <a:scrgbClr r="0" g="0" b="0"/>
       </a:effectRef>
       <a:fontRef idx="minor">
@@ -4838,13 +2245,13 @@
     <dgm:sp3d/>
     <dgm:txPr/>
     <dgm:style>
-      <a:lnRef idx="0">
+      <a:lnRef idx="2">
         <a:scrgbClr r="0" g="0" b="0"/>
       </a:lnRef>
-      <a:fillRef idx="3">
+      <a:fillRef idx="1">
         <a:scrgbClr r="0" g="0" b="0"/>
       </a:fillRef>
-      <a:effectRef idx="2">
+      <a:effectRef idx="0">
         <a:scrgbClr r="0" g="0" b="0"/>
       </a:effectRef>
       <a:fontRef idx="minor">
@@ -4860,13 +2267,13 @@
     <dgm:sp3d/>
     <dgm:txPr/>
     <dgm:style>
-      <a:lnRef idx="0">
+      <a:lnRef idx="2">
         <a:scrgbClr r="0" g="0" b="0"/>
       </a:lnRef>
       <a:fillRef idx="1">
         <a:scrgbClr r="0" g="0" b="0"/>
       </a:fillRef>
-      <a:effectRef idx="2">
+      <a:effectRef idx="0">
         <a:scrgbClr r="0" g="0" b="0"/>
       </a:effectRef>
       <a:fontRef idx="minor"/>
@@ -4880,13 +2287,13 @@
     <dgm:sp3d/>
     <dgm:txPr/>
     <dgm:style>
-      <a:lnRef idx="0">
+      <a:lnRef idx="2">
         <a:scrgbClr r="0" g="0" b="0"/>
       </a:lnRef>
       <a:fillRef idx="1">
         <a:scrgbClr r="0" g="0" b="0"/>
       </a:fillRef>
-      <a:effectRef idx="2">
+      <a:effectRef idx="0">
         <a:scrgbClr r="0" g="0" b="0"/>
       </a:effectRef>
       <a:fontRef idx="minor"/>
@@ -4900,13 +2307,13 @@
     <dgm:sp3d/>
     <dgm:txPr/>
     <dgm:style>
-      <a:lnRef idx="0">
+      <a:lnRef idx="2">
         <a:scrgbClr r="0" g="0" b="0"/>
       </a:lnRef>
       <a:fillRef idx="1">
         <a:scrgbClr r="0" g="0" b="0"/>
       </a:fillRef>
-      <a:effectRef idx="2">
+      <a:effectRef idx="0">
         <a:scrgbClr r="0" g="0" b="0"/>
       </a:effectRef>
       <a:fontRef idx="minor"/>
@@ -4923,10 +2330,10 @@
       <a:lnRef idx="0">
         <a:scrgbClr r="0" g="0" b="0"/>
       </a:lnRef>
-      <a:fillRef idx="3">
+      <a:fillRef idx="1">
         <a:scrgbClr r="0" g="0" b="0"/>
       </a:fillRef>
-      <a:effectRef idx="2">
+      <a:effectRef idx="0">
         <a:scrgbClr r="0" g="0" b="0"/>
       </a:effectRef>
       <a:fontRef idx="minor">
@@ -4945,10 +2352,10 @@
       <a:lnRef idx="0">
         <a:scrgbClr r="0" g="0" b="0"/>
       </a:lnRef>
-      <a:fillRef idx="3">
+      <a:fillRef idx="1">
         <a:scrgbClr r="0" g="0" b="0"/>
       </a:fillRef>
-      <a:effectRef idx="2">
+      <a:effectRef idx="0">
         <a:scrgbClr r="0" g="0" b="0"/>
       </a:effectRef>
       <a:fontRef idx="minor">
@@ -4967,10 +2374,10 @@
       <a:lnRef idx="0">
         <a:scrgbClr r="0" g="0" b="0"/>
       </a:lnRef>
-      <a:fillRef idx="3">
+      <a:fillRef idx="1">
         <a:scrgbClr r="0" g="0" b="0"/>
       </a:fillRef>
-      <a:effectRef idx="2">
+      <a:effectRef idx="0">
         <a:scrgbClr r="0" g="0" b="0"/>
       </a:effectRef>
       <a:fontRef idx="minor">
@@ -5012,7 +2419,7 @@
       <a:fillRef idx="1">
         <a:scrgbClr r="0" g="0" b="0"/>
       </a:fillRef>
-      <a:effectRef idx="1">
+      <a:effectRef idx="0">
         <a:scrgbClr r="0" g="0" b="0"/>
       </a:effectRef>
       <a:fontRef idx="minor"/>
@@ -5026,13 +2433,13 @@
     <dgm:sp3d/>
     <dgm:txPr/>
     <dgm:style>
-      <a:lnRef idx="0">
+      <a:lnRef idx="2">
         <a:scrgbClr r="0" g="0" b="0"/>
       </a:lnRef>
-      <a:fillRef idx="3">
+      <a:fillRef idx="1">
         <a:scrgbClr r="0" g="0" b="0"/>
       </a:fillRef>
-      <a:effectRef idx="2">
+      <a:effectRef idx="0">
         <a:scrgbClr r="0" g="0" b="0"/>
       </a:effectRef>
       <a:fontRef idx="minor">
@@ -5048,13 +2455,13 @@
     <dgm:sp3d/>
     <dgm:txPr/>
     <dgm:style>
-      <a:lnRef idx="0">
+      <a:lnRef idx="2">
         <a:scrgbClr r="0" g="0" b="0"/>
       </a:lnRef>
-      <a:fillRef idx="3">
+      <a:fillRef idx="1">
         <a:scrgbClr r="0" g="0" b="0"/>
       </a:fillRef>
-      <a:effectRef idx="2">
+      <a:effectRef idx="0">
         <a:scrgbClr r="0" g="0" b="0"/>
       </a:effectRef>
       <a:fontRef idx="minor">
@@ -5070,13 +2477,13 @@
     <dgm:sp3d/>
     <dgm:txPr/>
     <dgm:style>
-      <a:lnRef idx="0">
+      <a:lnRef idx="2">
         <a:scrgbClr r="0" g="0" b="0"/>
       </a:lnRef>
-      <a:fillRef idx="3">
+      <a:fillRef idx="1">
         <a:scrgbClr r="0" g="0" b="0"/>
       </a:fillRef>
-      <a:effectRef idx="2">
+      <a:effectRef idx="0">
         <a:scrgbClr r="0" g="0" b="0"/>
       </a:effectRef>
       <a:fontRef idx="minor">
@@ -5092,13 +2499,13 @@
     <dgm:sp3d/>
     <dgm:txPr/>
     <dgm:style>
-      <a:lnRef idx="0">
+      <a:lnRef idx="2">
         <a:scrgbClr r="0" g="0" b="0"/>
       </a:lnRef>
-      <a:fillRef idx="3">
+      <a:fillRef idx="1">
         <a:scrgbClr r="0" g="0" b="0"/>
       </a:fillRef>
-      <a:effectRef idx="2">
+      <a:effectRef idx="0">
         <a:scrgbClr r="0" g="0" b="0"/>
       </a:effectRef>
       <a:fontRef idx="minor">
@@ -5114,13 +2521,13 @@
     <dgm:sp3d/>
     <dgm:txPr/>
     <dgm:style>
-      <a:lnRef idx="0">
+      <a:lnRef idx="2">
         <a:scrgbClr r="0" g="0" b="0"/>
       </a:lnRef>
-      <a:fillRef idx="3">
+      <a:fillRef idx="1">
         <a:scrgbClr r="0" g="0" b="0"/>
       </a:fillRef>
-      <a:effectRef idx="2">
+      <a:effectRef idx="0">
         <a:scrgbClr r="0" g="0" b="0"/>
       </a:effectRef>
       <a:fontRef idx="minor">
@@ -5136,13 +2543,13 @@
     <dgm:sp3d/>
     <dgm:txPr/>
     <dgm:style>
-      <a:lnRef idx="0">
+      <a:lnRef idx="2">
         <a:scrgbClr r="0" g="0" b="0"/>
       </a:lnRef>
-      <a:fillRef idx="3">
+      <a:fillRef idx="1">
         <a:scrgbClr r="0" g="0" b="0"/>
       </a:fillRef>
-      <a:effectRef idx="2">
+      <a:effectRef idx="0">
         <a:scrgbClr r="0" g="0" b="0"/>
       </a:effectRef>
       <a:fontRef idx="minor">
@@ -5158,13 +2565,13 @@
     <dgm:sp3d/>
     <dgm:txPr/>
     <dgm:style>
-      <a:lnRef idx="0">
+      <a:lnRef idx="2">
         <a:scrgbClr r="0" g="0" b="0"/>
       </a:lnRef>
-      <a:fillRef idx="3">
+      <a:fillRef idx="1">
         <a:scrgbClr r="0" g="0" b="0"/>
       </a:fillRef>
-      <a:effectRef idx="2">
+      <a:effectRef idx="0">
         <a:scrgbClr r="0" g="0" b="0"/>
       </a:effectRef>
       <a:fontRef idx="minor">
@@ -5180,13 +2587,13 @@
     <dgm:sp3d/>
     <dgm:txPr/>
     <dgm:style>
-      <a:lnRef idx="1">
+      <a:lnRef idx="2">
         <a:scrgbClr r="0" g="0" b="0"/>
       </a:lnRef>
-      <a:fillRef idx="3">
+      <a:fillRef idx="1">
         <a:scrgbClr r="0" g="0" b="0"/>
       </a:fillRef>
-      <a:effectRef idx="2">
+      <a:effectRef idx="0">
         <a:scrgbClr r="0" g="0" b="0"/>
       </a:effectRef>
       <a:fontRef idx="minor">
@@ -5202,13 +2609,13 @@
     <dgm:sp3d/>
     <dgm:txPr/>
     <dgm:style>
-      <a:lnRef idx="1">
+      <a:lnRef idx="2">
         <a:scrgbClr r="0" g="0" b="0"/>
       </a:lnRef>
-      <a:fillRef idx="3">
+      <a:fillRef idx="1">
         <a:scrgbClr r="0" g="0" b="0"/>
       </a:fillRef>
-      <a:effectRef idx="2">
+      <a:effectRef idx="0">
         <a:scrgbClr r="0" g="0" b="0"/>
       </a:effectRef>
       <a:fontRef idx="minor">
@@ -5224,7 +2631,7 @@
     <dgm:sp3d/>
     <dgm:txPr/>
     <dgm:style>
-      <a:lnRef idx="1">
+      <a:lnRef idx="2">
         <a:scrgbClr r="0" g="0" b="0"/>
       </a:lnRef>
       <a:fillRef idx="0">
@@ -5244,7 +2651,7 @@
     <dgm:sp3d/>
     <dgm:txPr/>
     <dgm:style>
-      <a:lnRef idx="1">
+      <a:lnRef idx="2">
         <a:scrgbClr r="0" g="0" b="0"/>
       </a:lnRef>
       <a:fillRef idx="0">
@@ -5264,7 +2671,7 @@
     <dgm:sp3d/>
     <dgm:txPr/>
     <dgm:style>
-      <a:lnRef idx="1">
+      <a:lnRef idx="2">
         <a:scrgbClr r="0" g="0" b="0"/>
       </a:lnRef>
       <a:fillRef idx="0">
@@ -5284,7 +2691,7 @@
     <dgm:sp3d/>
     <dgm:txPr/>
     <dgm:style>
-      <a:lnRef idx="1">
+      <a:lnRef idx="2">
         <a:scrgbClr r="0" g="0" b="0"/>
       </a:lnRef>
       <a:fillRef idx="0">
@@ -5304,7 +2711,7 @@
     <dgm:sp3d/>
     <dgm:txPr/>
     <dgm:style>
-      <a:lnRef idx="1">
+      <a:lnRef idx="2">
         <a:scrgbClr r="0" g="0" b="0"/>
       </a:lnRef>
       <a:fillRef idx="1">
@@ -5324,7 +2731,7 @@
     <dgm:sp3d/>
     <dgm:txPr/>
     <dgm:style>
-      <a:lnRef idx="1">
+      <a:lnRef idx="2">
         <a:scrgbClr r="0" g="0" b="0"/>
       </a:lnRef>
       <a:fillRef idx="1">
@@ -5344,7 +2751,7 @@
     <dgm:sp3d/>
     <dgm:txPr/>
     <dgm:style>
-      <a:lnRef idx="1">
+      <a:lnRef idx="2">
         <a:scrgbClr r="0" g="0" b="0"/>
       </a:lnRef>
       <a:fillRef idx="1">
@@ -5384,7 +2791,7 @@
     <dgm:sp3d/>
     <dgm:txPr/>
     <dgm:style>
-      <a:lnRef idx="1">
+      <a:lnRef idx="2">
         <a:scrgbClr r="0" g="0" b="0"/>
       </a:lnRef>
       <a:fillRef idx="1">
@@ -5404,7 +2811,7 @@
     <dgm:sp3d/>
     <dgm:txPr/>
     <dgm:style>
-      <a:lnRef idx="1">
+      <a:lnRef idx="2">
         <a:scrgbClr r="0" g="0" b="0"/>
       </a:lnRef>
       <a:fillRef idx="1">
@@ -5424,7 +2831,7 @@
     <dgm:sp3d/>
     <dgm:txPr/>
     <dgm:style>
-      <a:lnRef idx="1">
+      <a:lnRef idx="2">
         <a:scrgbClr r="0" g="0" b="0"/>
       </a:lnRef>
       <a:fillRef idx="1">
@@ -5444,7 +2851,7 @@
     <dgm:sp3d/>
     <dgm:txPr/>
     <dgm:style>
-      <a:lnRef idx="1">
+      <a:lnRef idx="2">
         <a:scrgbClr r="0" g="0" b="0"/>
       </a:lnRef>
       <a:fillRef idx="1">
@@ -5464,7 +2871,7 @@
     <dgm:sp3d/>
     <dgm:txPr/>
     <dgm:style>
-      <a:lnRef idx="1">
+      <a:lnRef idx="2">
         <a:scrgbClr r="0" g="0" b="0"/>
       </a:lnRef>
       <a:fillRef idx="1">
@@ -5484,7 +2891,7 @@
     <dgm:sp3d/>
     <dgm:txPr/>
     <dgm:style>
-      <a:lnRef idx="1">
+      <a:lnRef idx="2">
         <a:scrgbClr r="0" g="0" b="0"/>
       </a:lnRef>
       <a:fillRef idx="1">
@@ -5504,7 +2911,7 @@
     <dgm:sp3d/>
     <dgm:txPr/>
     <dgm:style>
-      <a:lnRef idx="1">
+      <a:lnRef idx="2">
         <a:scrgbClr r="0" g="0" b="0"/>
       </a:lnRef>
       <a:fillRef idx="1">
@@ -5524,7 +2931,7 @@
     <dgm:sp3d/>
     <dgm:txPr/>
     <dgm:style>
-      <a:lnRef idx="1">
+      <a:lnRef idx="2">
         <a:scrgbClr r="0" g="0" b="0"/>
       </a:lnRef>
       <a:fillRef idx="1">
@@ -5544,7 +2951,7 @@
     <dgm:sp3d/>
     <dgm:txPr/>
     <dgm:style>
-      <a:lnRef idx="1">
+      <a:lnRef idx="2">
         <a:scrgbClr r="0" g="0" b="0"/>
       </a:lnRef>
       <a:fillRef idx="1">
@@ -5564,7 +2971,7 @@
     <dgm:sp3d/>
     <dgm:txPr/>
     <dgm:style>
-      <a:lnRef idx="1">
+      <a:lnRef idx="2">
         <a:scrgbClr r="0" g="0" b="0"/>
       </a:lnRef>
       <a:fillRef idx="1">
@@ -5584,7 +2991,7 @@
     <dgm:sp3d/>
     <dgm:txPr/>
     <dgm:style>
-      <a:lnRef idx="1">
+      <a:lnRef idx="2">
         <a:scrgbClr r="0" g="0" b="0"/>
       </a:lnRef>
       <a:fillRef idx="1">
@@ -5610,7 +3017,7 @@
       <a:fillRef idx="1">
         <a:scrgbClr r="0" g="0" b="0"/>
       </a:fillRef>
-      <a:effectRef idx="2">
+      <a:effectRef idx="0">
         <a:scrgbClr r="0" g="0" b="0"/>
       </a:effectRef>
       <a:fontRef idx="minor"/>
@@ -5630,7 +3037,7 @@
       <a:fillRef idx="1">
         <a:scrgbClr r="0" g="0" b="0"/>
       </a:fillRef>
-      <a:effectRef idx="2">
+      <a:effectRef idx="0">
         <a:scrgbClr r="0" g="0" b="0"/>
       </a:effectRef>
       <a:fontRef idx="minor"/>
@@ -5664,1047 +3071,13 @@
     <dgm:sp3d/>
     <dgm:txPr/>
     <dgm:style>
-      <a:lnRef idx="0">
+      <a:lnRef idx="2">
         <a:scrgbClr r="0" g="0" b="0"/>
       </a:lnRef>
-      <a:fillRef idx="3">
-        <a:scrgbClr r="0" g="0" b="0"/>
-      </a:fillRef>
-      <a:effectRef idx="2">
-        <a:scrgbClr r="0" g="0" b="0"/>
-      </a:effectRef>
-      <a:fontRef idx="minor"/>
-    </dgm:style>
-  </dgm:styleLbl>
-  <dgm:styleLbl name="revTx">
-    <dgm:scene3d>
-      <a:camera prst="orthographicFront"/>
-      <a:lightRig rig="threePt" dir="t"/>
-    </dgm:scene3d>
-    <dgm:sp3d/>
-    <dgm:txPr/>
-    <dgm:style>
-      <a:lnRef idx="0">
-        <a:scrgbClr r="0" g="0" b="0"/>
-      </a:lnRef>
-      <a:fillRef idx="0">
+      <a:fillRef idx="1">
         <a:scrgbClr r="0" g="0" b="0"/>
       </a:fillRef>
       <a:effectRef idx="0">
-        <a:scrgbClr r="0" g="0" b="0"/>
-      </a:effectRef>
-      <a:fontRef idx="minor"/>
-    </dgm:style>
-  </dgm:styleLbl>
-</dgm:styleDef>
-</file>
-
-<file path=ppt/diagrams/quickStyle2.xml><?xml version="1.0" encoding="utf-8"?>
-<dgm:styleDef xmlns:dgm="http://schemas.openxmlformats.org/drawingml/2006/diagram" xmlns:a="http://schemas.openxmlformats.org/drawingml/2006/main" uniqueId="urn:microsoft.com/office/officeart/2005/8/quickstyle/simple4">
-  <dgm:title val=""/>
-  <dgm:desc val=""/>
-  <dgm:catLst>
-    <dgm:cat type="simple" pri="10400"/>
-  </dgm:catLst>
-  <dgm:scene3d>
-    <a:camera prst="orthographicFront"/>
-    <a:lightRig rig="threePt" dir="t"/>
-  </dgm:scene3d>
-  <dgm:styleLbl name="node0">
-    <dgm:scene3d>
-      <a:camera prst="orthographicFront"/>
-      <a:lightRig rig="threePt" dir="t"/>
-    </dgm:scene3d>
-    <dgm:sp3d/>
-    <dgm:txPr/>
-    <dgm:style>
-      <a:lnRef idx="0">
-        <a:scrgbClr r="0" g="0" b="0"/>
-      </a:lnRef>
-      <a:fillRef idx="3">
-        <a:scrgbClr r="0" g="0" b="0"/>
-      </a:fillRef>
-      <a:effectRef idx="2">
-        <a:scrgbClr r="0" g="0" b="0"/>
-      </a:effectRef>
-      <a:fontRef idx="minor">
-        <a:schemeClr val="lt1"/>
-      </a:fontRef>
-    </dgm:style>
-  </dgm:styleLbl>
-  <dgm:styleLbl name="lnNode1">
-    <dgm:scene3d>
-      <a:camera prst="orthographicFront"/>
-      <a:lightRig rig="threePt" dir="t"/>
-    </dgm:scene3d>
-    <dgm:sp3d/>
-    <dgm:txPr/>
-    <dgm:style>
-      <a:lnRef idx="1">
-        <a:scrgbClr r="0" g="0" b="0"/>
-      </a:lnRef>
-      <a:fillRef idx="3">
-        <a:scrgbClr r="0" g="0" b="0"/>
-      </a:fillRef>
-      <a:effectRef idx="2">
-        <a:scrgbClr r="0" g="0" b="0"/>
-      </a:effectRef>
-      <a:fontRef idx="minor">
-        <a:schemeClr val="lt1"/>
-      </a:fontRef>
-    </dgm:style>
-  </dgm:styleLbl>
-  <dgm:styleLbl name="vennNode1">
-    <dgm:scene3d>
-      <a:camera prst="orthographicFront"/>
-      <a:lightRig rig="threePt" dir="t"/>
-    </dgm:scene3d>
-    <dgm:sp3d/>
-    <dgm:txPr/>
-    <dgm:style>
-      <a:lnRef idx="0">
-        <a:scrgbClr r="0" g="0" b="0"/>
-      </a:lnRef>
-      <a:fillRef idx="3">
-        <a:scrgbClr r="0" g="0" b="0"/>
-      </a:fillRef>
-      <a:effectRef idx="0">
-        <a:scrgbClr r="0" g="0" b="0"/>
-      </a:effectRef>
-      <a:fontRef idx="minor">
-        <a:schemeClr val="tx1"/>
-      </a:fontRef>
-    </dgm:style>
-  </dgm:styleLbl>
-  <dgm:styleLbl name="alignNode1">
-    <dgm:scene3d>
-      <a:camera prst="orthographicFront"/>
-      <a:lightRig rig="threePt" dir="t"/>
-    </dgm:scene3d>
-    <dgm:sp3d/>
-    <dgm:txPr/>
-    <dgm:style>
-      <a:lnRef idx="1">
-        <a:scrgbClr r="0" g="0" b="0"/>
-      </a:lnRef>
-      <a:fillRef idx="3">
-        <a:scrgbClr r="0" g="0" b="0"/>
-      </a:fillRef>
-      <a:effectRef idx="2">
-        <a:scrgbClr r="0" g="0" b="0"/>
-      </a:effectRef>
-      <a:fontRef idx="minor">
-        <a:schemeClr val="lt1"/>
-      </a:fontRef>
-    </dgm:style>
-  </dgm:styleLbl>
-  <dgm:styleLbl name="node1">
-    <dgm:scene3d>
-      <a:camera prst="orthographicFront"/>
-      <a:lightRig rig="threePt" dir="t"/>
-    </dgm:scene3d>
-    <dgm:sp3d/>
-    <dgm:txPr/>
-    <dgm:style>
-      <a:lnRef idx="0">
-        <a:scrgbClr r="0" g="0" b="0"/>
-      </a:lnRef>
-      <a:fillRef idx="3">
-        <a:scrgbClr r="0" g="0" b="0"/>
-      </a:fillRef>
-      <a:effectRef idx="2">
-        <a:scrgbClr r="0" g="0" b="0"/>
-      </a:effectRef>
-      <a:fontRef idx="minor">
-        <a:schemeClr val="lt1"/>
-      </a:fontRef>
-    </dgm:style>
-  </dgm:styleLbl>
-  <dgm:styleLbl name="node2">
-    <dgm:scene3d>
-      <a:camera prst="orthographicFront"/>
-      <a:lightRig rig="threePt" dir="t"/>
-    </dgm:scene3d>
-    <dgm:sp3d/>
-    <dgm:txPr/>
-    <dgm:style>
-      <a:lnRef idx="0">
-        <a:scrgbClr r="0" g="0" b="0"/>
-      </a:lnRef>
-      <a:fillRef idx="3">
-        <a:scrgbClr r="0" g="0" b="0"/>
-      </a:fillRef>
-      <a:effectRef idx="2">
-        <a:scrgbClr r="0" g="0" b="0"/>
-      </a:effectRef>
-      <a:fontRef idx="minor">
-        <a:schemeClr val="lt1"/>
-      </a:fontRef>
-    </dgm:style>
-  </dgm:styleLbl>
-  <dgm:styleLbl name="node3">
-    <dgm:scene3d>
-      <a:camera prst="orthographicFront"/>
-      <a:lightRig rig="threePt" dir="t"/>
-    </dgm:scene3d>
-    <dgm:sp3d/>
-    <dgm:txPr/>
-    <dgm:style>
-      <a:lnRef idx="0">
-        <a:scrgbClr r="0" g="0" b="0"/>
-      </a:lnRef>
-      <a:fillRef idx="3">
-        <a:scrgbClr r="0" g="0" b="0"/>
-      </a:fillRef>
-      <a:effectRef idx="2">
-        <a:scrgbClr r="0" g="0" b="0"/>
-      </a:effectRef>
-      <a:fontRef idx="minor">
-        <a:schemeClr val="lt1"/>
-      </a:fontRef>
-    </dgm:style>
-  </dgm:styleLbl>
-  <dgm:styleLbl name="node4">
-    <dgm:scene3d>
-      <a:camera prst="orthographicFront"/>
-      <a:lightRig rig="threePt" dir="t"/>
-    </dgm:scene3d>
-    <dgm:sp3d/>
-    <dgm:txPr/>
-    <dgm:style>
-      <a:lnRef idx="0">
-        <a:scrgbClr r="0" g="0" b="0"/>
-      </a:lnRef>
-      <a:fillRef idx="3">
-        <a:scrgbClr r="0" g="0" b="0"/>
-      </a:fillRef>
-      <a:effectRef idx="2">
-        <a:scrgbClr r="0" g="0" b="0"/>
-      </a:effectRef>
-      <a:fontRef idx="minor">
-        <a:schemeClr val="lt1"/>
-      </a:fontRef>
-    </dgm:style>
-  </dgm:styleLbl>
-  <dgm:styleLbl name="fgImgPlace1">
-    <dgm:scene3d>
-      <a:camera prst="orthographicFront"/>
-      <a:lightRig rig="threePt" dir="t"/>
-    </dgm:scene3d>
-    <dgm:sp3d/>
-    <dgm:txPr/>
-    <dgm:style>
-      <a:lnRef idx="0">
-        <a:scrgbClr r="0" g="0" b="0"/>
-      </a:lnRef>
-      <a:fillRef idx="1">
-        <a:scrgbClr r="0" g="0" b="0"/>
-      </a:fillRef>
-      <a:effectRef idx="2">
-        <a:scrgbClr r="0" g="0" b="0"/>
-      </a:effectRef>
-      <a:fontRef idx="minor"/>
-    </dgm:style>
-  </dgm:styleLbl>
-  <dgm:styleLbl name="alignImgPlace1">
-    <dgm:scene3d>
-      <a:camera prst="orthographicFront"/>
-      <a:lightRig rig="threePt" dir="t"/>
-    </dgm:scene3d>
-    <dgm:sp3d/>
-    <dgm:txPr/>
-    <dgm:style>
-      <a:lnRef idx="0">
-        <a:scrgbClr r="0" g="0" b="0"/>
-      </a:lnRef>
-      <a:fillRef idx="1">
-        <a:scrgbClr r="0" g="0" b="0"/>
-      </a:fillRef>
-      <a:effectRef idx="2">
-        <a:scrgbClr r="0" g="0" b="0"/>
-      </a:effectRef>
-      <a:fontRef idx="minor"/>
-    </dgm:style>
-  </dgm:styleLbl>
-  <dgm:styleLbl name="bgImgPlace1">
-    <dgm:scene3d>
-      <a:camera prst="orthographicFront"/>
-      <a:lightRig rig="threePt" dir="t"/>
-    </dgm:scene3d>
-    <dgm:sp3d/>
-    <dgm:txPr/>
-    <dgm:style>
-      <a:lnRef idx="0">
-        <a:scrgbClr r="0" g="0" b="0"/>
-      </a:lnRef>
-      <a:fillRef idx="1">
-        <a:scrgbClr r="0" g="0" b="0"/>
-      </a:fillRef>
-      <a:effectRef idx="2">
-        <a:scrgbClr r="0" g="0" b="0"/>
-      </a:effectRef>
-      <a:fontRef idx="minor"/>
-    </dgm:style>
-  </dgm:styleLbl>
-  <dgm:styleLbl name="sibTrans2D1">
-    <dgm:scene3d>
-      <a:camera prst="orthographicFront"/>
-      <a:lightRig rig="threePt" dir="t"/>
-    </dgm:scene3d>
-    <dgm:sp3d/>
-    <dgm:txPr/>
-    <dgm:style>
-      <a:lnRef idx="0">
-        <a:scrgbClr r="0" g="0" b="0"/>
-      </a:lnRef>
-      <a:fillRef idx="3">
-        <a:scrgbClr r="0" g="0" b="0"/>
-      </a:fillRef>
-      <a:effectRef idx="2">
-        <a:scrgbClr r="0" g="0" b="0"/>
-      </a:effectRef>
-      <a:fontRef idx="minor">
-        <a:schemeClr val="lt1"/>
-      </a:fontRef>
-    </dgm:style>
-  </dgm:styleLbl>
-  <dgm:styleLbl name="fgSibTrans2D1">
-    <dgm:scene3d>
-      <a:camera prst="orthographicFront"/>
-      <a:lightRig rig="threePt" dir="t"/>
-    </dgm:scene3d>
-    <dgm:sp3d/>
-    <dgm:txPr/>
-    <dgm:style>
-      <a:lnRef idx="0">
-        <a:scrgbClr r="0" g="0" b="0"/>
-      </a:lnRef>
-      <a:fillRef idx="3">
-        <a:scrgbClr r="0" g="0" b="0"/>
-      </a:fillRef>
-      <a:effectRef idx="2">
-        <a:scrgbClr r="0" g="0" b="0"/>
-      </a:effectRef>
-      <a:fontRef idx="minor">
-        <a:schemeClr val="lt1"/>
-      </a:fontRef>
-    </dgm:style>
-  </dgm:styleLbl>
-  <dgm:styleLbl name="bgSibTrans2D1">
-    <dgm:scene3d>
-      <a:camera prst="orthographicFront"/>
-      <a:lightRig rig="threePt" dir="t"/>
-    </dgm:scene3d>
-    <dgm:sp3d/>
-    <dgm:txPr/>
-    <dgm:style>
-      <a:lnRef idx="0">
-        <a:scrgbClr r="0" g="0" b="0"/>
-      </a:lnRef>
-      <a:fillRef idx="3">
-        <a:scrgbClr r="0" g="0" b="0"/>
-      </a:fillRef>
-      <a:effectRef idx="2">
-        <a:scrgbClr r="0" g="0" b="0"/>
-      </a:effectRef>
-      <a:fontRef idx="minor">
-        <a:schemeClr val="lt1"/>
-      </a:fontRef>
-    </dgm:style>
-  </dgm:styleLbl>
-  <dgm:styleLbl name="sibTrans1D1">
-    <dgm:scene3d>
-      <a:camera prst="orthographicFront"/>
-      <a:lightRig rig="threePt" dir="t"/>
-    </dgm:scene3d>
-    <dgm:sp3d/>
-    <dgm:txPr/>
-    <dgm:style>
-      <a:lnRef idx="1">
-        <a:scrgbClr r="0" g="0" b="0"/>
-      </a:lnRef>
-      <a:fillRef idx="0">
-        <a:scrgbClr r="0" g="0" b="0"/>
-      </a:fillRef>
-      <a:effectRef idx="0">
-        <a:scrgbClr r="0" g="0" b="0"/>
-      </a:effectRef>
-      <a:fontRef idx="minor"/>
-    </dgm:style>
-  </dgm:styleLbl>
-  <dgm:styleLbl name="callout">
-    <dgm:scene3d>
-      <a:camera prst="orthographicFront"/>
-      <a:lightRig rig="threePt" dir="t"/>
-    </dgm:scene3d>
-    <dgm:sp3d/>
-    <dgm:txPr/>
-    <dgm:style>
-      <a:lnRef idx="2">
-        <a:scrgbClr r="0" g="0" b="0"/>
-      </a:lnRef>
-      <a:fillRef idx="1">
-        <a:scrgbClr r="0" g="0" b="0"/>
-      </a:fillRef>
-      <a:effectRef idx="1">
-        <a:scrgbClr r="0" g="0" b="0"/>
-      </a:effectRef>
-      <a:fontRef idx="minor"/>
-    </dgm:style>
-  </dgm:styleLbl>
-  <dgm:styleLbl name="asst0">
-    <dgm:scene3d>
-      <a:camera prst="orthographicFront"/>
-      <a:lightRig rig="threePt" dir="t"/>
-    </dgm:scene3d>
-    <dgm:sp3d/>
-    <dgm:txPr/>
-    <dgm:style>
-      <a:lnRef idx="0">
-        <a:scrgbClr r="0" g="0" b="0"/>
-      </a:lnRef>
-      <a:fillRef idx="3">
-        <a:scrgbClr r="0" g="0" b="0"/>
-      </a:fillRef>
-      <a:effectRef idx="2">
-        <a:scrgbClr r="0" g="0" b="0"/>
-      </a:effectRef>
-      <a:fontRef idx="minor">
-        <a:schemeClr val="lt1"/>
-      </a:fontRef>
-    </dgm:style>
-  </dgm:styleLbl>
-  <dgm:styleLbl name="asst1">
-    <dgm:scene3d>
-      <a:camera prst="orthographicFront"/>
-      <a:lightRig rig="threePt" dir="t"/>
-    </dgm:scene3d>
-    <dgm:sp3d/>
-    <dgm:txPr/>
-    <dgm:style>
-      <a:lnRef idx="0">
-        <a:scrgbClr r="0" g="0" b="0"/>
-      </a:lnRef>
-      <a:fillRef idx="3">
-        <a:scrgbClr r="0" g="0" b="0"/>
-      </a:fillRef>
-      <a:effectRef idx="2">
-        <a:scrgbClr r="0" g="0" b="0"/>
-      </a:effectRef>
-      <a:fontRef idx="minor">
-        <a:schemeClr val="lt1"/>
-      </a:fontRef>
-    </dgm:style>
-  </dgm:styleLbl>
-  <dgm:styleLbl name="asst2">
-    <dgm:scene3d>
-      <a:camera prst="orthographicFront"/>
-      <a:lightRig rig="threePt" dir="t"/>
-    </dgm:scene3d>
-    <dgm:sp3d/>
-    <dgm:txPr/>
-    <dgm:style>
-      <a:lnRef idx="0">
-        <a:scrgbClr r="0" g="0" b="0"/>
-      </a:lnRef>
-      <a:fillRef idx="3">
-        <a:scrgbClr r="0" g="0" b="0"/>
-      </a:fillRef>
-      <a:effectRef idx="2">
-        <a:scrgbClr r="0" g="0" b="0"/>
-      </a:effectRef>
-      <a:fontRef idx="minor">
-        <a:schemeClr val="lt1"/>
-      </a:fontRef>
-    </dgm:style>
-  </dgm:styleLbl>
-  <dgm:styleLbl name="asst3">
-    <dgm:scene3d>
-      <a:camera prst="orthographicFront"/>
-      <a:lightRig rig="threePt" dir="t"/>
-    </dgm:scene3d>
-    <dgm:sp3d/>
-    <dgm:txPr/>
-    <dgm:style>
-      <a:lnRef idx="0">
-        <a:scrgbClr r="0" g="0" b="0"/>
-      </a:lnRef>
-      <a:fillRef idx="3">
-        <a:scrgbClr r="0" g="0" b="0"/>
-      </a:fillRef>
-      <a:effectRef idx="2">
-        <a:scrgbClr r="0" g="0" b="0"/>
-      </a:effectRef>
-      <a:fontRef idx="minor">
-        <a:schemeClr val="lt1"/>
-      </a:fontRef>
-    </dgm:style>
-  </dgm:styleLbl>
-  <dgm:styleLbl name="asst4">
-    <dgm:scene3d>
-      <a:camera prst="orthographicFront"/>
-      <a:lightRig rig="threePt" dir="t"/>
-    </dgm:scene3d>
-    <dgm:sp3d/>
-    <dgm:txPr/>
-    <dgm:style>
-      <a:lnRef idx="0">
-        <a:scrgbClr r="0" g="0" b="0"/>
-      </a:lnRef>
-      <a:fillRef idx="3">
-        <a:scrgbClr r="0" g="0" b="0"/>
-      </a:fillRef>
-      <a:effectRef idx="2">
-        <a:scrgbClr r="0" g="0" b="0"/>
-      </a:effectRef>
-      <a:fontRef idx="minor">
-        <a:schemeClr val="lt1"/>
-      </a:fontRef>
-    </dgm:style>
-  </dgm:styleLbl>
-  <dgm:styleLbl name="parChTrans2D1">
-    <dgm:scene3d>
-      <a:camera prst="orthographicFront"/>
-      <a:lightRig rig="threePt" dir="t"/>
-    </dgm:scene3d>
-    <dgm:sp3d/>
-    <dgm:txPr/>
-    <dgm:style>
-      <a:lnRef idx="0">
-        <a:scrgbClr r="0" g="0" b="0"/>
-      </a:lnRef>
-      <a:fillRef idx="3">
-        <a:scrgbClr r="0" g="0" b="0"/>
-      </a:fillRef>
-      <a:effectRef idx="2">
-        <a:scrgbClr r="0" g="0" b="0"/>
-      </a:effectRef>
-      <a:fontRef idx="minor">
-        <a:schemeClr val="lt1"/>
-      </a:fontRef>
-    </dgm:style>
-  </dgm:styleLbl>
-  <dgm:styleLbl name="parChTrans2D2">
-    <dgm:scene3d>
-      <a:camera prst="orthographicFront"/>
-      <a:lightRig rig="threePt" dir="t"/>
-    </dgm:scene3d>
-    <dgm:sp3d/>
-    <dgm:txPr/>
-    <dgm:style>
-      <a:lnRef idx="0">
-        <a:scrgbClr r="0" g="0" b="0"/>
-      </a:lnRef>
-      <a:fillRef idx="3">
-        <a:scrgbClr r="0" g="0" b="0"/>
-      </a:fillRef>
-      <a:effectRef idx="2">
-        <a:scrgbClr r="0" g="0" b="0"/>
-      </a:effectRef>
-      <a:fontRef idx="minor">
-        <a:schemeClr val="lt1"/>
-      </a:fontRef>
-    </dgm:style>
-  </dgm:styleLbl>
-  <dgm:styleLbl name="parChTrans2D3">
-    <dgm:scene3d>
-      <a:camera prst="orthographicFront"/>
-      <a:lightRig rig="threePt" dir="t"/>
-    </dgm:scene3d>
-    <dgm:sp3d/>
-    <dgm:txPr/>
-    <dgm:style>
-      <a:lnRef idx="1">
-        <a:scrgbClr r="0" g="0" b="0"/>
-      </a:lnRef>
-      <a:fillRef idx="3">
-        <a:scrgbClr r="0" g="0" b="0"/>
-      </a:fillRef>
-      <a:effectRef idx="2">
-        <a:scrgbClr r="0" g="0" b="0"/>
-      </a:effectRef>
-      <a:fontRef idx="minor">
-        <a:schemeClr val="lt1"/>
-      </a:fontRef>
-    </dgm:style>
-  </dgm:styleLbl>
-  <dgm:styleLbl name="parChTrans2D4">
-    <dgm:scene3d>
-      <a:camera prst="orthographicFront"/>
-      <a:lightRig rig="threePt" dir="t"/>
-    </dgm:scene3d>
-    <dgm:sp3d/>
-    <dgm:txPr/>
-    <dgm:style>
-      <a:lnRef idx="1">
-        <a:scrgbClr r="0" g="0" b="0"/>
-      </a:lnRef>
-      <a:fillRef idx="3">
-        <a:scrgbClr r="0" g="0" b="0"/>
-      </a:fillRef>
-      <a:effectRef idx="2">
-        <a:scrgbClr r="0" g="0" b="0"/>
-      </a:effectRef>
-      <a:fontRef idx="minor">
-        <a:schemeClr val="lt1"/>
-      </a:fontRef>
-    </dgm:style>
-  </dgm:styleLbl>
-  <dgm:styleLbl name="parChTrans1D1">
-    <dgm:scene3d>
-      <a:camera prst="orthographicFront"/>
-      <a:lightRig rig="threePt" dir="t"/>
-    </dgm:scene3d>
-    <dgm:sp3d/>
-    <dgm:txPr/>
-    <dgm:style>
-      <a:lnRef idx="1">
-        <a:scrgbClr r="0" g="0" b="0"/>
-      </a:lnRef>
-      <a:fillRef idx="0">
-        <a:scrgbClr r="0" g="0" b="0"/>
-      </a:fillRef>
-      <a:effectRef idx="0">
-        <a:scrgbClr r="0" g="0" b="0"/>
-      </a:effectRef>
-      <a:fontRef idx="minor"/>
-    </dgm:style>
-  </dgm:styleLbl>
-  <dgm:styleLbl name="parChTrans1D2">
-    <dgm:scene3d>
-      <a:camera prst="orthographicFront"/>
-      <a:lightRig rig="threePt" dir="t"/>
-    </dgm:scene3d>
-    <dgm:sp3d/>
-    <dgm:txPr/>
-    <dgm:style>
-      <a:lnRef idx="1">
-        <a:scrgbClr r="0" g="0" b="0"/>
-      </a:lnRef>
-      <a:fillRef idx="0">
-        <a:scrgbClr r="0" g="0" b="0"/>
-      </a:fillRef>
-      <a:effectRef idx="0">
-        <a:scrgbClr r="0" g="0" b="0"/>
-      </a:effectRef>
-      <a:fontRef idx="minor"/>
-    </dgm:style>
-  </dgm:styleLbl>
-  <dgm:styleLbl name="parChTrans1D3">
-    <dgm:scene3d>
-      <a:camera prst="orthographicFront"/>
-      <a:lightRig rig="threePt" dir="t"/>
-    </dgm:scene3d>
-    <dgm:sp3d/>
-    <dgm:txPr/>
-    <dgm:style>
-      <a:lnRef idx="1">
-        <a:scrgbClr r="0" g="0" b="0"/>
-      </a:lnRef>
-      <a:fillRef idx="0">
-        <a:scrgbClr r="0" g="0" b="0"/>
-      </a:fillRef>
-      <a:effectRef idx="0">
-        <a:scrgbClr r="0" g="0" b="0"/>
-      </a:effectRef>
-      <a:fontRef idx="minor"/>
-    </dgm:style>
-  </dgm:styleLbl>
-  <dgm:styleLbl name="parChTrans1D4">
-    <dgm:scene3d>
-      <a:camera prst="orthographicFront"/>
-      <a:lightRig rig="threePt" dir="t"/>
-    </dgm:scene3d>
-    <dgm:sp3d/>
-    <dgm:txPr/>
-    <dgm:style>
-      <a:lnRef idx="1">
-        <a:scrgbClr r="0" g="0" b="0"/>
-      </a:lnRef>
-      <a:fillRef idx="0">
-        <a:scrgbClr r="0" g="0" b="0"/>
-      </a:fillRef>
-      <a:effectRef idx="0">
-        <a:scrgbClr r="0" g="0" b="0"/>
-      </a:effectRef>
-      <a:fontRef idx="minor"/>
-    </dgm:style>
-  </dgm:styleLbl>
-  <dgm:styleLbl name="fgAcc1">
-    <dgm:scene3d>
-      <a:camera prst="orthographicFront"/>
-      <a:lightRig rig="threePt" dir="t"/>
-    </dgm:scene3d>
-    <dgm:sp3d/>
-    <dgm:txPr/>
-    <dgm:style>
-      <a:lnRef idx="1">
-        <a:scrgbClr r="0" g="0" b="0"/>
-      </a:lnRef>
-      <a:fillRef idx="1">
-        <a:scrgbClr r="0" g="0" b="0"/>
-      </a:fillRef>
-      <a:effectRef idx="0">
-        <a:scrgbClr r="0" g="0" b="0"/>
-      </a:effectRef>
-      <a:fontRef idx="minor"/>
-    </dgm:style>
-  </dgm:styleLbl>
-  <dgm:styleLbl name="conFgAcc1">
-    <dgm:scene3d>
-      <a:camera prst="orthographicFront"/>
-      <a:lightRig rig="threePt" dir="t"/>
-    </dgm:scene3d>
-    <dgm:sp3d/>
-    <dgm:txPr/>
-    <dgm:style>
-      <a:lnRef idx="1">
-        <a:scrgbClr r="0" g="0" b="0"/>
-      </a:lnRef>
-      <a:fillRef idx="1">
-        <a:scrgbClr r="0" g="0" b="0"/>
-      </a:fillRef>
-      <a:effectRef idx="0">
-        <a:scrgbClr r="0" g="0" b="0"/>
-      </a:effectRef>
-      <a:fontRef idx="minor"/>
-    </dgm:style>
-  </dgm:styleLbl>
-  <dgm:styleLbl name="alignAcc1">
-    <dgm:scene3d>
-      <a:camera prst="orthographicFront"/>
-      <a:lightRig rig="threePt" dir="t"/>
-    </dgm:scene3d>
-    <dgm:sp3d/>
-    <dgm:txPr/>
-    <dgm:style>
-      <a:lnRef idx="1">
-        <a:scrgbClr r="0" g="0" b="0"/>
-      </a:lnRef>
-      <a:fillRef idx="1">
-        <a:scrgbClr r="0" g="0" b="0"/>
-      </a:fillRef>
-      <a:effectRef idx="0">
-        <a:scrgbClr r="0" g="0" b="0"/>
-      </a:effectRef>
-      <a:fontRef idx="minor"/>
-    </dgm:style>
-  </dgm:styleLbl>
-  <dgm:styleLbl name="trAlignAcc1">
-    <dgm:scene3d>
-      <a:camera prst="orthographicFront"/>
-      <a:lightRig rig="threePt" dir="t"/>
-    </dgm:scene3d>
-    <dgm:sp3d/>
-    <dgm:txPr/>
-    <dgm:style>
-      <a:lnRef idx="1">
-        <a:scrgbClr r="0" g="0" b="0"/>
-      </a:lnRef>
-      <a:fillRef idx="1">
-        <a:scrgbClr r="0" g="0" b="0"/>
-      </a:fillRef>
-      <a:effectRef idx="0">
-        <a:scrgbClr r="0" g="0" b="0"/>
-      </a:effectRef>
-      <a:fontRef idx="minor"/>
-    </dgm:style>
-  </dgm:styleLbl>
-  <dgm:styleLbl name="bgAcc1">
-    <dgm:scene3d>
-      <a:camera prst="orthographicFront"/>
-      <a:lightRig rig="threePt" dir="t"/>
-    </dgm:scene3d>
-    <dgm:sp3d/>
-    <dgm:txPr/>
-    <dgm:style>
-      <a:lnRef idx="1">
-        <a:scrgbClr r="0" g="0" b="0"/>
-      </a:lnRef>
-      <a:fillRef idx="1">
-        <a:scrgbClr r="0" g="0" b="0"/>
-      </a:fillRef>
-      <a:effectRef idx="0">
-        <a:scrgbClr r="0" g="0" b="0"/>
-      </a:effectRef>
-      <a:fontRef idx="minor"/>
-    </dgm:style>
-  </dgm:styleLbl>
-  <dgm:styleLbl name="solidFgAcc1">
-    <dgm:scene3d>
-      <a:camera prst="orthographicFront"/>
-      <a:lightRig rig="threePt" dir="t"/>
-    </dgm:scene3d>
-    <dgm:sp3d/>
-    <dgm:txPr/>
-    <dgm:style>
-      <a:lnRef idx="1">
-        <a:scrgbClr r="0" g="0" b="0"/>
-      </a:lnRef>
-      <a:fillRef idx="1">
-        <a:scrgbClr r="0" g="0" b="0"/>
-      </a:fillRef>
-      <a:effectRef idx="0">
-        <a:scrgbClr r="0" g="0" b="0"/>
-      </a:effectRef>
-      <a:fontRef idx="minor"/>
-    </dgm:style>
-  </dgm:styleLbl>
-  <dgm:styleLbl name="solidAlignAcc1">
-    <dgm:scene3d>
-      <a:camera prst="orthographicFront"/>
-      <a:lightRig rig="threePt" dir="t"/>
-    </dgm:scene3d>
-    <dgm:sp3d/>
-    <dgm:txPr/>
-    <dgm:style>
-      <a:lnRef idx="1">
-        <a:scrgbClr r="0" g="0" b="0"/>
-      </a:lnRef>
-      <a:fillRef idx="1">
-        <a:scrgbClr r="0" g="0" b="0"/>
-      </a:fillRef>
-      <a:effectRef idx="0">
-        <a:scrgbClr r="0" g="0" b="0"/>
-      </a:effectRef>
-      <a:fontRef idx="minor"/>
-    </dgm:style>
-  </dgm:styleLbl>
-  <dgm:styleLbl name="solidBgAcc1">
-    <dgm:scene3d>
-      <a:camera prst="orthographicFront"/>
-      <a:lightRig rig="threePt" dir="t"/>
-    </dgm:scene3d>
-    <dgm:sp3d/>
-    <dgm:txPr/>
-    <dgm:style>
-      <a:lnRef idx="1">
-        <a:scrgbClr r="0" g="0" b="0"/>
-      </a:lnRef>
-      <a:fillRef idx="1">
-        <a:scrgbClr r="0" g="0" b="0"/>
-      </a:fillRef>
-      <a:effectRef idx="0">
-        <a:scrgbClr r="0" g="0" b="0"/>
-      </a:effectRef>
-      <a:fontRef idx="minor"/>
-    </dgm:style>
-  </dgm:styleLbl>
-  <dgm:styleLbl name="fgAccFollowNode1">
-    <dgm:scene3d>
-      <a:camera prst="orthographicFront"/>
-      <a:lightRig rig="threePt" dir="t"/>
-    </dgm:scene3d>
-    <dgm:sp3d/>
-    <dgm:txPr/>
-    <dgm:style>
-      <a:lnRef idx="1">
-        <a:scrgbClr r="0" g="0" b="0"/>
-      </a:lnRef>
-      <a:fillRef idx="1">
-        <a:scrgbClr r="0" g="0" b="0"/>
-      </a:fillRef>
-      <a:effectRef idx="0">
-        <a:scrgbClr r="0" g="0" b="0"/>
-      </a:effectRef>
-      <a:fontRef idx="minor"/>
-    </dgm:style>
-  </dgm:styleLbl>
-  <dgm:styleLbl name="alignAccFollowNode1">
-    <dgm:scene3d>
-      <a:camera prst="orthographicFront"/>
-      <a:lightRig rig="threePt" dir="t"/>
-    </dgm:scene3d>
-    <dgm:sp3d/>
-    <dgm:txPr/>
-    <dgm:style>
-      <a:lnRef idx="1">
-        <a:scrgbClr r="0" g="0" b="0"/>
-      </a:lnRef>
-      <a:fillRef idx="1">
-        <a:scrgbClr r="0" g="0" b="0"/>
-      </a:fillRef>
-      <a:effectRef idx="0">
-        <a:scrgbClr r="0" g="0" b="0"/>
-      </a:effectRef>
-      <a:fontRef idx="minor"/>
-    </dgm:style>
-  </dgm:styleLbl>
-  <dgm:styleLbl name="bgAccFollowNode1">
-    <dgm:scene3d>
-      <a:camera prst="orthographicFront"/>
-      <a:lightRig rig="threePt" dir="t"/>
-    </dgm:scene3d>
-    <dgm:sp3d/>
-    <dgm:txPr/>
-    <dgm:style>
-      <a:lnRef idx="1">
-        <a:scrgbClr r="0" g="0" b="0"/>
-      </a:lnRef>
-      <a:fillRef idx="1">
-        <a:scrgbClr r="0" g="0" b="0"/>
-      </a:fillRef>
-      <a:effectRef idx="0">
-        <a:scrgbClr r="0" g="0" b="0"/>
-      </a:effectRef>
-      <a:fontRef idx="minor"/>
-    </dgm:style>
-  </dgm:styleLbl>
-  <dgm:styleLbl name="fgAcc0">
-    <dgm:scene3d>
-      <a:camera prst="orthographicFront"/>
-      <a:lightRig rig="threePt" dir="t"/>
-    </dgm:scene3d>
-    <dgm:sp3d/>
-    <dgm:txPr/>
-    <dgm:style>
-      <a:lnRef idx="1">
-        <a:scrgbClr r="0" g="0" b="0"/>
-      </a:lnRef>
-      <a:fillRef idx="1">
-        <a:scrgbClr r="0" g="0" b="0"/>
-      </a:fillRef>
-      <a:effectRef idx="0">
-        <a:scrgbClr r="0" g="0" b="0"/>
-      </a:effectRef>
-      <a:fontRef idx="minor"/>
-    </dgm:style>
-  </dgm:styleLbl>
-  <dgm:styleLbl name="fgAcc2">
-    <dgm:scene3d>
-      <a:camera prst="orthographicFront"/>
-      <a:lightRig rig="threePt" dir="t"/>
-    </dgm:scene3d>
-    <dgm:sp3d/>
-    <dgm:txPr/>
-    <dgm:style>
-      <a:lnRef idx="1">
-        <a:scrgbClr r="0" g="0" b="0"/>
-      </a:lnRef>
-      <a:fillRef idx="1">
-        <a:scrgbClr r="0" g="0" b="0"/>
-      </a:fillRef>
-      <a:effectRef idx="0">
-        <a:scrgbClr r="0" g="0" b="0"/>
-      </a:effectRef>
-      <a:fontRef idx="minor"/>
-    </dgm:style>
-  </dgm:styleLbl>
-  <dgm:styleLbl name="fgAcc3">
-    <dgm:scene3d>
-      <a:camera prst="orthographicFront"/>
-      <a:lightRig rig="threePt" dir="t"/>
-    </dgm:scene3d>
-    <dgm:sp3d/>
-    <dgm:txPr/>
-    <dgm:style>
-      <a:lnRef idx="1">
-        <a:scrgbClr r="0" g="0" b="0"/>
-      </a:lnRef>
-      <a:fillRef idx="1">
-        <a:scrgbClr r="0" g="0" b="0"/>
-      </a:fillRef>
-      <a:effectRef idx="0">
-        <a:scrgbClr r="0" g="0" b="0"/>
-      </a:effectRef>
-      <a:fontRef idx="minor"/>
-    </dgm:style>
-  </dgm:styleLbl>
-  <dgm:styleLbl name="fgAcc4">
-    <dgm:scene3d>
-      <a:camera prst="orthographicFront"/>
-      <a:lightRig rig="threePt" dir="t"/>
-    </dgm:scene3d>
-    <dgm:sp3d/>
-    <dgm:txPr/>
-    <dgm:style>
-      <a:lnRef idx="1">
-        <a:scrgbClr r="0" g="0" b="0"/>
-      </a:lnRef>
-      <a:fillRef idx="1">
-        <a:scrgbClr r="0" g="0" b="0"/>
-      </a:fillRef>
-      <a:effectRef idx="0">
-        <a:scrgbClr r="0" g="0" b="0"/>
-      </a:effectRef>
-      <a:fontRef idx="minor"/>
-    </dgm:style>
-  </dgm:styleLbl>
-  <dgm:styleLbl name="bgShp">
-    <dgm:scene3d>
-      <a:camera prst="orthographicFront"/>
-      <a:lightRig rig="threePt" dir="t"/>
-    </dgm:scene3d>
-    <dgm:sp3d/>
-    <dgm:txPr/>
-    <dgm:style>
-      <a:lnRef idx="0">
-        <a:scrgbClr r="0" g="0" b="0"/>
-      </a:lnRef>
-      <a:fillRef idx="1">
-        <a:scrgbClr r="0" g="0" b="0"/>
-      </a:fillRef>
-      <a:effectRef idx="2">
-        <a:scrgbClr r="0" g="0" b="0"/>
-      </a:effectRef>
-      <a:fontRef idx="minor"/>
-    </dgm:style>
-  </dgm:styleLbl>
-  <dgm:styleLbl name="dkBgShp">
-    <dgm:scene3d>
-      <a:camera prst="orthographicFront"/>
-      <a:lightRig rig="threePt" dir="t"/>
-    </dgm:scene3d>
-    <dgm:sp3d/>
-    <dgm:txPr/>
-    <dgm:style>
-      <a:lnRef idx="0">
-        <a:scrgbClr r="0" g="0" b="0"/>
-      </a:lnRef>
-      <a:fillRef idx="1">
-        <a:scrgbClr r="0" g="0" b="0"/>
-      </a:fillRef>
-      <a:effectRef idx="2">
-        <a:scrgbClr r="0" g="0" b="0"/>
-      </a:effectRef>
-      <a:fontRef idx="minor"/>
-    </dgm:style>
-  </dgm:styleLbl>
-  <dgm:styleLbl name="trBgShp">
-    <dgm:scene3d>
-      <a:camera prst="orthographicFront"/>
-      <a:lightRig rig="threePt" dir="t"/>
-    </dgm:scene3d>
-    <dgm:sp3d/>
-    <dgm:txPr/>
-    <dgm:style>
-      <a:lnRef idx="0">
-        <a:scrgbClr r="0" g="0" b="0"/>
-      </a:lnRef>
-      <a:fillRef idx="1">
-        <a:scrgbClr r="0" g="0" b="0"/>
-      </a:fillRef>
-      <a:effectRef idx="0">
-        <a:scrgbClr r="0" g="0" b="0"/>
-      </a:effectRef>
-      <a:fontRef idx="minor"/>
-    </dgm:style>
-  </dgm:styleLbl>
-  <dgm:styleLbl name="fgShp">
-    <dgm:scene3d>
-      <a:camera prst="orthographicFront"/>
-      <a:lightRig rig="threePt" dir="t"/>
-    </dgm:scene3d>
-    <dgm:sp3d/>
-    <dgm:txPr/>
-    <dgm:style>
-      <a:lnRef idx="0">
-        <a:scrgbClr r="0" g="0" b="0"/>
-      </a:lnRef>
-      <a:fillRef idx="3">
-        <a:scrgbClr r="0" g="0" b="0"/>
-      </a:fillRef>
-      <a:effectRef idx="2">
         <a:scrgbClr r="0" g="0" b="0"/>
       </a:effectRef>
       <a:fontRef idx="minor"/>
@@ -7421,259 +3794,7 @@
           <a:p>
             <a:fld id="{0F7C17D2-97F6-442D-8E69-9D298721DAF2}" type="slidenum">
               <a:rPr lang="fr-FR" smtClean="0"/>
-              <a:t>2</a:t>
-            </a:fld>
-            <a:endParaRPr lang="fr-FR" dirty="0"/>
-          </a:p>
-        </p:txBody>
-      </p:sp>
-    </p:spTree>
-    <p:extLst>
-      <p:ext uri="{BB962C8B-B14F-4D97-AF65-F5344CB8AC3E}">
-        <p14:creationId xmlns:p14="http://schemas.microsoft.com/office/powerpoint/2010/main" val="2555618184"/>
-      </p:ext>
-    </p:extLst>
-  </p:cSld>
-  <p:clrMapOvr>
-    <a:masterClrMapping/>
-  </p:clrMapOvr>
-</p:notes>
-</file>
-
-<file path=ppt/notesSlides/notesSlide3.xml><?xml version="1.0" encoding="utf-8"?>
-<p:notes xmlns:a="http://schemas.openxmlformats.org/drawingml/2006/main" xmlns:r="http://schemas.openxmlformats.org/officeDocument/2006/relationships" xmlns:p="http://schemas.openxmlformats.org/presentationml/2006/main">
-  <p:cSld>
-    <p:spTree>
-      <p:nvGrpSpPr>
-        <p:cNvPr id="1" name=""/>
-        <p:cNvGrpSpPr/>
-        <p:nvPr/>
-      </p:nvGrpSpPr>
-      <p:grpSpPr>
-        <a:xfrm>
-          <a:off x="0" y="0"/>
-          <a:ext cx="0" cy="0"/>
-          <a:chOff x="0" y="0"/>
-          <a:chExt cx="0" cy="0"/>
-        </a:xfrm>
-      </p:grpSpPr>
-      <p:sp>
-        <p:nvSpPr>
-          <p:cNvPr id="2" name="Espace réservé de l'image des diapositives 1"/>
-          <p:cNvSpPr>
-            <a:spLocks noGrp="1" noRot="1" noChangeAspect="1"/>
-          </p:cNvSpPr>
-          <p:nvPr>
-            <p:ph type="sldImg"/>
-          </p:nvPr>
-        </p:nvSpPr>
-        <p:spPr/>
-      </p:sp>
-      <p:sp>
-        <p:nvSpPr>
-          <p:cNvPr id="3" name="Espace réservé des notes 2"/>
-          <p:cNvSpPr>
-            <a:spLocks noGrp="1"/>
-          </p:cNvSpPr>
-          <p:nvPr>
-            <p:ph type="body" idx="1"/>
-          </p:nvPr>
-        </p:nvSpPr>
-        <p:spPr/>
-        <p:txBody>
-          <a:bodyPr/>
-          <a:lstStyle/>
-          <a:p>
-            <a:endParaRPr lang="fr-FR"/>
-          </a:p>
-        </p:txBody>
-      </p:sp>
-      <p:sp>
-        <p:nvSpPr>
-          <p:cNvPr id="4" name="Espace réservé du numéro de diapositive 3"/>
-          <p:cNvSpPr>
-            <a:spLocks noGrp="1"/>
-          </p:cNvSpPr>
-          <p:nvPr>
-            <p:ph type="sldNum" sz="quarter" idx="5"/>
-          </p:nvPr>
-        </p:nvSpPr>
-        <p:spPr/>
-        <p:txBody>
-          <a:bodyPr/>
-          <a:lstStyle/>
-          <a:p>
-            <a:fld id="{0F7C17D2-97F6-442D-8E69-9D298721DAF2}" type="slidenum">
-              <a:rPr lang="fr-FR" smtClean="0"/>
-              <a:t>3</a:t>
-            </a:fld>
-            <a:endParaRPr lang="fr-FR" dirty="0"/>
-          </a:p>
-        </p:txBody>
-      </p:sp>
-    </p:spTree>
-    <p:extLst>
-      <p:ext uri="{BB962C8B-B14F-4D97-AF65-F5344CB8AC3E}">
-        <p14:creationId xmlns:p14="http://schemas.microsoft.com/office/powerpoint/2010/main" val="3105416985"/>
-      </p:ext>
-    </p:extLst>
-  </p:cSld>
-  <p:clrMapOvr>
-    <a:masterClrMapping/>
-  </p:clrMapOvr>
-</p:notes>
-</file>
-
-<file path=ppt/notesSlides/notesSlide4.xml><?xml version="1.0" encoding="utf-8"?>
-<p:notes xmlns:a="http://schemas.openxmlformats.org/drawingml/2006/main" xmlns:r="http://schemas.openxmlformats.org/officeDocument/2006/relationships" xmlns:p="http://schemas.openxmlformats.org/presentationml/2006/main">
-  <p:cSld>
-    <p:spTree>
-      <p:nvGrpSpPr>
-        <p:cNvPr id="1" name=""/>
-        <p:cNvGrpSpPr/>
-        <p:nvPr/>
-      </p:nvGrpSpPr>
-      <p:grpSpPr>
-        <a:xfrm>
-          <a:off x="0" y="0"/>
-          <a:ext cx="0" cy="0"/>
-          <a:chOff x="0" y="0"/>
-          <a:chExt cx="0" cy="0"/>
-        </a:xfrm>
-      </p:grpSpPr>
-      <p:sp>
-        <p:nvSpPr>
-          <p:cNvPr id="2" name="Espace réservé de l'image des diapositives 1"/>
-          <p:cNvSpPr>
-            <a:spLocks noGrp="1" noRot="1" noChangeAspect="1"/>
-          </p:cNvSpPr>
-          <p:nvPr>
-            <p:ph type="sldImg"/>
-          </p:nvPr>
-        </p:nvSpPr>
-        <p:spPr/>
-      </p:sp>
-      <p:sp>
-        <p:nvSpPr>
-          <p:cNvPr id="3" name="Espace réservé des notes 2"/>
-          <p:cNvSpPr>
-            <a:spLocks noGrp="1"/>
-          </p:cNvSpPr>
-          <p:nvPr>
-            <p:ph type="body" idx="1"/>
-          </p:nvPr>
-        </p:nvSpPr>
-        <p:spPr/>
-        <p:txBody>
-          <a:bodyPr/>
-          <a:lstStyle/>
-          <a:p>
-            <a:endParaRPr lang="fr-FR"/>
-          </a:p>
-        </p:txBody>
-      </p:sp>
-      <p:sp>
-        <p:nvSpPr>
-          <p:cNvPr id="4" name="Espace réservé du numéro de diapositive 3"/>
-          <p:cNvSpPr>
-            <a:spLocks noGrp="1"/>
-          </p:cNvSpPr>
-          <p:nvPr>
-            <p:ph type="sldNum" sz="quarter" idx="5"/>
-          </p:nvPr>
-        </p:nvSpPr>
-        <p:spPr/>
-        <p:txBody>
-          <a:bodyPr/>
-          <a:lstStyle/>
-          <a:p>
-            <a:fld id="{0F7C17D2-97F6-442D-8E69-9D298721DAF2}" type="slidenum">
-              <a:rPr lang="fr-FR" smtClean="0"/>
-              <a:t>4</a:t>
-            </a:fld>
-            <a:endParaRPr lang="fr-FR"/>
-          </a:p>
-        </p:txBody>
-      </p:sp>
-    </p:spTree>
-    <p:extLst>
-      <p:ext uri="{BB962C8B-B14F-4D97-AF65-F5344CB8AC3E}">
-        <p14:creationId xmlns:p14="http://schemas.microsoft.com/office/powerpoint/2010/main" val="3605795196"/>
-      </p:ext>
-    </p:extLst>
-  </p:cSld>
-  <p:clrMapOvr>
-    <a:masterClrMapping/>
-  </p:clrMapOvr>
-</p:notes>
-</file>
-
-<file path=ppt/notesSlides/notesSlide5.xml><?xml version="1.0" encoding="utf-8"?>
-<p:notes xmlns:a="http://schemas.openxmlformats.org/drawingml/2006/main" xmlns:r="http://schemas.openxmlformats.org/officeDocument/2006/relationships" xmlns:p="http://schemas.openxmlformats.org/presentationml/2006/main">
-  <p:cSld>
-    <p:spTree>
-      <p:nvGrpSpPr>
-        <p:cNvPr id="1" name=""/>
-        <p:cNvGrpSpPr/>
-        <p:nvPr/>
-      </p:nvGrpSpPr>
-      <p:grpSpPr>
-        <a:xfrm>
-          <a:off x="0" y="0"/>
-          <a:ext cx="0" cy="0"/>
-          <a:chOff x="0" y="0"/>
-          <a:chExt cx="0" cy="0"/>
-        </a:xfrm>
-      </p:grpSpPr>
-      <p:sp>
-        <p:nvSpPr>
-          <p:cNvPr id="2" name="Espace réservé de l'image des diapositives 1"/>
-          <p:cNvSpPr>
-            <a:spLocks noGrp="1" noRot="1" noChangeAspect="1"/>
-          </p:cNvSpPr>
-          <p:nvPr>
-            <p:ph type="sldImg"/>
-          </p:nvPr>
-        </p:nvSpPr>
-        <p:spPr/>
-      </p:sp>
-      <p:sp>
-        <p:nvSpPr>
-          <p:cNvPr id="3" name="Espace réservé des notes 2"/>
-          <p:cNvSpPr>
-            <a:spLocks noGrp="1"/>
-          </p:cNvSpPr>
-          <p:nvPr>
-            <p:ph type="body" idx="1"/>
-          </p:nvPr>
-        </p:nvSpPr>
-        <p:spPr/>
-        <p:txBody>
-          <a:bodyPr/>
-          <a:lstStyle/>
-          <a:p>
-            <a:endParaRPr lang="fr-FR"/>
-          </a:p>
-        </p:txBody>
-      </p:sp>
-      <p:sp>
-        <p:nvSpPr>
-          <p:cNvPr id="4" name="Espace réservé du numéro de diapositive 3"/>
-          <p:cNvSpPr>
-            <a:spLocks noGrp="1"/>
-          </p:cNvSpPr>
-          <p:nvPr>
-            <p:ph type="sldNum" sz="quarter" idx="5"/>
-          </p:nvPr>
-        </p:nvSpPr>
-        <p:spPr/>
-        <p:txBody>
-          <a:bodyPr/>
-          <a:lstStyle/>
-          <a:p>
-            <a:fld id="{0F7C17D2-97F6-442D-8E69-9D298721DAF2}" type="slidenum">
-              <a:rPr lang="fr-FR" smtClean="0"/>
-              <a:t>5</a:t>
+              <a:t>7</a:t>
             </a:fld>
             <a:endParaRPr lang="fr-FR"/>
           </a:p>
@@ -11856,14 +7977,13 @@
           </a:bodyPr>
           <a:lstStyle/>
           <a:p>
-            <a:pPr rtl="0"/>
             <a:r>
               <a:rPr lang="fr-FR" sz="4200" dirty="0">
                 <a:solidFill>
                   <a:schemeClr val="bg1"/>
                 </a:solidFill>
               </a:rPr>
-              <a:t>Technologies - Conception Dividende</a:t>
+              <a:t>Résolution par SMT avec Z3</a:t>
             </a:r>
           </a:p>
         </p:txBody>
@@ -11886,7 +8006,7 @@
         </p:nvSpPr>
         <p:spPr>
           <a:xfrm>
-            <a:off x="581194" y="5467246"/>
+            <a:off x="596717" y="5501040"/>
             <a:ext cx="10993546" cy="484822"/>
           </a:xfrm>
         </p:spPr>
@@ -11897,11 +8017,98 @@
           <a:lstStyle/>
           <a:p>
             <a:pPr rtl="0"/>
-            <a:endParaRPr lang="fr-FR">
+            <a:r>
+              <a:rPr lang="fr-FR" dirty="0">
+                <a:solidFill>
+                  <a:srgbClr val="7CEBFF"/>
+                </a:solidFill>
+              </a:rPr>
+              <a:t>Cannet capucine – CHAN-</a:t>
+            </a:r>
+            <a:r>
+              <a:rPr lang="fr-FR" dirty="0" err="1">
+                <a:solidFill>
+                  <a:srgbClr val="7CEBFF"/>
+                </a:solidFill>
+              </a:rPr>
+              <a:t>ashing</a:t>
+            </a:r>
+            <a:r>
+              <a:rPr lang="fr-FR" dirty="0">
+                <a:solidFill>
+                  <a:srgbClr val="7CEBFF"/>
+                </a:solidFill>
+              </a:rPr>
+              <a:t> </a:t>
+            </a:r>
+            <a:r>
+              <a:rPr lang="fr-FR" dirty="0" err="1">
+                <a:solidFill>
+                  <a:srgbClr val="7CEBFF"/>
+                </a:solidFill>
+              </a:rPr>
+              <a:t>tHéo</a:t>
+            </a:r>
+            <a:r>
+              <a:rPr lang="fr-FR" dirty="0">
+                <a:solidFill>
+                  <a:srgbClr val="7CEBFF"/>
+                </a:solidFill>
+              </a:rPr>
+              <a:t> – MALKA NATHAN – RIVET Clément – URUTHIRASIGAMANI </a:t>
+            </a:r>
+            <a:r>
+              <a:rPr lang="fr-FR" dirty="0" err="1">
+                <a:solidFill>
+                  <a:srgbClr val="7CEBFF"/>
+                </a:solidFill>
+              </a:rPr>
+              <a:t>mAHISHA</a:t>
+            </a:r>
+            <a:endParaRPr lang="fr-FR" dirty="0">
               <a:solidFill>
                 <a:srgbClr val="7CEBFF"/>
               </a:solidFill>
             </a:endParaRPr>
+          </a:p>
+        </p:txBody>
+      </p:sp>
+      <p:sp>
+        <p:nvSpPr>
+          <p:cNvPr id="4" name="ZoneTexte 3">
+            <a:extLst>
+              <a:ext uri="{FF2B5EF4-FFF2-40B4-BE49-F238E27FC236}">
+                <a16:creationId xmlns:a16="http://schemas.microsoft.com/office/drawing/2014/main" id="{989E8665-CB2D-4178-8662-0CEAC67BAD99}"/>
+              </a:ext>
+            </a:extLst>
+          </p:cNvPr>
+          <p:cNvSpPr txBox="1"/>
+          <p:nvPr/>
+        </p:nvSpPr>
+        <p:spPr>
+          <a:xfrm>
+            <a:off x="9780998" y="5959011"/>
+            <a:ext cx="1715784" cy="369332"/>
+          </a:xfrm>
+          <a:prstGeom prst="rect">
+            <a:avLst/>
+          </a:prstGeom>
+          <a:noFill/>
+        </p:spPr>
+        <p:txBody>
+          <a:bodyPr wrap="square" rtlCol="0">
+            <a:spAutoFit/>
+          </a:bodyPr>
+          <a:lstStyle/>
+          <a:p>
+            <a:r>
+              <a:rPr lang="fr-FR" dirty="0">
+                <a:solidFill>
+                  <a:schemeClr val="bg1"/>
+                </a:solidFill>
+              </a:rPr>
+              <a:t>Groupe 5</a:t>
+            </a:r>
           </a:p>
         </p:txBody>
       </p:sp>
@@ -11945,10 +8152,10 @@
       </p:grpSpPr>
       <p:sp useBgFill="1">
         <p:nvSpPr>
-          <p:cNvPr id="22" name="Rectangle 21">
+          <p:cNvPr id="16" name="Rectangle 15">
             <a:extLst>
               <a:ext uri="{FF2B5EF4-FFF2-40B4-BE49-F238E27FC236}">
-                <a16:creationId xmlns:a16="http://schemas.microsoft.com/office/drawing/2014/main" id="{BFDA9692-ECDC-4B59-86B2-8C90FDE1A055}"/>
+                <a16:creationId xmlns:a16="http://schemas.microsoft.com/office/drawing/2014/main" id="{8F404549-B4DC-481C-926C-DED3EF1C585B}"/>
               </a:ext>
               <a:ext uri="{C183D7F6-B498-43B3-948B-1728B52AA6E4}">
                 <adec:decorative xmlns:adec="http://schemas.microsoft.com/office/drawing/2017/decorative" val="1"/>
@@ -11968,8 +8175,8 @@
         </p:nvSpPr>
         <p:spPr>
           <a:xfrm>
-            <a:off x="0" y="536712"/>
-            <a:ext cx="12192000" cy="6321287"/>
+            <a:off x="0" y="614406"/>
+            <a:ext cx="12192000" cy="6243593"/>
           </a:xfrm>
           <a:prstGeom prst="rect">
             <a:avLst/>
@@ -11998,17 +8205,17 @@
           <a:bodyPr rtlCol="0" anchor="ctr"/>
           <a:lstStyle/>
           <a:p>
-            <a:pPr algn="ctr" rtl="0"/>
-            <a:endParaRPr lang="fr-FR" dirty="0"/>
+            <a:pPr algn="ctr"/>
+            <a:endParaRPr lang="en-US"/>
           </a:p>
         </p:txBody>
       </p:sp>
       <p:sp>
         <p:nvSpPr>
-          <p:cNvPr id="24" name="Rectangle 23">
+          <p:cNvPr id="18" name="Rectangle 17">
             <a:extLst>
               <a:ext uri="{FF2B5EF4-FFF2-40B4-BE49-F238E27FC236}">
-                <a16:creationId xmlns:a16="http://schemas.microsoft.com/office/drawing/2014/main" id="{12C05506-42A1-49C0-9D87-081CCD9023D6}"/>
+                <a16:creationId xmlns:a16="http://schemas.microsoft.com/office/drawing/2014/main" id="{1E8FD5CD-351E-4B06-8B78-BD5102D00908}"/>
               </a:ext>
               <a:ext uri="{C183D7F6-B498-43B3-948B-1728B52AA6E4}">
                 <adec:decorative xmlns:adec="http://schemas.microsoft.com/office/drawing/2017/decorative" val="1"/>
@@ -12028,8 +8235,8 @@
         </p:nvSpPr>
         <p:spPr>
           <a:xfrm>
-            <a:off x="447817" y="5141974"/>
-            <a:ext cx="11290860" cy="1258827"/>
+            <a:off x="442377" y="614407"/>
+            <a:ext cx="3707477" cy="5611772"/>
           </a:xfrm>
           <a:prstGeom prst="rect">
             <a:avLst/>
@@ -12062,7 +8269,7 @@
           <p:cNvPr id="2" name="Titre 1">
             <a:extLst>
               <a:ext uri="{FF2B5EF4-FFF2-40B4-BE49-F238E27FC236}">
-                <a16:creationId xmlns:a16="http://schemas.microsoft.com/office/drawing/2014/main" id="{5B040558-A365-4CCE-92FA-5A48CD98F9C9}"/>
+                <a16:creationId xmlns:a16="http://schemas.microsoft.com/office/drawing/2014/main" id="{CCF66CA4-2345-4A3C-BFA6-3FB16092FA52}"/>
               </a:ext>
             </a:extLst>
           </p:cNvPr>
@@ -12075,63 +8282,128 @@
         </p:nvSpPr>
         <p:spPr>
           <a:xfrm>
-            <a:off x="581192" y="5264487"/>
-            <a:ext cx="11029616" cy="718870"/>
+            <a:off x="601255" y="702156"/>
+            <a:ext cx="3409783" cy="1013800"/>
           </a:xfrm>
         </p:spPr>
         <p:txBody>
-          <a:bodyPr rtlCol="0">
+          <a:bodyPr>
             <a:normAutofit/>
           </a:bodyPr>
           <a:lstStyle/>
           <a:p>
-            <a:pPr rtl="0"/>
-            <a:r>
-              <a:rPr lang="fr-FR" dirty="0">
-                <a:solidFill>
-                  <a:srgbClr val="FFFEFF"/>
-                </a:solidFill>
-              </a:rPr>
-              <a:t>Exigences technologiques</a:t>
+            <a:pPr algn="ctr"/>
+            <a:r>
+              <a:rPr lang="fr-FR" dirty="0" err="1"/>
+              <a:t>Solvers</a:t>
+            </a:r>
+            <a:r>
+              <a:rPr lang="fr-FR" dirty="0"/>
+              <a:t> Modulo Theory</a:t>
             </a:r>
           </a:p>
         </p:txBody>
       </p:sp>
-      <p:graphicFrame>
-        <p:nvGraphicFramePr>
-          <p:cNvPr id="4" name="Espace réservé au contenu 3" descr="Graphique icône SmartArt">
+      <p:sp>
+        <p:nvSpPr>
+          <p:cNvPr id="3" name="Espace réservé du contenu 2">
             <a:extLst>
               <a:ext uri="{FF2B5EF4-FFF2-40B4-BE49-F238E27FC236}">
-                <a16:creationId xmlns:a16="http://schemas.microsoft.com/office/drawing/2014/main" id="{81E592E1-99DF-4294-A2E9-EF46299BD3F4}"/>
+                <a16:creationId xmlns:a16="http://schemas.microsoft.com/office/drawing/2014/main" id="{6072655C-CB02-4A8F-8B9E-54D2705E5A8C}"/>
               </a:ext>
             </a:extLst>
           </p:cNvPr>
-          <p:cNvGraphicFramePr>
-            <a:graphicFrameLocks noGrp="1"/>
-          </p:cNvGraphicFramePr>
+          <p:cNvSpPr>
+            <a:spLocks noGrp="1"/>
+          </p:cNvSpPr>
           <p:nvPr>
             <p:ph idx="1"/>
-            <p:extLst>
-              <p:ext uri="{D42A27DB-BD31-4B8C-83A1-F6EECF244321}">
-                <p14:modId xmlns:p14="http://schemas.microsoft.com/office/powerpoint/2010/main" val="1113841504"/>
-              </p:ext>
-            </p:extLst>
           </p:nvPr>
-        </p:nvGraphicFramePr>
-        <p:xfrm>
-          <a:off x="642938" y="858445"/>
-          <a:ext cx="10906125" cy="3961205"/>
-        </p:xfrm>
-        <a:graphic>
-          <a:graphicData uri="http://schemas.openxmlformats.org/drawingml/2006/diagram">
-            <dgm:relIds xmlns:dgm="http://schemas.openxmlformats.org/drawingml/2006/diagram" xmlns:r="http://schemas.openxmlformats.org/officeDocument/2006/relationships" r:dm="rId3" r:lo="rId4" r:qs="rId5" r:cs="rId6"/>
-          </a:graphicData>
-        </a:graphic>
-      </p:graphicFrame>
+        </p:nvSpPr>
+        <p:spPr>
+          <a:xfrm>
+            <a:off x="601255" y="1964168"/>
+            <a:ext cx="3409782" cy="4036582"/>
+          </a:xfrm>
+        </p:spPr>
+        <p:txBody>
+          <a:bodyPr>
+            <a:normAutofit/>
+          </a:bodyPr>
+          <a:lstStyle/>
+          <a:p>
+            <a:r>
+              <a:rPr lang="fr-FR" dirty="0">
+                <a:solidFill>
+                  <a:schemeClr val="bg1"/>
+                </a:solidFill>
+              </a:rPr>
+              <a:t>Travailler avec des formules mélangeant logique et théories</a:t>
+            </a:r>
+          </a:p>
+          <a:p>
+            <a:r>
+              <a:rPr lang="fr-FR" dirty="0">
+                <a:solidFill>
+                  <a:schemeClr val="bg1"/>
+                </a:solidFill>
+              </a:rPr>
+              <a:t>Satisfiabilité : il existe un modèle qui rend la formule vraie </a:t>
+            </a:r>
+          </a:p>
+          <a:p>
+            <a:r>
+              <a:rPr lang="fr-FR" dirty="0">
+                <a:solidFill>
+                  <a:schemeClr val="bg1"/>
+                </a:solidFill>
+              </a:rPr>
+              <a:t>Validité : la formule est vraie pour tout modèle </a:t>
+            </a:r>
+          </a:p>
+          <a:p>
+            <a:endParaRPr lang="fr-FR" dirty="0">
+              <a:solidFill>
+                <a:schemeClr val="bg1"/>
+              </a:solidFill>
+            </a:endParaRPr>
+          </a:p>
+        </p:txBody>
+      </p:sp>
+      <p:pic>
+        <p:nvPicPr>
+          <p:cNvPr id="4" name="Image 3">
+            <a:extLst>
+              <a:ext uri="{FF2B5EF4-FFF2-40B4-BE49-F238E27FC236}">
+                <a16:creationId xmlns:a16="http://schemas.microsoft.com/office/drawing/2014/main" id="{649DD90B-BD18-4921-A3C9-948B656ADCEA}"/>
+              </a:ext>
+            </a:extLst>
+          </p:cNvPr>
+          <p:cNvPicPr>
+            <a:picLocks noChangeAspect="1"/>
+          </p:cNvPicPr>
+          <p:nvPr/>
+        </p:nvPicPr>
+        <p:blipFill>
+          <a:blip r:embed="rId2"/>
+          <a:stretch>
+            <a:fillRect/>
+          </a:stretch>
+        </p:blipFill>
+        <p:spPr>
+          <a:xfrm>
+            <a:off x="4791522" y="2230586"/>
+            <a:ext cx="6489819" cy="2417457"/>
+          </a:xfrm>
+          <a:prstGeom prst="rect">
+            <a:avLst/>
+          </a:prstGeom>
+        </p:spPr>
+      </p:pic>
     </p:spTree>
     <p:extLst>
       <p:ext uri="{BB962C8B-B14F-4D97-AF65-F5344CB8AC3E}">
-        <p14:creationId xmlns:p14="http://schemas.microsoft.com/office/powerpoint/2010/main" val="1703342593"/>
+        <p14:creationId xmlns:p14="http://schemas.microsoft.com/office/powerpoint/2010/main" val="705608627"/>
       </p:ext>
     </p:extLst>
   </p:cSld>
@@ -12144,14 +8416,6 @@
 <file path=ppt/slides/slide3.xml><?xml version="1.0" encoding="utf-8"?>
 <p:sld xmlns:a="http://schemas.openxmlformats.org/drawingml/2006/main" xmlns:r="http://schemas.openxmlformats.org/officeDocument/2006/relationships" xmlns:p="http://schemas.openxmlformats.org/presentationml/2006/main">
   <p:cSld>
-    <p:bg>
-      <p:bgPr>
-        <a:solidFill>
-          <a:schemeClr val="bg1"/>
-        </a:solidFill>
-        <a:effectLst/>
-      </p:bgPr>
-    </p:bg>
     <p:spTree>
       <p:nvGrpSpPr>
         <p:cNvPr id="1" name=""/>
@@ -12171,7 +8435,7 @@
           <p:cNvPr id="2" name="Titre 1">
             <a:extLst>
               <a:ext uri="{FF2B5EF4-FFF2-40B4-BE49-F238E27FC236}">
-                <a16:creationId xmlns:a16="http://schemas.microsoft.com/office/drawing/2014/main" id="{921633EB-7DCB-4DDC-80AF-C885A3EE1245}"/>
+                <a16:creationId xmlns:a16="http://schemas.microsoft.com/office/drawing/2014/main" id="{EA2498AA-E7D1-43FE-BCEE-54E31B936EAF}"/>
               </a:ext>
             </a:extLst>
           </p:cNvPr>
@@ -12184,86 +8448,238 @@
         </p:nvSpPr>
         <p:spPr/>
         <p:txBody>
-          <a:bodyPr rtlCol="0"/>
+          <a:bodyPr/>
           <a:lstStyle/>
           <a:p>
-            <a:pPr rtl="0"/>
-            <a:r>
-              <a:rPr lang="fr-FR"/>
-              <a:t>Contexte concurrentiel</a:t>
+            <a:r>
+              <a:rPr lang="fr-FR" dirty="0"/>
+              <a:t>Les principaux solveurs SMT</a:t>
             </a:r>
           </a:p>
         </p:txBody>
       </p:sp>
-      <p:pic>
-        <p:nvPicPr>
-          <p:cNvPr id="11" name="Espace réservé au contenu 4" descr="Graphiques">
+      <p:sp>
+        <p:nvSpPr>
+          <p:cNvPr id="3" name="Espace réservé du contenu 2">
             <a:extLst>
               <a:ext uri="{FF2B5EF4-FFF2-40B4-BE49-F238E27FC236}">
-                <a16:creationId xmlns:a16="http://schemas.microsoft.com/office/drawing/2014/main" id="{47D9BE16-119C-43B2-9AE6-18C4A150C0EF}"/>
+                <a16:creationId xmlns:a16="http://schemas.microsoft.com/office/drawing/2014/main" id="{55DAC0A7-372A-48F5-BAF7-00EE62D8A63D}"/>
               </a:ext>
             </a:extLst>
           </p:cNvPr>
-          <p:cNvPicPr>
-            <a:picLocks noGrp="1" noChangeAspect="1"/>
-          </p:cNvPicPr>
+          <p:cNvSpPr>
+            <a:spLocks noGrp="1"/>
+          </p:cNvSpPr>
           <p:nvPr>
-            <p:ph sz="half" idx="1"/>
+            <p:ph idx="1"/>
           </p:nvPr>
-        </p:nvPicPr>
-        <p:blipFill rotWithShape="1">
-          <a:blip r:embed="rId3" cstate="screen">
-            <a:extLst>
-              <a:ext uri="{28A0092B-C50C-407E-A947-70E740481C1C}">
-                <a14:useLocalDpi xmlns:a14="http://schemas.microsoft.com/office/drawing/2010/main"/>
-              </a:ext>
-            </a:extLst>
-          </a:blip>
-          <a:stretch/>
-        </p:blipFill>
-        <p:spPr>
-          <a:xfrm>
-            <a:off x="581025" y="2231480"/>
-            <a:ext cx="5422900" cy="3625353"/>
-          </a:xfrm>
-        </p:spPr>
-      </p:pic>
-      <p:pic>
-        <p:nvPicPr>
-          <p:cNvPr id="18" name="Espace réservé au contenu 17">
-            <a:extLst>
-              <a:ext uri="{FF2B5EF4-FFF2-40B4-BE49-F238E27FC236}">
-                <a16:creationId xmlns:a16="http://schemas.microsoft.com/office/drawing/2014/main" id="{BFEA8EC1-23A4-4843-A9C3-AE771D73392A}"/>
-              </a:ext>
-            </a:extLst>
-          </p:cNvPr>
-          <p:cNvPicPr>
-            <a:picLocks noGrp="1" noChangeAspect="1"/>
-          </p:cNvPicPr>
-          <p:nvPr>
-            <p:ph sz="half" idx="2"/>
-          </p:nvPr>
-        </p:nvPicPr>
-        <p:blipFill>
-          <a:blip r:embed="rId4"/>
-          <a:stretch>
-            <a:fillRect/>
-          </a:stretch>
-        </p:blipFill>
-        <p:spPr>
-          <a:xfrm>
-            <a:off x="6201812" y="2571845"/>
-            <a:ext cx="5395426" cy="2944623"/>
-          </a:xfrm>
-          <a:prstGeom prst="rect">
-            <a:avLst/>
-          </a:prstGeom>
-        </p:spPr>
-      </p:pic>
+        </p:nvSpPr>
+        <p:spPr/>
+        <p:txBody>
+          <a:bodyPr/>
+          <a:lstStyle/>
+          <a:p>
+            <a:r>
+              <a:rPr lang="fr-FR" dirty="0"/>
+              <a:t>• Alt-Ergo : (Inria Saclay, LRI Orsay, </a:t>
+            </a:r>
+            <a:r>
+              <a:rPr lang="fr-FR" dirty="0" err="1"/>
+              <a:t>Ocaml</a:t>
+            </a:r>
+            <a:r>
+              <a:rPr lang="fr-FR" dirty="0"/>
+              <a:t> Pro) </a:t>
+            </a:r>
+          </a:p>
+          <a:p>
+            <a:pPr marL="0" indent="0">
+              <a:buNone/>
+            </a:pPr>
+            <a:r>
+              <a:rPr lang="fr-FR" dirty="0"/>
+              <a:t>	</a:t>
+            </a:r>
+            <a:r>
+              <a:rPr lang="fr-FR" dirty="0">
+                <a:solidFill>
+                  <a:schemeClr val="accent1">
+                    <a:lumMod val="60000"/>
+                    <a:lumOff val="40000"/>
+                  </a:schemeClr>
+                </a:solidFill>
+              </a:rPr>
+              <a:t>– conçu pour la preuve de programmes (</a:t>
+            </a:r>
+            <a:r>
+              <a:rPr lang="fr-FR" dirty="0" err="1">
+                <a:solidFill>
+                  <a:schemeClr val="accent1">
+                    <a:lumMod val="60000"/>
+                    <a:lumOff val="40000"/>
+                  </a:schemeClr>
+                </a:solidFill>
+              </a:rPr>
+              <a:t>Why</a:t>
+            </a:r>
+            <a:r>
+              <a:rPr lang="fr-FR" dirty="0">
+                <a:solidFill>
+                  <a:schemeClr val="accent1">
+                    <a:lumMod val="60000"/>
+                    <a:lumOff val="40000"/>
+                  </a:schemeClr>
+                </a:solidFill>
+              </a:rPr>
+              <a:t> 3) </a:t>
+            </a:r>
+          </a:p>
+          <a:p>
+            <a:r>
+              <a:rPr lang="fr-FR" dirty="0"/>
+              <a:t>CVC4 : New York </a:t>
+            </a:r>
+            <a:r>
+              <a:rPr lang="fr-FR" dirty="0" err="1"/>
+              <a:t>University</a:t>
+            </a:r>
+            <a:r>
+              <a:rPr lang="fr-FR" dirty="0"/>
+              <a:t>, Iowa </a:t>
+            </a:r>
+            <a:r>
+              <a:rPr lang="fr-FR" dirty="0" err="1"/>
+              <a:t>University</a:t>
+            </a:r>
+            <a:r>
+              <a:rPr lang="fr-FR" dirty="0"/>
+              <a:t> </a:t>
+            </a:r>
+          </a:p>
+          <a:p>
+            <a:pPr marL="0" indent="0">
+              <a:buNone/>
+            </a:pPr>
+            <a:r>
+              <a:rPr lang="fr-FR" dirty="0"/>
+              <a:t>	</a:t>
+            </a:r>
+            <a:r>
+              <a:rPr lang="fr-FR" dirty="0">
+                <a:solidFill>
+                  <a:schemeClr val="accent1">
+                    <a:lumMod val="60000"/>
+                    <a:lumOff val="40000"/>
+                  </a:schemeClr>
+                </a:solidFill>
+              </a:rPr>
+              <a:t>– solveur généraliste, applications variées (langages, model checking, génération de tests, </a:t>
+            </a:r>
+            <a:r>
+              <a:rPr lang="fr-FR" dirty="0" err="1">
+                <a:solidFill>
+                  <a:schemeClr val="accent1">
+                    <a:lumMod val="60000"/>
+                    <a:lumOff val="40000"/>
+                  </a:schemeClr>
+                </a:solidFill>
+              </a:rPr>
+              <a:t>etc</a:t>
+            </a:r>
+            <a:r>
+              <a:rPr lang="fr-FR" dirty="0">
+                <a:solidFill>
+                  <a:schemeClr val="accent1">
+                    <a:lumMod val="60000"/>
+                    <a:lumOff val="40000"/>
+                  </a:schemeClr>
+                </a:solidFill>
+              </a:rPr>
+              <a:t>)</a:t>
+            </a:r>
+            <a:r>
+              <a:rPr lang="fr-FR" dirty="0"/>
+              <a:t> </a:t>
+            </a:r>
+          </a:p>
+          <a:p>
+            <a:r>
+              <a:rPr lang="fr-FR" dirty="0" err="1"/>
+              <a:t>Yices</a:t>
+            </a:r>
+            <a:r>
+              <a:rPr lang="fr-FR" dirty="0"/>
+              <a:t> : SRI </a:t>
+            </a:r>
+            <a:r>
+              <a:rPr lang="fr-FR" dirty="0" err="1"/>
+              <a:t>Menlo</a:t>
+            </a:r>
+            <a:r>
+              <a:rPr lang="fr-FR" dirty="0"/>
+              <a:t> Park</a:t>
+            </a:r>
+          </a:p>
+          <a:p>
+            <a:pPr marL="0" indent="0">
+              <a:buNone/>
+            </a:pPr>
+            <a:r>
+              <a:rPr lang="fr-FR" dirty="0"/>
+              <a:t>	 </a:t>
+            </a:r>
+            <a:r>
+              <a:rPr lang="fr-FR" dirty="0">
+                <a:solidFill>
+                  <a:schemeClr val="accent1">
+                    <a:lumMod val="60000"/>
+                    <a:lumOff val="40000"/>
+                  </a:schemeClr>
+                </a:solidFill>
+              </a:rPr>
+              <a:t>– solveur généraliste, en liaison avec l’assistant PVS</a:t>
+            </a:r>
+          </a:p>
+          <a:p>
+            <a:r>
+              <a:rPr lang="fr-FR" dirty="0"/>
+              <a:t>Z3 : Microsoft </a:t>
+            </a:r>
+            <a:r>
+              <a:rPr lang="fr-FR" dirty="0" err="1"/>
+              <a:t>Research</a:t>
+            </a:r>
+            <a:r>
+              <a:rPr lang="fr-FR" dirty="0"/>
+              <a:t> Redmond </a:t>
+            </a:r>
+          </a:p>
+          <a:p>
+            <a:pPr marL="0" indent="0">
+              <a:buNone/>
+            </a:pPr>
+            <a:r>
+              <a:rPr lang="fr-FR" dirty="0"/>
+              <a:t>	</a:t>
+            </a:r>
+            <a:r>
+              <a:rPr lang="fr-FR" dirty="0">
+                <a:solidFill>
+                  <a:schemeClr val="accent1">
+                    <a:lumMod val="60000"/>
+                    <a:lumOff val="40000"/>
+                  </a:schemeClr>
+                </a:solidFill>
+              </a:rPr>
+              <a:t>– solveur généraliste open source </a:t>
+            </a:r>
+          </a:p>
+        </p:txBody>
+      </p:sp>
     </p:spTree>
     <p:extLst>
       <p:ext uri="{BB962C8B-B14F-4D97-AF65-F5344CB8AC3E}">
-        <p14:creationId xmlns:p14="http://schemas.microsoft.com/office/powerpoint/2010/main" val="497607547"/>
+        <p14:creationId xmlns:p14="http://schemas.microsoft.com/office/powerpoint/2010/main" val="1849388775"/>
       </p:ext>
     </p:extLst>
   </p:cSld>
@@ -12298,297 +8714,12 @@
           <a:chExt cx="0" cy="0"/>
         </a:xfrm>
       </p:grpSpPr>
-      <p:sp useBgFill="1">
-        <p:nvSpPr>
-          <p:cNvPr id="13" name="Rectangle 12">
-            <a:extLst>
-              <a:ext uri="{FF2B5EF4-FFF2-40B4-BE49-F238E27FC236}">
-                <a16:creationId xmlns:a16="http://schemas.microsoft.com/office/drawing/2014/main" id="{4AE9D071-98CF-435C-BD2B-976514544DC5}"/>
-              </a:ext>
-              <a:ext uri="{C183D7F6-B498-43B3-948B-1728B52AA6E4}">
-                <adec:decorative xmlns:adec="http://schemas.microsoft.com/office/drawing/2017/decorative" val="1"/>
-              </a:ext>
-            </a:extLst>
-          </p:cNvPr>
-          <p:cNvSpPr>
-            <a:spLocks noGrp="1" noRot="1" noChangeAspect="1" noMove="1" noResize="1" noEditPoints="1" noAdjustHandles="1" noChangeArrowheads="1" noChangeShapeType="1" noTextEdit="1"/>
-          </p:cNvSpPr>
-          <p:nvPr>
-            <p:extLst>
-              <p:ext uri="{386F3935-93C4-4BCD-93E2-E3B085C9AB24}">
-                <p16:designElem xmlns:p16="http://schemas.microsoft.com/office/powerpoint/2015/main" val="1"/>
-              </p:ext>
-            </p:extLst>
-          </p:nvPr>
-        </p:nvSpPr>
-        <p:spPr>
-          <a:xfrm>
-            <a:off x="0" y="0"/>
-            <a:ext cx="12192000" cy="6858000"/>
-          </a:xfrm>
-          <a:prstGeom prst="rect">
-            <a:avLst/>
-          </a:prstGeom>
-          <a:ln>
-            <a:noFill/>
-          </a:ln>
-        </p:spPr>
-        <p:style>
-          <a:lnRef idx="2">
-            <a:schemeClr val="accent1">
-              <a:shade val="50000"/>
-            </a:schemeClr>
-          </a:lnRef>
-          <a:fillRef idx="1">
-            <a:schemeClr val="accent1"/>
-          </a:fillRef>
-          <a:effectRef idx="0">
-            <a:schemeClr val="accent1"/>
-          </a:effectRef>
-          <a:fontRef idx="minor">
-            <a:schemeClr val="lt1"/>
-          </a:fontRef>
-        </p:style>
-        <p:txBody>
-          <a:bodyPr rtlCol="0" anchor="ctr"/>
-          <a:lstStyle/>
-          <a:p>
-            <a:pPr algn="ctr" rtl="0"/>
-            <a:endParaRPr lang="fr-FR" dirty="0"/>
-          </a:p>
-        </p:txBody>
-      </p:sp>
-      <p:pic>
-        <p:nvPicPr>
-          <p:cNvPr id="8" name="Espace réservé au contenu 4" descr="Valeurs numériques">
-            <a:extLst>
-              <a:ext uri="{FF2B5EF4-FFF2-40B4-BE49-F238E27FC236}">
-                <a16:creationId xmlns:a16="http://schemas.microsoft.com/office/drawing/2014/main" id="{EA70616B-E344-4856-8DF9-707C26236613}"/>
-              </a:ext>
-            </a:extLst>
-          </p:cNvPr>
-          <p:cNvPicPr>
-            <a:picLocks noChangeAspect="1"/>
-          </p:cNvPicPr>
-          <p:nvPr/>
-        </p:nvPicPr>
-        <p:blipFill rotWithShape="1">
-          <a:blip r:embed="rId3" cstate="screen">
-            <a:extLst>
-              <a:ext uri="{28A0092B-C50C-407E-A947-70E740481C1C}">
-                <a14:useLocalDpi xmlns:a14="http://schemas.microsoft.com/office/drawing/2010/main"/>
-              </a:ext>
-            </a:extLst>
-          </a:blip>
-          <a:srcRect t="10681" r="9091" b="12711"/>
-          <a:stretch/>
-        </p:blipFill>
-        <p:spPr>
-          <a:xfrm>
-            <a:off x="20" y="10"/>
-            <a:ext cx="12191980" cy="6857990"/>
-          </a:xfrm>
-          <a:prstGeom prst="rect">
-            <a:avLst/>
-          </a:prstGeom>
-        </p:spPr>
-      </p:pic>
-      <p:grpSp>
-        <p:nvGrpSpPr>
-          <p:cNvPr id="15" name="Groupe 14">
-            <a:extLst>
-              <a:ext uri="{FF2B5EF4-FFF2-40B4-BE49-F238E27FC236}">
-                <a16:creationId xmlns:a16="http://schemas.microsoft.com/office/drawing/2014/main" id="{D619FC33-16ED-4246-9596-BEFEB55E4CF6}"/>
-              </a:ext>
-              <a:ext uri="{C183D7F6-B498-43B3-948B-1728B52AA6E4}">
-                <adec:decorative xmlns:adec="http://schemas.microsoft.com/office/drawing/2017/decorative" val="1"/>
-              </a:ext>
-            </a:extLst>
-          </p:cNvPr>
-          <p:cNvGrpSpPr>
-            <a:grpSpLocks noGrp="1" noUngrp="1" noRot="1" noChangeAspect="1" noMove="1" noResize="1"/>
-          </p:cNvGrpSpPr>
-          <p:nvPr>
-            <p:extLst>
-              <p:ext uri="{386F3935-93C4-4BCD-93E2-E3B085C9AB24}">
-                <p16:designElem xmlns:p16="http://schemas.microsoft.com/office/powerpoint/2015/main" val="1"/>
-              </p:ext>
-            </p:extLst>
-          </p:nvPr>
-        </p:nvGrpSpPr>
-        <p:grpSpPr>
-          <a:xfrm>
-            <a:off x="438067" y="457200"/>
-            <a:ext cx="7507083" cy="5935132"/>
-            <a:chOff x="438067" y="457200"/>
-            <a:chExt cx="7507083" cy="5935132"/>
-          </a:xfrm>
-        </p:grpSpPr>
-        <p:sp>
-          <p:nvSpPr>
-            <p:cNvPr id="16" name="Rectangle 15">
-              <a:extLst>
-                <a:ext uri="{FF2B5EF4-FFF2-40B4-BE49-F238E27FC236}">
-                  <a16:creationId xmlns:a16="http://schemas.microsoft.com/office/drawing/2014/main" id="{2EEA80E1-F99F-4009-837F-2F72F8A5D580}"/>
-                </a:ext>
-                <a:ext uri="{C183D7F6-B498-43B3-948B-1728B52AA6E4}">
-                  <adec:decorative xmlns:adec="http://schemas.microsoft.com/office/drawing/2017/decorative" val="1"/>
-                </a:ext>
-              </a:extLst>
-            </p:cNvPr>
-            <p:cNvSpPr/>
-            <p:nvPr>
-              <p:extLst>
-                <p:ext uri="{386F3935-93C4-4BCD-93E2-E3B085C9AB24}">
-                  <p16:designElem xmlns:p16="http://schemas.microsoft.com/office/powerpoint/2015/main" val="1"/>
-                </p:ext>
-              </p:extLst>
-            </p:nvPr>
-          </p:nvSpPr>
-          <p:spPr>
-            <a:xfrm>
-              <a:off x="438067" y="618067"/>
-              <a:ext cx="7503665" cy="5774265"/>
-            </a:xfrm>
-            <a:prstGeom prst="rect">
-              <a:avLst/>
-            </a:prstGeom>
-            <a:solidFill>
-              <a:schemeClr val="accent1">
-                <a:alpha val="97000"/>
-              </a:schemeClr>
-            </a:solidFill>
-            <a:ln w="6350" cmpd="sng">
-              <a:noFill/>
-            </a:ln>
-            <a:effectLst/>
-          </p:spPr>
-          <p:style>
-            <a:lnRef idx="1">
-              <a:schemeClr val="accent1"/>
-            </a:lnRef>
-            <a:fillRef idx="3">
-              <a:schemeClr val="accent1"/>
-            </a:fillRef>
-            <a:effectRef idx="2">
-              <a:schemeClr val="accent1"/>
-            </a:effectRef>
-            <a:fontRef idx="minor">
-              <a:schemeClr val="lt1"/>
-            </a:fontRef>
-          </p:style>
-        </p:sp>
-        <p:sp>
-          <p:nvSpPr>
-            <p:cNvPr id="17" name="Rectangle 16">
-              <a:extLst>
-                <a:ext uri="{FF2B5EF4-FFF2-40B4-BE49-F238E27FC236}">
-                  <a16:creationId xmlns:a16="http://schemas.microsoft.com/office/drawing/2014/main" id="{0230AF9A-4641-4BD8-9F95-9607CD304039}"/>
-                </a:ext>
-                <a:ext uri="{C183D7F6-B498-43B3-948B-1728B52AA6E4}">
-                  <adec:decorative xmlns:adec="http://schemas.microsoft.com/office/drawing/2017/decorative" val="1"/>
-                </a:ext>
-              </a:extLst>
-            </p:cNvPr>
-            <p:cNvSpPr/>
-            <p:nvPr>
-              <p:extLst>
-                <p:ext uri="{386F3935-93C4-4BCD-93E2-E3B085C9AB24}">
-                  <p16:designElem xmlns:p16="http://schemas.microsoft.com/office/powerpoint/2015/main" val="1"/>
-                </p:ext>
-              </p:extLst>
-            </p:nvPr>
-          </p:nvSpPr>
-          <p:spPr>
-            <a:xfrm>
-              <a:off x="438068" y="457200"/>
-              <a:ext cx="3703320" cy="94997"/>
-            </a:xfrm>
-            <a:prstGeom prst="rect">
-              <a:avLst/>
-            </a:prstGeom>
-            <a:solidFill>
-              <a:schemeClr val="accent1"/>
-            </a:solidFill>
-            <a:ln>
-              <a:noFill/>
-            </a:ln>
-            <a:effectLst/>
-          </p:spPr>
-          <p:style>
-            <a:lnRef idx="1">
-              <a:schemeClr val="accent1"/>
-            </a:lnRef>
-            <a:fillRef idx="3">
-              <a:schemeClr val="accent1"/>
-            </a:fillRef>
-            <a:effectRef idx="2">
-              <a:schemeClr val="accent1"/>
-            </a:effectRef>
-            <a:fontRef idx="minor">
-              <a:schemeClr val="lt1"/>
-            </a:fontRef>
-          </p:style>
-        </p:sp>
-        <p:sp>
-          <p:nvSpPr>
-            <p:cNvPr id="18" name="Rectangle 17">
-              <a:extLst>
-                <a:ext uri="{FF2B5EF4-FFF2-40B4-BE49-F238E27FC236}">
-                  <a16:creationId xmlns:a16="http://schemas.microsoft.com/office/drawing/2014/main" id="{8703D4EC-9389-41B6-B88B-B6FDC8CD3330}"/>
-                </a:ext>
-                <a:ext uri="{C183D7F6-B498-43B3-948B-1728B52AA6E4}">
-                  <adec:decorative xmlns:adec="http://schemas.microsoft.com/office/drawing/2017/decorative" val="1"/>
-                </a:ext>
-              </a:extLst>
-            </p:cNvPr>
-            <p:cNvSpPr/>
-            <p:nvPr>
-              <p:extLst>
-                <p:ext uri="{386F3935-93C4-4BCD-93E2-E3B085C9AB24}">
-                  <p16:designElem xmlns:p16="http://schemas.microsoft.com/office/powerpoint/2015/main" val="1"/>
-                </p:ext>
-              </p:extLst>
-            </p:nvPr>
-          </p:nvSpPr>
-          <p:spPr>
-            <a:xfrm>
-              <a:off x="4241830" y="457200"/>
-              <a:ext cx="3703320" cy="91440"/>
-            </a:xfrm>
-            <a:prstGeom prst="rect">
-              <a:avLst/>
-            </a:prstGeom>
-            <a:solidFill>
-              <a:schemeClr val="accent2"/>
-            </a:solidFill>
-            <a:ln>
-              <a:noFill/>
-            </a:ln>
-            <a:effectLst/>
-          </p:spPr>
-          <p:style>
-            <a:lnRef idx="1">
-              <a:schemeClr val="accent1"/>
-            </a:lnRef>
-            <a:fillRef idx="3">
-              <a:schemeClr val="accent1"/>
-            </a:fillRef>
-            <a:effectRef idx="2">
-              <a:schemeClr val="accent1"/>
-            </a:effectRef>
-            <a:fontRef idx="minor">
-              <a:schemeClr val="lt1"/>
-            </a:fontRef>
-          </p:style>
-        </p:sp>
-      </p:grpSp>
       <p:sp>
         <p:nvSpPr>
           <p:cNvPr id="2" name="Titre 1">
             <a:extLst>
               <a:ext uri="{FF2B5EF4-FFF2-40B4-BE49-F238E27FC236}">
-                <a16:creationId xmlns:a16="http://schemas.microsoft.com/office/drawing/2014/main" id="{7F2616EE-270D-4F4C-BA1F-2708D387B800}"/>
+                <a16:creationId xmlns:a16="http://schemas.microsoft.com/office/drawing/2014/main" id="{5E9710CB-DE28-4E0C-BDCA-46413EDE482A}"/>
               </a:ext>
             </a:extLst>
           </p:cNvPr>
@@ -12601,30 +8732,34 @@
         </p:nvSpPr>
         <p:spPr>
           <a:xfrm>
-            <a:off x="584200" y="1006956"/>
-            <a:ext cx="7213600" cy="1121871"/>
+            <a:off x="581192" y="702156"/>
+            <a:ext cx="11029616" cy="1013800"/>
           </a:xfrm>
         </p:spPr>
         <p:txBody>
-          <a:bodyPr rtlCol="0" anchor="ctr">
+          <a:bodyPr>
             <a:normAutofit/>
           </a:bodyPr>
           <a:lstStyle/>
           <a:p>
-            <a:pPr algn="ctr" rtl="0"/>
-            <a:r>
-              <a:rPr lang="fr-FR" dirty="0"/>
-              <a:t>Communications numériques</a:t>
+            <a:pPr algn="ctr"/>
+            <a:r>
+              <a:rPr lang="fr-FR" dirty="0">
+                <a:solidFill>
+                  <a:srgbClr val="FFFEFF"/>
+                </a:solidFill>
+              </a:rPr>
+              <a:t>La méthode z3</a:t>
             </a:r>
           </a:p>
         </p:txBody>
       </p:sp>
       <p:graphicFrame>
         <p:nvGraphicFramePr>
-          <p:cNvPr id="6" name="Espace réservé au contenu 5" descr="Graphique SmartArt">
+          <p:cNvPr id="5" name="Espace réservé du contenu 2">
             <a:extLst>
               <a:ext uri="{FF2B5EF4-FFF2-40B4-BE49-F238E27FC236}">
-                <a16:creationId xmlns:a16="http://schemas.microsoft.com/office/drawing/2014/main" id="{BF629521-FFD2-45DA-9D1D-A5F09BD5A2D9}"/>
+                <a16:creationId xmlns:a16="http://schemas.microsoft.com/office/drawing/2014/main" id="{EE2522D8-4A64-4828-88C4-ECB219C4BA96}"/>
               </a:ext>
             </a:extLst>
           </p:cNvPr>
@@ -12635,25 +8770,25 @@
             <p:ph idx="1"/>
             <p:extLst>
               <p:ext uri="{D42A27DB-BD31-4B8C-83A1-F6EECF244321}">
-                <p14:modId xmlns:p14="http://schemas.microsoft.com/office/powerpoint/2010/main" val="678616342"/>
+                <p14:modId xmlns:p14="http://schemas.microsoft.com/office/powerpoint/2010/main" val="2495787886"/>
               </p:ext>
             </p:extLst>
           </p:nvPr>
         </p:nvGraphicFramePr>
         <p:xfrm>
-          <a:off x="719571" y="2198254"/>
-          <a:ext cx="6854248" cy="3563938"/>
+          <a:off x="581025" y="2181225"/>
+          <a:ext cx="11029950" cy="3678238"/>
         </p:xfrm>
         <a:graphic>
           <a:graphicData uri="http://schemas.openxmlformats.org/drawingml/2006/diagram">
-            <dgm:relIds xmlns:dgm="http://schemas.openxmlformats.org/drawingml/2006/diagram" xmlns:r="http://schemas.openxmlformats.org/officeDocument/2006/relationships" r:dm="rId4" r:lo="rId5" r:qs="rId6" r:cs="rId7"/>
+            <dgm:relIds xmlns:dgm="http://schemas.openxmlformats.org/drawingml/2006/diagram" xmlns:r="http://schemas.openxmlformats.org/officeDocument/2006/relationships" r:dm="rId2" r:lo="rId3" r:qs="rId4" r:cs="rId5"/>
           </a:graphicData>
         </a:graphic>
       </p:graphicFrame>
     </p:spTree>
     <p:extLst>
       <p:ext uri="{BB962C8B-B14F-4D97-AF65-F5344CB8AC3E}">
-        <p14:creationId xmlns:p14="http://schemas.microsoft.com/office/powerpoint/2010/main" val="4209322005"/>
+        <p14:creationId xmlns:p14="http://schemas.microsoft.com/office/powerpoint/2010/main" val="345203650"/>
       </p:ext>
     </p:extLst>
   </p:cSld>
@@ -12664,6 +8799,412 @@
 </file>
 
 <file path=ppt/slides/slide5.xml><?xml version="1.0" encoding="utf-8"?>
+<p:sld xmlns:a="http://schemas.openxmlformats.org/drawingml/2006/main" xmlns:r="http://schemas.openxmlformats.org/officeDocument/2006/relationships" xmlns:p="http://schemas.openxmlformats.org/presentationml/2006/main">
+  <p:cSld>
+    <p:spTree>
+      <p:nvGrpSpPr>
+        <p:cNvPr id="1" name=""/>
+        <p:cNvGrpSpPr/>
+        <p:nvPr/>
+      </p:nvGrpSpPr>
+      <p:grpSpPr>
+        <a:xfrm>
+          <a:off x="0" y="0"/>
+          <a:ext cx="0" cy="0"/>
+          <a:chOff x="0" y="0"/>
+          <a:chExt cx="0" cy="0"/>
+        </a:xfrm>
+      </p:grpSpPr>
+      <p:sp>
+        <p:nvSpPr>
+          <p:cNvPr id="2" name="Titre 1">
+            <a:extLst>
+              <a:ext uri="{FF2B5EF4-FFF2-40B4-BE49-F238E27FC236}">
+                <a16:creationId xmlns:a16="http://schemas.microsoft.com/office/drawing/2014/main" id="{264204B8-7055-45A5-98D6-5EE3AF9FEAE5}"/>
+              </a:ext>
+            </a:extLst>
+          </p:cNvPr>
+          <p:cNvSpPr>
+            <a:spLocks noGrp="1"/>
+          </p:cNvSpPr>
+          <p:nvPr>
+            <p:ph type="title"/>
+          </p:nvPr>
+        </p:nvSpPr>
+        <p:spPr/>
+        <p:txBody>
+          <a:bodyPr/>
+          <a:lstStyle/>
+          <a:p>
+            <a:r>
+              <a:rPr lang="fr-FR" dirty="0"/>
+              <a:t>Le fonctionnement</a:t>
+            </a:r>
+          </a:p>
+        </p:txBody>
+      </p:sp>
+      <p:sp>
+        <p:nvSpPr>
+          <p:cNvPr id="3" name="Espace réservé du contenu 2">
+            <a:extLst>
+              <a:ext uri="{FF2B5EF4-FFF2-40B4-BE49-F238E27FC236}">
+                <a16:creationId xmlns:a16="http://schemas.microsoft.com/office/drawing/2014/main" id="{A2869CCB-5E66-4A6E-9978-8D661FFDCEC9}"/>
+              </a:ext>
+            </a:extLst>
+          </p:cNvPr>
+          <p:cNvSpPr>
+            <a:spLocks noGrp="1"/>
+          </p:cNvSpPr>
+          <p:nvPr>
+            <p:ph idx="1"/>
+          </p:nvPr>
+        </p:nvSpPr>
+        <p:spPr/>
+        <p:txBody>
+          <a:bodyPr/>
+          <a:lstStyle/>
+          <a:p>
+            <a:endParaRPr lang="fr-FR"/>
+          </a:p>
+        </p:txBody>
+      </p:sp>
+    </p:spTree>
+    <p:extLst>
+      <p:ext uri="{BB962C8B-B14F-4D97-AF65-F5344CB8AC3E}">
+        <p14:creationId xmlns:p14="http://schemas.microsoft.com/office/powerpoint/2010/main" val="2010966938"/>
+      </p:ext>
+    </p:extLst>
+  </p:cSld>
+  <p:clrMapOvr>
+    <a:masterClrMapping/>
+  </p:clrMapOvr>
+</p:sld>
+</file>
+
+<file path=ppt/slides/slide6.xml><?xml version="1.0" encoding="utf-8"?>
+<p:sld xmlns:a="http://schemas.openxmlformats.org/drawingml/2006/main" xmlns:r="http://schemas.openxmlformats.org/officeDocument/2006/relationships" xmlns:p="http://schemas.openxmlformats.org/presentationml/2006/main">
+  <p:cSld>
+    <p:spTree>
+      <p:nvGrpSpPr>
+        <p:cNvPr id="1" name=""/>
+        <p:cNvGrpSpPr/>
+        <p:nvPr/>
+      </p:nvGrpSpPr>
+      <p:grpSpPr>
+        <a:xfrm>
+          <a:off x="0" y="0"/>
+          <a:ext cx="0" cy="0"/>
+          <a:chOff x="0" y="0"/>
+          <a:chExt cx="0" cy="0"/>
+        </a:xfrm>
+      </p:grpSpPr>
+      <p:sp>
+        <p:nvSpPr>
+          <p:cNvPr id="2" name="Titre 1">
+            <a:extLst>
+              <a:ext uri="{FF2B5EF4-FFF2-40B4-BE49-F238E27FC236}">
+                <a16:creationId xmlns:a16="http://schemas.microsoft.com/office/drawing/2014/main" id="{4F198337-DAE2-413B-9FC3-3EC95835DA07}"/>
+              </a:ext>
+            </a:extLst>
+          </p:cNvPr>
+          <p:cNvSpPr>
+            <a:spLocks noGrp="1"/>
+          </p:cNvSpPr>
+          <p:nvPr>
+            <p:ph type="title"/>
+          </p:nvPr>
+        </p:nvSpPr>
+        <p:spPr/>
+        <p:txBody>
+          <a:bodyPr/>
+          <a:lstStyle/>
+          <a:p>
+            <a:r>
+              <a:rPr lang="fr-FR" dirty="0"/>
+              <a:t>Résolution du sudoku par le Z3</a:t>
+            </a:r>
+          </a:p>
+        </p:txBody>
+      </p:sp>
+      <p:sp>
+        <p:nvSpPr>
+          <p:cNvPr id="3" name="Espace réservé du contenu 2">
+            <a:extLst>
+              <a:ext uri="{FF2B5EF4-FFF2-40B4-BE49-F238E27FC236}">
+                <a16:creationId xmlns:a16="http://schemas.microsoft.com/office/drawing/2014/main" id="{A5BFDAB5-1532-4199-958A-00A6EB288C65}"/>
+              </a:ext>
+            </a:extLst>
+          </p:cNvPr>
+          <p:cNvSpPr>
+            <a:spLocks noGrp="1"/>
+          </p:cNvSpPr>
+          <p:nvPr>
+            <p:ph idx="1"/>
+          </p:nvPr>
+        </p:nvSpPr>
+        <p:spPr>
+          <a:xfrm>
+            <a:off x="653111" y="2178122"/>
+            <a:ext cx="4987401" cy="1636120"/>
+          </a:xfrm>
+        </p:spPr>
+        <p:txBody>
+          <a:bodyPr>
+            <a:normAutofit/>
+          </a:bodyPr>
+          <a:lstStyle/>
+          <a:p>
+            <a:r>
+              <a:rPr lang="fr-FR" b="1" dirty="0"/>
+              <a:t>Règles sudoku</a:t>
+            </a:r>
+            <a:r>
+              <a:rPr lang="fr-FR" dirty="0"/>
+              <a:t>: Insérer les nombres dans les cases pour satisfaire une seule condition: chaque ligne, colonne et case 3x3 doit contenir les chiffres 1 à 9 exactement une fois.</a:t>
+            </a:r>
+          </a:p>
+        </p:txBody>
+      </p:sp>
+      <p:pic>
+        <p:nvPicPr>
+          <p:cNvPr id="1027" name="Picture 3" descr="Résultat de recherche d'images pour &quot;sudoku&quot;">
+            <a:extLst>
+              <a:ext uri="{FF2B5EF4-FFF2-40B4-BE49-F238E27FC236}">
+                <a16:creationId xmlns:a16="http://schemas.microsoft.com/office/drawing/2014/main" id="{E674C8DA-CD1E-47FB-A93B-78EA2F2C06B0}"/>
+              </a:ext>
+            </a:extLst>
+          </p:cNvPr>
+          <p:cNvPicPr>
+            <a:picLocks noChangeAspect="1" noChangeArrowheads="1"/>
+          </p:cNvPicPr>
+          <p:nvPr/>
+        </p:nvPicPr>
+        <p:blipFill>
+          <a:blip r:embed="rId2">
+            <a:extLst>
+              <a:ext uri="{28A0092B-C50C-407E-A947-70E740481C1C}">
+                <a14:useLocalDpi xmlns:a14="http://schemas.microsoft.com/office/drawing/2010/main" val="0"/>
+              </a:ext>
+            </a:extLst>
+          </a:blip>
+          <a:srcRect/>
+          <a:stretch>
+            <a:fillRect/>
+          </a:stretch>
+        </p:blipFill>
+        <p:spPr bwMode="auto">
+          <a:xfrm>
+            <a:off x="7637338" y="2299057"/>
+            <a:ext cx="2575174" cy="2575174"/>
+          </a:xfrm>
+          <a:prstGeom prst="rect">
+            <a:avLst/>
+          </a:prstGeom>
+          <a:noFill/>
+          <a:extLst>
+            <a:ext uri="{909E8E84-426E-40DD-AFC4-6F175D3DCCD1}">
+              <a14:hiddenFill xmlns:a14="http://schemas.microsoft.com/office/drawing/2010/main">
+                <a:solidFill>
+                  <a:srgbClr val="FFFFFF"/>
+                </a:solidFill>
+              </a14:hiddenFill>
+            </a:ext>
+          </a:extLst>
+        </p:spPr>
+      </p:pic>
+      <p:sp>
+        <p:nvSpPr>
+          <p:cNvPr id="5" name="ZoneTexte 4">
+            <a:extLst>
+              <a:ext uri="{FF2B5EF4-FFF2-40B4-BE49-F238E27FC236}">
+                <a16:creationId xmlns:a16="http://schemas.microsoft.com/office/drawing/2014/main" id="{158788E1-9ED4-4381-934F-8E248A4E4381}"/>
+              </a:ext>
+            </a:extLst>
+          </p:cNvPr>
+          <p:cNvSpPr txBox="1"/>
+          <p:nvPr/>
+        </p:nvSpPr>
+        <p:spPr>
+          <a:xfrm>
+            <a:off x="1767155" y="3814242"/>
+            <a:ext cx="3000054" cy="584775"/>
+          </a:xfrm>
+          <a:prstGeom prst="rect">
+            <a:avLst/>
+          </a:prstGeom>
+          <a:noFill/>
+        </p:spPr>
+        <p:txBody>
+          <a:bodyPr wrap="square" rtlCol="0">
+            <a:spAutoFit/>
+          </a:bodyPr>
+          <a:lstStyle/>
+          <a:p>
+            <a:r>
+              <a:rPr lang="fr-FR" sz="3200" b="1" dirty="0">
+                <a:solidFill>
+                  <a:srgbClr val="C00000"/>
+                </a:solidFill>
+              </a:rPr>
+              <a:t>Avec Z3 ? </a:t>
+            </a:r>
+          </a:p>
+        </p:txBody>
+      </p:sp>
+      <p:sp>
+        <p:nvSpPr>
+          <p:cNvPr id="6" name="ZoneTexte 5">
+            <a:extLst>
+              <a:ext uri="{FF2B5EF4-FFF2-40B4-BE49-F238E27FC236}">
+                <a16:creationId xmlns:a16="http://schemas.microsoft.com/office/drawing/2014/main" id="{143D1CD3-A64F-4BC0-B409-69ECE4321C36}"/>
+              </a:ext>
+            </a:extLst>
+          </p:cNvPr>
+          <p:cNvSpPr txBox="1"/>
+          <p:nvPr/>
+        </p:nvSpPr>
+        <p:spPr>
+          <a:xfrm>
+            <a:off x="863029" y="4874231"/>
+            <a:ext cx="1561672" cy="369332"/>
+          </a:xfrm>
+          <a:prstGeom prst="rect">
+            <a:avLst/>
+          </a:prstGeom>
+          <a:noFill/>
+        </p:spPr>
+        <p:txBody>
+          <a:bodyPr wrap="square" rtlCol="0">
+            <a:spAutoFit/>
+          </a:bodyPr>
+          <a:lstStyle/>
+          <a:p>
+            <a:r>
+              <a:rPr lang="fr-FR" b="1" dirty="0"/>
+              <a:t>Simple</a:t>
+            </a:r>
+          </a:p>
+        </p:txBody>
+      </p:sp>
+      <p:sp>
+        <p:nvSpPr>
+          <p:cNvPr id="7" name="ZoneTexte 6">
+            <a:extLst>
+              <a:ext uri="{FF2B5EF4-FFF2-40B4-BE49-F238E27FC236}">
+                <a16:creationId xmlns:a16="http://schemas.microsoft.com/office/drawing/2014/main" id="{22FDD6C4-4483-4353-9421-4A52BF7A30AF}"/>
+              </a:ext>
+            </a:extLst>
+          </p:cNvPr>
+          <p:cNvSpPr txBox="1"/>
+          <p:nvPr/>
+        </p:nvSpPr>
+        <p:spPr>
+          <a:xfrm>
+            <a:off x="4421527" y="4804031"/>
+            <a:ext cx="2784297" cy="646331"/>
+          </a:xfrm>
+          <a:prstGeom prst="rect">
+            <a:avLst/>
+          </a:prstGeom>
+          <a:noFill/>
+        </p:spPr>
+        <p:txBody>
+          <a:bodyPr wrap="square" rtlCol="0">
+            <a:spAutoFit/>
+          </a:bodyPr>
+          <a:lstStyle/>
+          <a:p>
+            <a:r>
+              <a:rPr lang="fr-FR" b="1" dirty="0"/>
+              <a:t>Utilisation des connections logiques </a:t>
+            </a:r>
+          </a:p>
+        </p:txBody>
+      </p:sp>
+      <p:sp>
+        <p:nvSpPr>
+          <p:cNvPr id="8" name="ZoneTexte 7">
+            <a:extLst>
+              <a:ext uri="{FF2B5EF4-FFF2-40B4-BE49-F238E27FC236}">
+                <a16:creationId xmlns:a16="http://schemas.microsoft.com/office/drawing/2014/main" id="{93A86DDF-311A-48FE-A0ED-82BD6CFD7CC9}"/>
+              </a:ext>
+            </a:extLst>
+          </p:cNvPr>
+          <p:cNvSpPr txBox="1"/>
+          <p:nvPr/>
+        </p:nvSpPr>
+        <p:spPr>
+          <a:xfrm>
+            <a:off x="2065105" y="5534111"/>
+            <a:ext cx="914400" cy="369332"/>
+          </a:xfrm>
+          <a:prstGeom prst="rect">
+            <a:avLst/>
+          </a:prstGeom>
+          <a:noFill/>
+        </p:spPr>
+        <p:txBody>
+          <a:bodyPr wrap="square" rtlCol="0">
+            <a:spAutoFit/>
+          </a:bodyPr>
+          <a:lstStyle/>
+          <a:p>
+            <a:r>
+              <a:rPr lang="fr-FR" b="1" dirty="0"/>
+              <a:t>&lt;=</a:t>
+            </a:r>
+          </a:p>
+        </p:txBody>
+      </p:sp>
+      <p:sp>
+        <p:nvSpPr>
+          <p:cNvPr id="9" name="ZoneTexte 8">
+            <a:extLst>
+              <a:ext uri="{FF2B5EF4-FFF2-40B4-BE49-F238E27FC236}">
+                <a16:creationId xmlns:a16="http://schemas.microsoft.com/office/drawing/2014/main" id="{537DFFCE-1D2A-4CC7-898A-C1B4D556B2AF}"/>
+              </a:ext>
+            </a:extLst>
+          </p:cNvPr>
+          <p:cNvSpPr txBox="1"/>
+          <p:nvPr/>
+        </p:nvSpPr>
+        <p:spPr>
+          <a:xfrm>
+            <a:off x="3267182" y="5534111"/>
+            <a:ext cx="644353" cy="369332"/>
+          </a:xfrm>
+          <a:prstGeom prst="rect">
+            <a:avLst/>
+          </a:prstGeom>
+          <a:noFill/>
+        </p:spPr>
+        <p:txBody>
+          <a:bodyPr wrap="square" rtlCol="0">
+            <a:spAutoFit/>
+          </a:bodyPr>
+          <a:lstStyle/>
+          <a:p>
+            <a:r>
+              <a:rPr lang="fr-FR" b="1" dirty="0"/>
+              <a:t>&gt;=</a:t>
+            </a:r>
+          </a:p>
+        </p:txBody>
+      </p:sp>
+    </p:spTree>
+    <p:extLst>
+      <p:ext uri="{BB962C8B-B14F-4D97-AF65-F5344CB8AC3E}">
+        <p14:creationId xmlns:p14="http://schemas.microsoft.com/office/powerpoint/2010/main" val="1370247771"/>
+      </p:ext>
+    </p:extLst>
+  </p:cSld>
+  <p:clrMapOvr>
+    <a:masterClrMapping/>
+  </p:clrMapOvr>
+</p:sld>
+</file>
+
+<file path=ppt/slides/slide7.xml><?xml version="1.0" encoding="utf-8"?>
 <p:sld xmlns:a="http://schemas.openxmlformats.org/drawingml/2006/main" xmlns:r="http://schemas.openxmlformats.org/officeDocument/2006/relationships" xmlns:p="http://schemas.openxmlformats.org/presentationml/2006/main">
   <p:cSld>
     <p:bg>
@@ -12874,62 +9415,6 @@
               </a:rPr>
               <a:t>Merci de votre attention</a:t>
             </a:r>
-          </a:p>
-        </p:txBody>
-      </p:sp>
-      <p:sp>
-        <p:nvSpPr>
-          <p:cNvPr id="3" name="Sous-titre 2">
-            <a:extLst>
-              <a:ext uri="{FF2B5EF4-FFF2-40B4-BE49-F238E27FC236}">
-                <a16:creationId xmlns:a16="http://schemas.microsoft.com/office/drawing/2014/main" id="{A9CB511D-EA45-4336-847C-1252667143B5}"/>
-              </a:ext>
-            </a:extLst>
-          </p:cNvPr>
-          <p:cNvSpPr>
-            <a:spLocks noGrp="1"/>
-          </p:cNvSpPr>
-          <p:nvPr>
-            <p:ph type="subTitle" idx="1"/>
-          </p:nvPr>
-        </p:nvSpPr>
-        <p:spPr>
-          <a:xfrm>
-            <a:off x="8296275" y="3505095"/>
-            <a:ext cx="3081576" cy="2629006"/>
-          </a:xfrm>
-        </p:spPr>
-        <p:txBody>
-          <a:bodyPr rtlCol="0">
-            <a:normAutofit/>
-          </a:bodyPr>
-          <a:lstStyle/>
-          <a:p>
-            <a:pPr rtl="0"/>
-            <a:r>
-              <a:rPr lang="fr-FR">
-                <a:solidFill>
-                  <a:schemeClr val="bg2"/>
-                </a:solidFill>
-              </a:rPr>
-              <a:t>xyz@example.com</a:t>
-            </a:r>
-          </a:p>
-          <a:p>
-            <a:pPr rtl="0"/>
-            <a:endParaRPr lang="fr-FR">
-              <a:solidFill>
-                <a:schemeClr val="bg2"/>
-              </a:solidFill>
-            </a:endParaRPr>
-          </a:p>
-          <a:p>
-            <a:pPr rtl="0"/>
-            <a:endParaRPr lang="fr-FR">
-              <a:solidFill>
-                <a:schemeClr val="bg2"/>
-              </a:solidFill>
-            </a:endParaRPr>
           </a:p>
         </p:txBody>
       </p:sp>
@@ -13121,6 +9606,31 @@
           </p:style>
         </p:sp>
       </p:grpSp>
+      <p:sp>
+        <p:nvSpPr>
+          <p:cNvPr id="6" name="Sous-titre 5">
+            <a:extLst>
+              <a:ext uri="{FF2B5EF4-FFF2-40B4-BE49-F238E27FC236}">
+                <a16:creationId xmlns:a16="http://schemas.microsoft.com/office/drawing/2014/main" id="{6F92BBB7-64F8-4663-B0F8-B5E6A38B2506}"/>
+              </a:ext>
+            </a:extLst>
+          </p:cNvPr>
+          <p:cNvSpPr>
+            <a:spLocks noGrp="1"/>
+          </p:cNvSpPr>
+          <p:nvPr>
+            <p:ph type="subTitle" idx="1"/>
+          </p:nvPr>
+        </p:nvSpPr>
+        <p:spPr/>
+        <p:txBody>
+          <a:bodyPr/>
+          <a:lstStyle/>
+          <a:p>
+            <a:endParaRPr lang="fr-FR"/>
+          </a:p>
+        </p:txBody>
+      </p:sp>
     </p:spTree>
     <p:extLst>
       <p:ext uri="{BB962C8B-B14F-4D97-AF65-F5344CB8AC3E}">
@@ -13994,14 +10504,6 @@
 </file>
 
 <file path=customXml/item1.xml><?xml version="1.0" encoding="utf-8"?>
-<p:properties xmlns:p="http://schemas.microsoft.com/office/2006/metadata/properties" xmlns:xsi="http://www.w3.org/2001/XMLSchema-instance" xmlns:pc="http://schemas.microsoft.com/office/infopath/2007/PartnerControls">
-  <documentManagement>
-    <MediaServiceKeyPoints xmlns="71af3243-3dd4-4a8d-8c0d-dd76da1f02a5" xsi:nil="true"/>
-  </documentManagement>
-</p:properties>
-</file>
-
-<file path=customXml/item2.xml><?xml version="1.0" encoding="utf-8"?>
 <?mso-contentType ?>
 <FormTemplates xmlns="http://schemas.microsoft.com/sharepoint/v3/contenttype/forms">
   <Display>DocumentLibraryForm</Display>
@@ -14010,7 +10512,7 @@
 </FormTemplates>
 </file>
 
-<file path=customXml/item3.xml><?xml version="1.0" encoding="utf-8"?>
+<file path=customXml/item2.xml><?xml version="1.0" encoding="utf-8"?>
 <ct:contentTypeSchema xmlns:ct="http://schemas.microsoft.com/office/2006/metadata/contentType" xmlns:ma="http://schemas.microsoft.com/office/2006/metadata/properties/metaAttributes" ct:_="" ma:_="" ma:contentTypeName="Document" ma:contentTypeID="0x01010079F111ED35F8CC479449609E8A0923A6" ma:contentTypeVersion="11" ma:contentTypeDescription="Create a new document." ma:contentTypeScope="" ma:versionID="1c2eb7a32e66fb6e4260f3771546a5e2">
   <xsd:schema xmlns:xsd="http://www.w3.org/2001/XMLSchema" xmlns:xs="http://www.w3.org/2001/XMLSchema" xmlns:p="http://schemas.microsoft.com/office/2006/metadata/properties" xmlns:ns2="71af3243-3dd4-4a8d-8c0d-dd76da1f02a5" xmlns:ns3="16c05727-aa75-4e4a-9b5f-8a80a1165891" targetNamespace="http://schemas.microsoft.com/office/2006/metadata/properties" ma:root="true" ma:fieldsID="04e1f6479c48b08974ba73b5ca973489" ns2:_="" ns3:_="">
     <xsd:import namespace="71af3243-3dd4-4a8d-8c0d-dd76da1f02a5"/>
@@ -14221,17 +10723,15 @@
 </ct:contentTypeSchema>
 </file>
 
-<file path=customXml/itemProps1.xml><?xml version="1.0" encoding="utf-8"?>
-<ds:datastoreItem xmlns:ds="http://schemas.openxmlformats.org/officeDocument/2006/customXml" ds:itemID="{1EBC12AA-1C15-4500-BC9C-8EE83A441DE9}">
-  <ds:schemaRefs>
-    <ds:schemaRef ds:uri="http://schemas.microsoft.com/office/2006/metadata/properties"/>
-    <ds:schemaRef ds:uri="http://schemas.microsoft.com/office/infopath/2007/PartnerControls"/>
-    <ds:schemaRef ds:uri="71af3243-3dd4-4a8d-8c0d-dd76da1f02a5"/>
-  </ds:schemaRefs>
-</ds:datastoreItem>
+<file path=customXml/item3.xml><?xml version="1.0" encoding="utf-8"?>
+<p:properties xmlns:p="http://schemas.microsoft.com/office/2006/metadata/properties" xmlns:xsi="http://www.w3.org/2001/XMLSchema-instance" xmlns:pc="http://schemas.microsoft.com/office/infopath/2007/PartnerControls">
+  <documentManagement>
+    <MediaServiceKeyPoints xmlns="71af3243-3dd4-4a8d-8c0d-dd76da1f02a5" xsi:nil="true"/>
+  </documentManagement>
+</p:properties>
 </file>
 
-<file path=customXml/itemProps2.xml><?xml version="1.0" encoding="utf-8"?>
+<file path=customXml/itemProps1.xml><?xml version="1.0" encoding="utf-8"?>
 <ds:datastoreItem xmlns:ds="http://schemas.openxmlformats.org/officeDocument/2006/customXml" ds:itemID="{BA0CF3B2-1F0F-4FC5-8002-3E4869ABAD55}">
   <ds:schemaRefs>
     <ds:schemaRef ds:uri="http://schemas.microsoft.com/sharepoint/v3/contenttype/forms"/>
@@ -14239,7 +10739,7 @@
 </ds:datastoreItem>
 </file>
 
-<file path=customXml/itemProps3.xml><?xml version="1.0" encoding="utf-8"?>
+<file path=customXml/itemProps2.xml><?xml version="1.0" encoding="utf-8"?>
 <ds:datastoreItem xmlns:ds="http://schemas.openxmlformats.org/officeDocument/2006/customXml" ds:itemID="{1F69AFF4-BB30-4BA0-AD22-82CC3C43276B}">
   <ds:schemaRefs>
     <ds:schemaRef ds:uri="http://schemas.microsoft.com/office/2006/metadata/contentType"/>
@@ -14256,4 +10756,14 @@
     <ds:schemaRef ds:uri="http://schemas.microsoft.com/internal/obd"/>
   </ds:schemaRefs>
 </ds:datastoreItem>
+</file>
+
+<file path=customXml/itemProps3.xml><?xml version="1.0" encoding="utf-8"?>
+<ds:datastoreItem xmlns:ds="http://schemas.openxmlformats.org/officeDocument/2006/customXml" ds:itemID="{1EBC12AA-1C15-4500-BC9C-8EE83A441DE9}">
+  <ds:schemaRefs>
+    <ds:schemaRef ds:uri="http://schemas.microsoft.com/office/2006/metadata/properties"/>
+    <ds:schemaRef ds:uri="http://schemas.microsoft.com/office/infopath/2007/PartnerControls"/>
+    <ds:schemaRef ds:uri="71af3243-3dd4-4a8d-8c0d-dd76da1f02a5"/>
+  </ds:schemaRefs>
+</ds:datastoreItem>
 </file>